--- a/Project1 - stocks analysis PPT.pptx
+++ b/Project1 - stocks analysis PPT.pptx
@@ -5,7 +5,7 @@
     <p:sldMasterId id="2147483648" r:id="rId1"/>
   </p:sldMasterIdLst>
   <p:notesMasterIdLst>
-    <p:notesMasterId r:id="rId11"/>
+    <p:notesMasterId r:id="rId13"/>
   </p:notesMasterIdLst>
   <p:sldIdLst>
     <p:sldId id="256" r:id="rId2"/>
@@ -16,7 +16,9 @@
     <p:sldId id="262" r:id="rId7"/>
     <p:sldId id="263" r:id="rId8"/>
     <p:sldId id="264" r:id="rId9"/>
-    <p:sldId id="265" r:id="rId10"/>
+    <p:sldId id="267" r:id="rId10"/>
+    <p:sldId id="265" r:id="rId11"/>
+    <p:sldId id="266" r:id="rId12"/>
   </p:sldIdLst>
   <p:sldSz cx="12192000" cy="6858000"/>
   <p:notesSz cx="6858000" cy="9144000"/>
@@ -115,6 +117,11 @@
       </a:defRPr>
     </a:lvl9pPr>
   </p:defaultTextStyle>
+  <p:extLst>
+    <p:ext uri="{EFAFB233-063F-42B5-8137-9DF3F51BA10A}">
+      <p15:sldGuideLst xmlns:p15="http://schemas.microsoft.com/office/powerpoint/2012/main"/>
+    </p:ext>
+  </p:extLst>
 </p:presentation>
 </file>
 
@@ -466,6 +473,678 @@
     </a:lvl9pPr>
   </p:notesStyle>
 </p:notesMaster>
+</file>
+
+<file path=ppt/notesSlides/notesSlide1.xml><?xml version="1.0" encoding="utf-8"?>
+<p:notes xmlns:a="http://schemas.openxmlformats.org/drawingml/2006/main" xmlns:r="http://schemas.openxmlformats.org/officeDocument/2006/relationships" xmlns:p="http://schemas.openxmlformats.org/presentationml/2006/main">
+  <p:cSld>
+    <p:spTree>
+      <p:nvGrpSpPr>
+        <p:cNvPr id="1" name=""/>
+        <p:cNvGrpSpPr/>
+        <p:nvPr/>
+      </p:nvGrpSpPr>
+      <p:grpSpPr>
+        <a:xfrm>
+          <a:off x="0" y="0"/>
+          <a:ext cx="0" cy="0"/>
+          <a:chOff x="0" y="0"/>
+          <a:chExt cx="0" cy="0"/>
+        </a:xfrm>
+      </p:grpSpPr>
+      <p:sp>
+        <p:nvSpPr>
+          <p:cNvPr id="2" name="Slide Image Placeholder 1"/>
+          <p:cNvSpPr>
+            <a:spLocks noGrp="1" noRot="1" noChangeAspect="1"/>
+          </p:cNvSpPr>
+          <p:nvPr>
+            <p:ph type="sldImg"/>
+          </p:nvPr>
+        </p:nvSpPr>
+        <p:spPr/>
+      </p:sp>
+      <p:sp>
+        <p:nvSpPr>
+          <p:cNvPr id="3" name="Notes Placeholder 2"/>
+          <p:cNvSpPr>
+            <a:spLocks noGrp="1"/>
+          </p:cNvSpPr>
+          <p:nvPr>
+            <p:ph type="body" idx="1"/>
+          </p:nvPr>
+        </p:nvSpPr>
+        <p:spPr/>
+        <p:txBody>
+          <a:bodyPr/>
+          <a:lstStyle/>
+          <a:p>
+            <a:endParaRPr lang="en-GE" dirty="0"/>
+          </a:p>
+        </p:txBody>
+      </p:sp>
+      <p:sp>
+        <p:nvSpPr>
+          <p:cNvPr id="4" name="Slide Number Placeholder 3"/>
+          <p:cNvSpPr>
+            <a:spLocks noGrp="1"/>
+          </p:cNvSpPr>
+          <p:nvPr>
+            <p:ph type="sldNum" sz="quarter" idx="5"/>
+          </p:nvPr>
+        </p:nvSpPr>
+        <p:spPr/>
+        <p:txBody>
+          <a:bodyPr/>
+          <a:lstStyle/>
+          <a:p>
+            <a:fld id="{CB0D2D53-BFD1-4544-919A-C1ADA24963E5}" type="slidenum">
+              <a:rPr lang="en-GE" smtClean="0"/>
+              <a:t>1</a:t>
+            </a:fld>
+            <a:endParaRPr lang="en-GE"/>
+          </a:p>
+        </p:txBody>
+      </p:sp>
+    </p:spTree>
+    <p:extLst>
+      <p:ext uri="{BB962C8B-B14F-4D97-AF65-F5344CB8AC3E}">
+        <p14:creationId xmlns:p14="http://schemas.microsoft.com/office/powerpoint/2010/main" val="2690645766"/>
+      </p:ext>
+    </p:extLst>
+  </p:cSld>
+  <p:clrMapOvr>
+    <a:masterClrMapping/>
+  </p:clrMapOvr>
+</p:notes>
+</file>
+
+<file path=ppt/notesSlides/notesSlide2.xml><?xml version="1.0" encoding="utf-8"?>
+<p:notes xmlns:a="http://schemas.openxmlformats.org/drawingml/2006/main" xmlns:r="http://schemas.openxmlformats.org/officeDocument/2006/relationships" xmlns:p="http://schemas.openxmlformats.org/presentationml/2006/main">
+  <p:cSld>
+    <p:spTree>
+      <p:nvGrpSpPr>
+        <p:cNvPr id="1" name=""/>
+        <p:cNvGrpSpPr/>
+        <p:nvPr/>
+      </p:nvGrpSpPr>
+      <p:grpSpPr>
+        <a:xfrm>
+          <a:off x="0" y="0"/>
+          <a:ext cx="0" cy="0"/>
+          <a:chOff x="0" y="0"/>
+          <a:chExt cx="0" cy="0"/>
+        </a:xfrm>
+      </p:grpSpPr>
+      <p:sp>
+        <p:nvSpPr>
+          <p:cNvPr id="2" name="Slide Image Placeholder 1"/>
+          <p:cNvSpPr>
+            <a:spLocks noGrp="1" noRot="1" noChangeAspect="1"/>
+          </p:cNvSpPr>
+          <p:nvPr>
+            <p:ph type="sldImg"/>
+          </p:nvPr>
+        </p:nvSpPr>
+        <p:spPr/>
+      </p:sp>
+      <p:sp>
+        <p:nvSpPr>
+          <p:cNvPr id="3" name="Notes Placeholder 2"/>
+          <p:cNvSpPr>
+            <a:spLocks noGrp="1"/>
+          </p:cNvSpPr>
+          <p:nvPr>
+            <p:ph type="body" idx="1"/>
+          </p:nvPr>
+        </p:nvSpPr>
+        <p:spPr/>
+        <p:txBody>
+          <a:bodyPr/>
+          <a:lstStyle/>
+          <a:p>
+            <a:endParaRPr lang="en-GE"/>
+          </a:p>
+        </p:txBody>
+      </p:sp>
+      <p:sp>
+        <p:nvSpPr>
+          <p:cNvPr id="4" name="Slide Number Placeholder 3"/>
+          <p:cNvSpPr>
+            <a:spLocks noGrp="1"/>
+          </p:cNvSpPr>
+          <p:nvPr>
+            <p:ph type="sldNum" sz="quarter" idx="5"/>
+          </p:nvPr>
+        </p:nvSpPr>
+        <p:spPr/>
+        <p:txBody>
+          <a:bodyPr/>
+          <a:lstStyle/>
+          <a:p>
+            <a:fld id="{CB0D2D53-BFD1-4544-919A-C1ADA24963E5}" type="slidenum">
+              <a:rPr lang="en-GE" smtClean="0"/>
+              <a:t>2</a:t>
+            </a:fld>
+            <a:endParaRPr lang="en-GE"/>
+          </a:p>
+        </p:txBody>
+      </p:sp>
+    </p:spTree>
+    <p:extLst>
+      <p:ext uri="{BB962C8B-B14F-4D97-AF65-F5344CB8AC3E}">
+        <p14:creationId xmlns:p14="http://schemas.microsoft.com/office/powerpoint/2010/main" val="1012984298"/>
+      </p:ext>
+    </p:extLst>
+  </p:cSld>
+  <p:clrMapOvr>
+    <a:masterClrMapping/>
+  </p:clrMapOvr>
+</p:notes>
+</file>
+
+<file path=ppt/notesSlides/notesSlide3.xml><?xml version="1.0" encoding="utf-8"?>
+<p:notes xmlns:a="http://schemas.openxmlformats.org/drawingml/2006/main" xmlns:r="http://schemas.openxmlformats.org/officeDocument/2006/relationships" xmlns:p="http://schemas.openxmlformats.org/presentationml/2006/main">
+  <p:cSld>
+    <p:spTree>
+      <p:nvGrpSpPr>
+        <p:cNvPr id="1" name=""/>
+        <p:cNvGrpSpPr/>
+        <p:nvPr/>
+      </p:nvGrpSpPr>
+      <p:grpSpPr>
+        <a:xfrm>
+          <a:off x="0" y="0"/>
+          <a:ext cx="0" cy="0"/>
+          <a:chOff x="0" y="0"/>
+          <a:chExt cx="0" cy="0"/>
+        </a:xfrm>
+      </p:grpSpPr>
+      <p:sp>
+        <p:nvSpPr>
+          <p:cNvPr id="2" name="Slide Image Placeholder 1"/>
+          <p:cNvSpPr>
+            <a:spLocks noGrp="1" noRot="1" noChangeAspect="1"/>
+          </p:cNvSpPr>
+          <p:nvPr>
+            <p:ph type="sldImg"/>
+          </p:nvPr>
+        </p:nvSpPr>
+        <p:spPr/>
+      </p:sp>
+      <p:sp>
+        <p:nvSpPr>
+          <p:cNvPr id="3" name="Notes Placeholder 2"/>
+          <p:cNvSpPr>
+            <a:spLocks noGrp="1"/>
+          </p:cNvSpPr>
+          <p:nvPr>
+            <p:ph type="body" idx="1"/>
+          </p:nvPr>
+        </p:nvSpPr>
+        <p:spPr/>
+        <p:txBody>
+          <a:bodyPr/>
+          <a:lstStyle/>
+          <a:p>
+            <a:endParaRPr lang="en-GE"/>
+          </a:p>
+        </p:txBody>
+      </p:sp>
+      <p:sp>
+        <p:nvSpPr>
+          <p:cNvPr id="4" name="Slide Number Placeholder 3"/>
+          <p:cNvSpPr>
+            <a:spLocks noGrp="1"/>
+          </p:cNvSpPr>
+          <p:nvPr>
+            <p:ph type="sldNum" sz="quarter" idx="5"/>
+          </p:nvPr>
+        </p:nvSpPr>
+        <p:spPr/>
+        <p:txBody>
+          <a:bodyPr/>
+          <a:lstStyle/>
+          <a:p>
+            <a:fld id="{CB0D2D53-BFD1-4544-919A-C1ADA24963E5}" type="slidenum">
+              <a:rPr lang="en-GE" smtClean="0"/>
+              <a:t>3</a:t>
+            </a:fld>
+            <a:endParaRPr lang="en-GE"/>
+          </a:p>
+        </p:txBody>
+      </p:sp>
+    </p:spTree>
+    <p:extLst>
+      <p:ext uri="{BB962C8B-B14F-4D97-AF65-F5344CB8AC3E}">
+        <p14:creationId xmlns:p14="http://schemas.microsoft.com/office/powerpoint/2010/main" val="97813311"/>
+      </p:ext>
+    </p:extLst>
+  </p:cSld>
+  <p:clrMapOvr>
+    <a:masterClrMapping/>
+  </p:clrMapOvr>
+</p:notes>
+</file>
+
+<file path=ppt/notesSlides/notesSlide4.xml><?xml version="1.0" encoding="utf-8"?>
+<p:notes xmlns:a="http://schemas.openxmlformats.org/drawingml/2006/main" xmlns:r="http://schemas.openxmlformats.org/officeDocument/2006/relationships" xmlns:p="http://schemas.openxmlformats.org/presentationml/2006/main">
+  <p:cSld>
+    <p:spTree>
+      <p:nvGrpSpPr>
+        <p:cNvPr id="1" name=""/>
+        <p:cNvGrpSpPr/>
+        <p:nvPr/>
+      </p:nvGrpSpPr>
+      <p:grpSpPr>
+        <a:xfrm>
+          <a:off x="0" y="0"/>
+          <a:ext cx="0" cy="0"/>
+          <a:chOff x="0" y="0"/>
+          <a:chExt cx="0" cy="0"/>
+        </a:xfrm>
+      </p:grpSpPr>
+      <p:sp>
+        <p:nvSpPr>
+          <p:cNvPr id="2" name="Slide Image Placeholder 1"/>
+          <p:cNvSpPr>
+            <a:spLocks noGrp="1" noRot="1" noChangeAspect="1"/>
+          </p:cNvSpPr>
+          <p:nvPr>
+            <p:ph type="sldImg"/>
+          </p:nvPr>
+        </p:nvSpPr>
+        <p:spPr/>
+      </p:sp>
+      <p:sp>
+        <p:nvSpPr>
+          <p:cNvPr id="3" name="Notes Placeholder 2"/>
+          <p:cNvSpPr>
+            <a:spLocks noGrp="1"/>
+          </p:cNvSpPr>
+          <p:nvPr>
+            <p:ph type="body" idx="1"/>
+          </p:nvPr>
+        </p:nvSpPr>
+        <p:spPr/>
+        <p:txBody>
+          <a:bodyPr/>
+          <a:lstStyle/>
+          <a:p>
+            <a:endParaRPr lang="en-GE"/>
+          </a:p>
+        </p:txBody>
+      </p:sp>
+      <p:sp>
+        <p:nvSpPr>
+          <p:cNvPr id="4" name="Slide Number Placeholder 3"/>
+          <p:cNvSpPr>
+            <a:spLocks noGrp="1"/>
+          </p:cNvSpPr>
+          <p:nvPr>
+            <p:ph type="sldNum" sz="quarter" idx="5"/>
+          </p:nvPr>
+        </p:nvSpPr>
+        <p:spPr/>
+        <p:txBody>
+          <a:bodyPr/>
+          <a:lstStyle/>
+          <a:p>
+            <a:fld id="{CB0D2D53-BFD1-4544-919A-C1ADA24963E5}" type="slidenum">
+              <a:rPr lang="en-GE" smtClean="0"/>
+              <a:t>5</a:t>
+            </a:fld>
+            <a:endParaRPr lang="en-GE"/>
+          </a:p>
+        </p:txBody>
+      </p:sp>
+    </p:spTree>
+    <p:extLst>
+      <p:ext uri="{BB962C8B-B14F-4D97-AF65-F5344CB8AC3E}">
+        <p14:creationId xmlns:p14="http://schemas.microsoft.com/office/powerpoint/2010/main" val="3924248372"/>
+      </p:ext>
+    </p:extLst>
+  </p:cSld>
+  <p:clrMapOvr>
+    <a:masterClrMapping/>
+  </p:clrMapOvr>
+</p:notes>
+</file>
+
+<file path=ppt/notesSlides/notesSlide5.xml><?xml version="1.0" encoding="utf-8"?>
+<p:notes xmlns:a="http://schemas.openxmlformats.org/drawingml/2006/main" xmlns:r="http://schemas.openxmlformats.org/officeDocument/2006/relationships" xmlns:p="http://schemas.openxmlformats.org/presentationml/2006/main">
+  <p:cSld>
+    <p:spTree>
+      <p:nvGrpSpPr>
+        <p:cNvPr id="1" name=""/>
+        <p:cNvGrpSpPr/>
+        <p:nvPr/>
+      </p:nvGrpSpPr>
+      <p:grpSpPr>
+        <a:xfrm>
+          <a:off x="0" y="0"/>
+          <a:ext cx="0" cy="0"/>
+          <a:chOff x="0" y="0"/>
+          <a:chExt cx="0" cy="0"/>
+        </a:xfrm>
+      </p:grpSpPr>
+      <p:sp>
+        <p:nvSpPr>
+          <p:cNvPr id="2" name="Slide Image Placeholder 1"/>
+          <p:cNvSpPr>
+            <a:spLocks noGrp="1" noRot="1" noChangeAspect="1"/>
+          </p:cNvSpPr>
+          <p:nvPr>
+            <p:ph type="sldImg"/>
+          </p:nvPr>
+        </p:nvSpPr>
+        <p:spPr/>
+      </p:sp>
+      <p:sp>
+        <p:nvSpPr>
+          <p:cNvPr id="3" name="Notes Placeholder 2"/>
+          <p:cNvSpPr>
+            <a:spLocks noGrp="1"/>
+          </p:cNvSpPr>
+          <p:nvPr>
+            <p:ph type="body" idx="1"/>
+          </p:nvPr>
+        </p:nvSpPr>
+        <p:spPr/>
+        <p:txBody>
+          <a:bodyPr/>
+          <a:lstStyle/>
+          <a:p>
+            <a:endParaRPr lang="en-GE"/>
+          </a:p>
+        </p:txBody>
+      </p:sp>
+      <p:sp>
+        <p:nvSpPr>
+          <p:cNvPr id="4" name="Slide Number Placeholder 3"/>
+          <p:cNvSpPr>
+            <a:spLocks noGrp="1"/>
+          </p:cNvSpPr>
+          <p:nvPr>
+            <p:ph type="sldNum" sz="quarter" idx="5"/>
+          </p:nvPr>
+        </p:nvSpPr>
+        <p:spPr/>
+        <p:txBody>
+          <a:bodyPr/>
+          <a:lstStyle/>
+          <a:p>
+            <a:fld id="{CB0D2D53-BFD1-4544-919A-C1ADA24963E5}" type="slidenum">
+              <a:rPr lang="en-GE" smtClean="0"/>
+              <a:t>6</a:t>
+            </a:fld>
+            <a:endParaRPr lang="en-GE"/>
+          </a:p>
+        </p:txBody>
+      </p:sp>
+    </p:spTree>
+    <p:extLst>
+      <p:ext uri="{BB962C8B-B14F-4D97-AF65-F5344CB8AC3E}">
+        <p14:creationId xmlns:p14="http://schemas.microsoft.com/office/powerpoint/2010/main" val="3321119782"/>
+      </p:ext>
+    </p:extLst>
+  </p:cSld>
+  <p:clrMapOvr>
+    <a:masterClrMapping/>
+  </p:clrMapOvr>
+</p:notes>
+</file>
+
+<file path=ppt/notesSlides/notesSlide6.xml><?xml version="1.0" encoding="utf-8"?>
+<p:notes xmlns:a="http://schemas.openxmlformats.org/drawingml/2006/main" xmlns:r="http://schemas.openxmlformats.org/officeDocument/2006/relationships" xmlns:p="http://schemas.openxmlformats.org/presentationml/2006/main">
+  <p:cSld>
+    <p:spTree>
+      <p:nvGrpSpPr>
+        <p:cNvPr id="1" name=""/>
+        <p:cNvGrpSpPr/>
+        <p:nvPr/>
+      </p:nvGrpSpPr>
+      <p:grpSpPr>
+        <a:xfrm>
+          <a:off x="0" y="0"/>
+          <a:ext cx="0" cy="0"/>
+          <a:chOff x="0" y="0"/>
+          <a:chExt cx="0" cy="0"/>
+        </a:xfrm>
+      </p:grpSpPr>
+      <p:sp>
+        <p:nvSpPr>
+          <p:cNvPr id="2" name="Slide Image Placeholder 1"/>
+          <p:cNvSpPr>
+            <a:spLocks noGrp="1" noRot="1" noChangeAspect="1"/>
+          </p:cNvSpPr>
+          <p:nvPr>
+            <p:ph type="sldImg"/>
+          </p:nvPr>
+        </p:nvSpPr>
+        <p:spPr/>
+      </p:sp>
+      <p:sp>
+        <p:nvSpPr>
+          <p:cNvPr id="3" name="Notes Placeholder 2"/>
+          <p:cNvSpPr>
+            <a:spLocks noGrp="1"/>
+          </p:cNvSpPr>
+          <p:nvPr>
+            <p:ph type="body" idx="1"/>
+          </p:nvPr>
+        </p:nvSpPr>
+        <p:spPr/>
+        <p:txBody>
+          <a:bodyPr/>
+          <a:lstStyle/>
+          <a:p>
+            <a:endParaRPr lang="en-GE"/>
+          </a:p>
+        </p:txBody>
+      </p:sp>
+      <p:sp>
+        <p:nvSpPr>
+          <p:cNvPr id="4" name="Slide Number Placeholder 3"/>
+          <p:cNvSpPr>
+            <a:spLocks noGrp="1"/>
+          </p:cNvSpPr>
+          <p:nvPr>
+            <p:ph type="sldNum" sz="quarter" idx="5"/>
+          </p:nvPr>
+        </p:nvSpPr>
+        <p:spPr/>
+        <p:txBody>
+          <a:bodyPr/>
+          <a:lstStyle/>
+          <a:p>
+            <a:fld id="{CB0D2D53-BFD1-4544-919A-C1ADA24963E5}" type="slidenum">
+              <a:rPr lang="en-GE" smtClean="0"/>
+              <a:t>7</a:t>
+            </a:fld>
+            <a:endParaRPr lang="en-GE"/>
+          </a:p>
+        </p:txBody>
+      </p:sp>
+    </p:spTree>
+    <p:extLst>
+      <p:ext uri="{BB962C8B-B14F-4D97-AF65-F5344CB8AC3E}">
+        <p14:creationId xmlns:p14="http://schemas.microsoft.com/office/powerpoint/2010/main" val="1495002389"/>
+      </p:ext>
+    </p:extLst>
+  </p:cSld>
+  <p:clrMapOvr>
+    <a:masterClrMapping/>
+  </p:clrMapOvr>
+</p:notes>
+</file>
+
+<file path=ppt/notesSlides/notesSlide7.xml><?xml version="1.0" encoding="utf-8"?>
+<p:notes xmlns:a="http://schemas.openxmlformats.org/drawingml/2006/main" xmlns:r="http://schemas.openxmlformats.org/officeDocument/2006/relationships" xmlns:p="http://schemas.openxmlformats.org/presentationml/2006/main">
+  <p:cSld>
+    <p:spTree>
+      <p:nvGrpSpPr>
+        <p:cNvPr id="1" name=""/>
+        <p:cNvGrpSpPr/>
+        <p:nvPr/>
+      </p:nvGrpSpPr>
+      <p:grpSpPr>
+        <a:xfrm>
+          <a:off x="0" y="0"/>
+          <a:ext cx="0" cy="0"/>
+          <a:chOff x="0" y="0"/>
+          <a:chExt cx="0" cy="0"/>
+        </a:xfrm>
+      </p:grpSpPr>
+      <p:sp>
+        <p:nvSpPr>
+          <p:cNvPr id="2" name="Slide Image Placeholder 1"/>
+          <p:cNvSpPr>
+            <a:spLocks noGrp="1" noRot="1" noChangeAspect="1"/>
+          </p:cNvSpPr>
+          <p:nvPr>
+            <p:ph type="sldImg"/>
+          </p:nvPr>
+        </p:nvSpPr>
+        <p:spPr/>
+      </p:sp>
+      <p:sp>
+        <p:nvSpPr>
+          <p:cNvPr id="3" name="Notes Placeholder 2"/>
+          <p:cNvSpPr>
+            <a:spLocks noGrp="1"/>
+          </p:cNvSpPr>
+          <p:nvPr>
+            <p:ph type="body" idx="1"/>
+          </p:nvPr>
+        </p:nvSpPr>
+        <p:spPr/>
+        <p:txBody>
+          <a:bodyPr/>
+          <a:lstStyle/>
+          <a:p>
+            <a:endParaRPr lang="en-GE" dirty="0"/>
+          </a:p>
+        </p:txBody>
+      </p:sp>
+      <p:sp>
+        <p:nvSpPr>
+          <p:cNvPr id="4" name="Slide Number Placeholder 3"/>
+          <p:cNvSpPr>
+            <a:spLocks noGrp="1"/>
+          </p:cNvSpPr>
+          <p:nvPr>
+            <p:ph type="sldNum" sz="quarter" idx="5"/>
+          </p:nvPr>
+        </p:nvSpPr>
+        <p:spPr/>
+        <p:txBody>
+          <a:bodyPr/>
+          <a:lstStyle/>
+          <a:p>
+            <a:fld id="{CB0D2D53-BFD1-4544-919A-C1ADA24963E5}" type="slidenum">
+              <a:rPr lang="en-GE" smtClean="0"/>
+              <a:t>8</a:t>
+            </a:fld>
+            <a:endParaRPr lang="en-GE"/>
+          </a:p>
+        </p:txBody>
+      </p:sp>
+    </p:spTree>
+    <p:extLst>
+      <p:ext uri="{BB962C8B-B14F-4D97-AF65-F5344CB8AC3E}">
+        <p14:creationId xmlns:p14="http://schemas.microsoft.com/office/powerpoint/2010/main" val="2984535434"/>
+      </p:ext>
+    </p:extLst>
+  </p:cSld>
+  <p:clrMapOvr>
+    <a:masterClrMapping/>
+  </p:clrMapOvr>
+</p:notes>
+</file>
+
+<file path=ppt/notesSlides/notesSlide8.xml><?xml version="1.0" encoding="utf-8"?>
+<p:notes xmlns:a="http://schemas.openxmlformats.org/drawingml/2006/main" xmlns:r="http://schemas.openxmlformats.org/officeDocument/2006/relationships" xmlns:p="http://schemas.openxmlformats.org/presentationml/2006/main">
+  <p:cSld>
+    <p:spTree>
+      <p:nvGrpSpPr>
+        <p:cNvPr id="1" name=""/>
+        <p:cNvGrpSpPr/>
+        <p:nvPr/>
+      </p:nvGrpSpPr>
+      <p:grpSpPr>
+        <a:xfrm>
+          <a:off x="0" y="0"/>
+          <a:ext cx="0" cy="0"/>
+          <a:chOff x="0" y="0"/>
+          <a:chExt cx="0" cy="0"/>
+        </a:xfrm>
+      </p:grpSpPr>
+      <p:sp>
+        <p:nvSpPr>
+          <p:cNvPr id="2" name="Slide Image Placeholder 1"/>
+          <p:cNvSpPr>
+            <a:spLocks noGrp="1" noRot="1" noChangeAspect="1"/>
+          </p:cNvSpPr>
+          <p:nvPr>
+            <p:ph type="sldImg"/>
+          </p:nvPr>
+        </p:nvSpPr>
+        <p:spPr/>
+      </p:sp>
+      <p:sp>
+        <p:nvSpPr>
+          <p:cNvPr id="3" name="Notes Placeholder 2"/>
+          <p:cNvSpPr>
+            <a:spLocks noGrp="1"/>
+          </p:cNvSpPr>
+          <p:nvPr>
+            <p:ph type="body" idx="1"/>
+          </p:nvPr>
+        </p:nvSpPr>
+        <p:spPr/>
+        <p:txBody>
+          <a:bodyPr/>
+          <a:lstStyle/>
+          <a:p>
+            <a:endParaRPr lang="en-GE"/>
+          </a:p>
+        </p:txBody>
+      </p:sp>
+      <p:sp>
+        <p:nvSpPr>
+          <p:cNvPr id="4" name="Slide Number Placeholder 3"/>
+          <p:cNvSpPr>
+            <a:spLocks noGrp="1"/>
+          </p:cNvSpPr>
+          <p:nvPr>
+            <p:ph type="sldNum" sz="quarter" idx="5"/>
+          </p:nvPr>
+        </p:nvSpPr>
+        <p:spPr/>
+        <p:txBody>
+          <a:bodyPr/>
+          <a:lstStyle/>
+          <a:p>
+            <a:fld id="{CB0D2D53-BFD1-4544-919A-C1ADA24963E5}" type="slidenum">
+              <a:rPr lang="en-GE" smtClean="0"/>
+              <a:t>11</a:t>
+            </a:fld>
+            <a:endParaRPr lang="en-GE"/>
+          </a:p>
+        </p:txBody>
+      </p:sp>
+    </p:spTree>
+    <p:extLst>
+      <p:ext uri="{BB962C8B-B14F-4D97-AF65-F5344CB8AC3E}">
+        <p14:creationId xmlns:p14="http://schemas.microsoft.com/office/powerpoint/2010/main" val="3771569857"/>
+      </p:ext>
+    </p:extLst>
+  </p:cSld>
+  <p:clrMapOvr>
+    <a:masterClrMapping/>
+  </p:clrMapOvr>
+</p:notes>
 </file>
 
 <file path=ppt/slideLayouts/slideLayout1.xml><?xml version="1.0" encoding="utf-8"?>
@@ -3846,10 +4525,653 @@
           </a:p>
         </p:txBody>
       </p:sp>
+      <p:pic>
+        <p:nvPicPr>
+          <p:cNvPr id="3" name="Picture 2">
+            <a:extLst>
+              <a:ext uri="{FF2B5EF4-FFF2-40B4-BE49-F238E27FC236}">
+                <a16:creationId xmlns:a16="http://schemas.microsoft.com/office/drawing/2014/main" id="{737A5C7B-2B87-C025-C0EA-F6CA38AAD7ED}"/>
+              </a:ext>
+            </a:extLst>
+          </p:cNvPr>
+          <p:cNvPicPr>
+            <a:picLocks noChangeAspect="1"/>
+          </p:cNvPicPr>
+          <p:nvPr/>
+        </p:nvPicPr>
+        <p:blipFill>
+          <a:blip r:embed="rId3"/>
+          <a:stretch>
+            <a:fillRect/>
+          </a:stretch>
+        </p:blipFill>
+        <p:spPr>
+          <a:xfrm>
+            <a:off x="4865815" y="2197100"/>
+            <a:ext cx="2460369" cy="2642617"/>
+          </a:xfrm>
+          <a:prstGeom prst="rect">
+            <a:avLst/>
+          </a:prstGeom>
+        </p:spPr>
+      </p:pic>
+      <p:sp>
+        <p:nvSpPr>
+          <p:cNvPr id="4" name="TextBox 3">
+            <a:extLst>
+              <a:ext uri="{FF2B5EF4-FFF2-40B4-BE49-F238E27FC236}">
+                <a16:creationId xmlns:a16="http://schemas.microsoft.com/office/drawing/2014/main" id="{7C6A1815-4492-E87C-B419-1B99B9F348C8}"/>
+              </a:ext>
+            </a:extLst>
+          </p:cNvPr>
+          <p:cNvSpPr txBox="1"/>
+          <p:nvPr/>
+        </p:nvSpPr>
+        <p:spPr>
+          <a:xfrm>
+            <a:off x="9402417" y="5168348"/>
+            <a:ext cx="1058303" cy="369332"/>
+          </a:xfrm>
+          <a:prstGeom prst="rect">
+            <a:avLst/>
+          </a:prstGeom>
+          <a:noFill/>
+        </p:spPr>
+        <p:txBody>
+          <a:bodyPr wrap="none" rtlCol="0">
+            <a:spAutoFit/>
+          </a:bodyPr>
+          <a:lstStyle/>
+          <a:p>
+            <a:r>
+              <a:rPr lang="en-GE" dirty="0"/>
+              <a:t>July 2023</a:t>
+            </a:r>
+          </a:p>
+        </p:txBody>
+      </p:sp>
     </p:spTree>
     <p:extLst>
       <p:ext uri="{BB962C8B-B14F-4D97-AF65-F5344CB8AC3E}">
         <p14:creationId xmlns:p14="http://schemas.microsoft.com/office/powerpoint/2010/main" val="3068788811"/>
+      </p:ext>
+    </p:extLst>
+  </p:cSld>
+  <p:clrMapOvr>
+    <a:masterClrMapping/>
+  </p:clrMapOvr>
+</p:sld>
+</file>
+
+<file path=ppt/slides/slide10.xml><?xml version="1.0" encoding="utf-8"?>
+<p:sld xmlns:a="http://schemas.openxmlformats.org/drawingml/2006/main" xmlns:r="http://schemas.openxmlformats.org/officeDocument/2006/relationships" xmlns:p="http://schemas.openxmlformats.org/presentationml/2006/main">
+  <p:cSld>
+    <p:bg>
+      <p:bgPr>
+        <a:solidFill>
+          <a:schemeClr val="bg1">
+            <a:lumMod val="95000"/>
+          </a:schemeClr>
+        </a:solidFill>
+        <a:effectLst/>
+      </p:bgPr>
+    </p:bg>
+    <p:spTree>
+      <p:nvGrpSpPr>
+        <p:cNvPr id="1" name=""/>
+        <p:cNvGrpSpPr/>
+        <p:nvPr/>
+      </p:nvGrpSpPr>
+      <p:grpSpPr>
+        <a:xfrm>
+          <a:off x="0" y="0"/>
+          <a:ext cx="0" cy="0"/>
+          <a:chOff x="0" y="0"/>
+          <a:chExt cx="0" cy="0"/>
+        </a:xfrm>
+      </p:grpSpPr>
+      <p:sp>
+        <p:nvSpPr>
+          <p:cNvPr id="8" name="Slide Number Placeholder 7">
+            <a:extLst>
+              <a:ext uri="{FF2B5EF4-FFF2-40B4-BE49-F238E27FC236}">
+                <a16:creationId xmlns:a16="http://schemas.microsoft.com/office/drawing/2014/main" id="{38731924-045A-B56C-8618-75C261E726FF}"/>
+              </a:ext>
+            </a:extLst>
+          </p:cNvPr>
+          <p:cNvSpPr>
+            <a:spLocks noGrp="1"/>
+          </p:cNvSpPr>
+          <p:nvPr>
+            <p:ph type="sldNum" sz="quarter" idx="12"/>
+          </p:nvPr>
+        </p:nvSpPr>
+        <p:spPr/>
+        <p:txBody>
+          <a:bodyPr/>
+          <a:lstStyle/>
+          <a:p>
+            <a:fld id="{B059335D-848A-6A47-B05D-47BEB2D64054}" type="slidenum">
+              <a:rPr lang="en-GE" smtClean="0"/>
+              <a:t>10</a:t>
+            </a:fld>
+            <a:endParaRPr lang="en-GE" dirty="0"/>
+          </a:p>
+        </p:txBody>
+      </p:sp>
+      <p:cxnSp>
+        <p:nvCxnSpPr>
+          <p:cNvPr id="4" name="Straight Connector 3">
+            <a:extLst>
+              <a:ext uri="{FF2B5EF4-FFF2-40B4-BE49-F238E27FC236}">
+                <a16:creationId xmlns:a16="http://schemas.microsoft.com/office/drawing/2014/main" id="{6299844E-2006-BFA3-D855-D135BE4095F4}"/>
+              </a:ext>
+            </a:extLst>
+          </p:cNvPr>
+          <p:cNvCxnSpPr>
+            <a:cxnSpLocks/>
+          </p:cNvCxnSpPr>
+          <p:nvPr/>
+        </p:nvCxnSpPr>
+        <p:spPr>
+          <a:xfrm>
+            <a:off x="-12357" y="1186249"/>
+            <a:ext cx="12192000" cy="0"/>
+          </a:xfrm>
+          <a:prstGeom prst="line">
+            <a:avLst/>
+          </a:prstGeom>
+          <a:ln w="31750">
+            <a:solidFill>
+              <a:schemeClr val="tx1"/>
+            </a:solidFill>
+          </a:ln>
+        </p:spPr>
+        <p:style>
+          <a:lnRef idx="1">
+            <a:schemeClr val="accent1"/>
+          </a:lnRef>
+          <a:fillRef idx="0">
+            <a:schemeClr val="accent1"/>
+          </a:fillRef>
+          <a:effectRef idx="0">
+            <a:schemeClr val="accent1"/>
+          </a:effectRef>
+          <a:fontRef idx="minor">
+            <a:schemeClr val="tx1"/>
+          </a:fontRef>
+        </p:style>
+      </p:cxnSp>
+      <p:sp>
+        <p:nvSpPr>
+          <p:cNvPr id="6" name="TextBox 5">
+            <a:extLst>
+              <a:ext uri="{FF2B5EF4-FFF2-40B4-BE49-F238E27FC236}">
+                <a16:creationId xmlns:a16="http://schemas.microsoft.com/office/drawing/2014/main" id="{6A6AD67B-C291-A91B-0702-202D6F838470}"/>
+              </a:ext>
+            </a:extLst>
+          </p:cNvPr>
+          <p:cNvSpPr txBox="1"/>
+          <p:nvPr/>
+        </p:nvSpPr>
+        <p:spPr>
+          <a:xfrm>
+            <a:off x="0" y="365237"/>
+            <a:ext cx="4730847" cy="523220"/>
+          </a:xfrm>
+          <a:prstGeom prst="rect">
+            <a:avLst/>
+          </a:prstGeom>
+          <a:noFill/>
+        </p:spPr>
+        <p:txBody>
+          <a:bodyPr wrap="none" rtlCol="0">
+            <a:spAutoFit/>
+          </a:bodyPr>
+          <a:lstStyle/>
+          <a:p>
+            <a:r>
+              <a:rPr lang="en-US" sz="2800" dirty="0"/>
+              <a:t>GitHub Repository and Readme</a:t>
+            </a:r>
+            <a:endParaRPr lang="en-GE" sz="2800" dirty="0"/>
+          </a:p>
+        </p:txBody>
+      </p:sp>
+      <p:pic>
+        <p:nvPicPr>
+          <p:cNvPr id="3" name="Picture 2">
+            <a:extLst>
+              <a:ext uri="{FF2B5EF4-FFF2-40B4-BE49-F238E27FC236}">
+                <a16:creationId xmlns:a16="http://schemas.microsoft.com/office/drawing/2014/main" id="{446D123D-CED7-4A69-7C76-DC3E01A4BB65}"/>
+              </a:ext>
+            </a:extLst>
+          </p:cNvPr>
+          <p:cNvPicPr>
+            <a:picLocks noChangeAspect="1"/>
+          </p:cNvPicPr>
+          <p:nvPr/>
+        </p:nvPicPr>
+        <p:blipFill>
+          <a:blip r:embed="rId2"/>
+          <a:stretch>
+            <a:fillRect/>
+          </a:stretch>
+        </p:blipFill>
+        <p:spPr>
+          <a:xfrm>
+            <a:off x="-12357" y="1291605"/>
+            <a:ext cx="6286266" cy="3254067"/>
+          </a:xfrm>
+          <a:prstGeom prst="rect">
+            <a:avLst/>
+          </a:prstGeom>
+        </p:spPr>
+      </p:pic>
+      <p:sp>
+        <p:nvSpPr>
+          <p:cNvPr id="5" name="TextBox 4">
+            <a:extLst>
+              <a:ext uri="{FF2B5EF4-FFF2-40B4-BE49-F238E27FC236}">
+                <a16:creationId xmlns:a16="http://schemas.microsoft.com/office/drawing/2014/main" id="{47FBA3F4-F6DA-5712-1E09-F44FDEA759BC}"/>
+              </a:ext>
+            </a:extLst>
+          </p:cNvPr>
+          <p:cNvSpPr txBox="1"/>
+          <p:nvPr/>
+        </p:nvSpPr>
+        <p:spPr>
+          <a:xfrm>
+            <a:off x="6286266" y="1212092"/>
+            <a:ext cx="5759462" cy="1754326"/>
+          </a:xfrm>
+          <a:prstGeom prst="rect">
+            <a:avLst/>
+          </a:prstGeom>
+          <a:noFill/>
+        </p:spPr>
+        <p:txBody>
+          <a:bodyPr wrap="none" rtlCol="0">
+            <a:spAutoFit/>
+          </a:bodyPr>
+          <a:lstStyle/>
+          <a:p>
+            <a:r>
+              <a:rPr lang="en-GE" dirty="0"/>
+              <a:t>This is a screenshot of GitHub repository for the project. </a:t>
+            </a:r>
+          </a:p>
+          <a:p>
+            <a:r>
+              <a:rPr lang="en-GE" dirty="0"/>
+              <a:t>Repository is public and easily accessible. Just clone it, </a:t>
+            </a:r>
+          </a:p>
+          <a:p>
+            <a:r>
+              <a:rPr lang="en-GB" dirty="0"/>
+              <a:t>to your local machine and it will be ready to run. Project,</a:t>
+            </a:r>
+          </a:p>
+          <a:p>
+            <a:r>
+              <a:rPr lang="en-GB" dirty="0"/>
+              <a:t>comes with its own set of historical data, however ’Stocks’</a:t>
+            </a:r>
+          </a:p>
+          <a:p>
+            <a:r>
+              <a:rPr lang="en-GB" dirty="0"/>
+              <a:t>directory can be easily modified with other .csv format files</a:t>
+            </a:r>
+          </a:p>
+          <a:p>
+            <a:r>
+              <a:rPr lang="en-GB" dirty="0"/>
+              <a:t>that will fit the needs of an user.</a:t>
+            </a:r>
+            <a:endParaRPr lang="en-GE" dirty="0"/>
+          </a:p>
+        </p:txBody>
+      </p:sp>
+      <p:sp>
+        <p:nvSpPr>
+          <p:cNvPr id="7" name="TextBox 6">
+            <a:extLst>
+              <a:ext uri="{FF2B5EF4-FFF2-40B4-BE49-F238E27FC236}">
+                <a16:creationId xmlns:a16="http://schemas.microsoft.com/office/drawing/2014/main" id="{40C28E76-8833-CCF5-0650-162FA0B4D11E}"/>
+              </a:ext>
+            </a:extLst>
+          </p:cNvPr>
+          <p:cNvSpPr txBox="1"/>
+          <p:nvPr/>
+        </p:nvSpPr>
+        <p:spPr>
+          <a:xfrm>
+            <a:off x="129208" y="4790660"/>
+            <a:ext cx="5198667" cy="646331"/>
+          </a:xfrm>
+          <a:prstGeom prst="rect">
+            <a:avLst/>
+          </a:prstGeom>
+          <a:noFill/>
+        </p:spPr>
+        <p:txBody>
+          <a:bodyPr wrap="none" rtlCol="0">
+            <a:spAutoFit/>
+          </a:bodyPr>
+          <a:lstStyle/>
+          <a:p>
+            <a:r>
+              <a:rPr lang="en-GE" b="1" dirty="0"/>
+              <a:t>GitHub link</a:t>
+            </a:r>
+            <a:r>
+              <a:rPr lang="en-GE" dirty="0"/>
+              <a:t>: </a:t>
+            </a:r>
+            <a:r>
+              <a:rPr lang="en-GB" dirty="0">
+                <a:hlinkClick r:id="rId3"/>
+              </a:rPr>
+              <a:t>https://github.com/LevanGetia/Project-1</a:t>
+            </a:r>
+            <a:endParaRPr lang="en-GB" dirty="0"/>
+          </a:p>
+          <a:p>
+            <a:endParaRPr lang="en-GE" dirty="0"/>
+          </a:p>
+        </p:txBody>
+      </p:sp>
+      <p:sp>
+        <p:nvSpPr>
+          <p:cNvPr id="9" name="TextBox 8">
+            <a:extLst>
+              <a:ext uri="{FF2B5EF4-FFF2-40B4-BE49-F238E27FC236}">
+                <a16:creationId xmlns:a16="http://schemas.microsoft.com/office/drawing/2014/main" id="{4DD47C92-128F-5FD7-70FB-236714E9D652}"/>
+              </a:ext>
+            </a:extLst>
+          </p:cNvPr>
+          <p:cNvSpPr txBox="1"/>
+          <p:nvPr/>
+        </p:nvSpPr>
+        <p:spPr>
+          <a:xfrm>
+            <a:off x="6341165" y="3389243"/>
+            <a:ext cx="5969904" cy="2031325"/>
+          </a:xfrm>
+          <a:prstGeom prst="rect">
+            <a:avLst/>
+          </a:prstGeom>
+          <a:noFill/>
+        </p:spPr>
+        <p:txBody>
+          <a:bodyPr wrap="none" rtlCol="0">
+            <a:spAutoFit/>
+          </a:bodyPr>
+          <a:lstStyle/>
+          <a:p>
+            <a:r>
+              <a:rPr lang="en-GE" b="1" dirty="0"/>
+              <a:t>Repo explanation</a:t>
+            </a:r>
+            <a:r>
+              <a:rPr lang="en-GE" dirty="0"/>
+              <a:t>: Actual code file is in Jupyter Notebook file,</a:t>
+            </a:r>
+          </a:p>
+          <a:p>
+            <a:r>
+              <a:rPr lang="en-GB" dirty="0"/>
+              <a:t>C</a:t>
+            </a:r>
+            <a:r>
+              <a:rPr lang="en-GE" dirty="0"/>
+              <a:t>alled Project_1.ipynb.</a:t>
+            </a:r>
+          </a:p>
+          <a:p>
+            <a:r>
+              <a:rPr lang="en-GE" dirty="0"/>
+              <a:t>Stocks is a directory containing .csv formatted data files</a:t>
+            </a:r>
+          </a:p>
+          <a:p>
+            <a:r>
+              <a:rPr lang="en-GE" dirty="0"/>
+              <a:t>Project1 – stocks analysis PPT – is file for these slides.</a:t>
+            </a:r>
+          </a:p>
+          <a:p>
+            <a:r>
+              <a:rPr lang="en-GE" dirty="0"/>
+              <a:t>Readme file – provides brief overview of what is done by this</a:t>
+            </a:r>
+          </a:p>
+          <a:p>
+            <a:r>
+              <a:rPr lang="en-GB" dirty="0"/>
+              <a:t>P</a:t>
+            </a:r>
+            <a:r>
+              <a:rPr lang="en-GE" dirty="0"/>
+              <a:t>roject/code</a:t>
+            </a:r>
+          </a:p>
+          <a:p>
+            <a:endParaRPr lang="en-GE" dirty="0"/>
+          </a:p>
+        </p:txBody>
+      </p:sp>
+    </p:spTree>
+    <p:extLst>
+      <p:ext uri="{BB962C8B-B14F-4D97-AF65-F5344CB8AC3E}">
+        <p14:creationId xmlns:p14="http://schemas.microsoft.com/office/powerpoint/2010/main" val="2992691969"/>
+      </p:ext>
+    </p:extLst>
+  </p:cSld>
+  <p:clrMapOvr>
+    <a:masterClrMapping/>
+  </p:clrMapOvr>
+</p:sld>
+</file>
+
+<file path=ppt/slides/slide11.xml><?xml version="1.0" encoding="utf-8"?>
+<p:sld xmlns:a="http://schemas.openxmlformats.org/drawingml/2006/main" xmlns:r="http://schemas.openxmlformats.org/officeDocument/2006/relationships" xmlns:p="http://schemas.openxmlformats.org/presentationml/2006/main">
+  <p:cSld>
+    <p:bg>
+      <p:bgPr>
+        <a:solidFill>
+          <a:schemeClr val="bg1">
+            <a:lumMod val="95000"/>
+          </a:schemeClr>
+        </a:solidFill>
+        <a:effectLst/>
+      </p:bgPr>
+    </p:bg>
+    <p:spTree>
+      <p:nvGrpSpPr>
+        <p:cNvPr id="1" name=""/>
+        <p:cNvGrpSpPr/>
+        <p:nvPr/>
+      </p:nvGrpSpPr>
+      <p:grpSpPr>
+        <a:xfrm>
+          <a:off x="0" y="0"/>
+          <a:ext cx="0" cy="0"/>
+          <a:chOff x="0" y="0"/>
+          <a:chExt cx="0" cy="0"/>
+        </a:xfrm>
+      </p:grpSpPr>
+      <p:sp>
+        <p:nvSpPr>
+          <p:cNvPr id="8" name="Slide Number Placeholder 7">
+            <a:extLst>
+              <a:ext uri="{FF2B5EF4-FFF2-40B4-BE49-F238E27FC236}">
+                <a16:creationId xmlns:a16="http://schemas.microsoft.com/office/drawing/2014/main" id="{38731924-045A-B56C-8618-75C261E726FF}"/>
+              </a:ext>
+            </a:extLst>
+          </p:cNvPr>
+          <p:cNvSpPr>
+            <a:spLocks noGrp="1"/>
+          </p:cNvSpPr>
+          <p:nvPr>
+            <p:ph type="sldNum" sz="quarter" idx="12"/>
+          </p:nvPr>
+        </p:nvSpPr>
+        <p:spPr/>
+        <p:txBody>
+          <a:bodyPr/>
+          <a:lstStyle/>
+          <a:p>
+            <a:fld id="{B059335D-848A-6A47-B05D-47BEB2D64054}" type="slidenum">
+              <a:rPr lang="en-GE" smtClean="0"/>
+              <a:t>11</a:t>
+            </a:fld>
+            <a:endParaRPr lang="en-GE" dirty="0"/>
+          </a:p>
+        </p:txBody>
+      </p:sp>
+      <p:cxnSp>
+        <p:nvCxnSpPr>
+          <p:cNvPr id="4" name="Straight Connector 3">
+            <a:extLst>
+              <a:ext uri="{FF2B5EF4-FFF2-40B4-BE49-F238E27FC236}">
+                <a16:creationId xmlns:a16="http://schemas.microsoft.com/office/drawing/2014/main" id="{6299844E-2006-BFA3-D855-D135BE4095F4}"/>
+              </a:ext>
+            </a:extLst>
+          </p:cNvPr>
+          <p:cNvCxnSpPr>
+            <a:cxnSpLocks/>
+          </p:cNvCxnSpPr>
+          <p:nvPr/>
+        </p:nvCxnSpPr>
+        <p:spPr>
+          <a:xfrm>
+            <a:off x="-12357" y="1186249"/>
+            <a:ext cx="12192000" cy="0"/>
+          </a:xfrm>
+          <a:prstGeom prst="line">
+            <a:avLst/>
+          </a:prstGeom>
+          <a:ln w="31750">
+            <a:solidFill>
+              <a:schemeClr val="tx1"/>
+            </a:solidFill>
+          </a:ln>
+        </p:spPr>
+        <p:style>
+          <a:lnRef idx="1">
+            <a:schemeClr val="accent1"/>
+          </a:lnRef>
+          <a:fillRef idx="0">
+            <a:schemeClr val="accent1"/>
+          </a:fillRef>
+          <a:effectRef idx="0">
+            <a:schemeClr val="accent1"/>
+          </a:effectRef>
+          <a:fontRef idx="minor">
+            <a:schemeClr val="tx1"/>
+          </a:fontRef>
+        </p:style>
+      </p:cxnSp>
+      <p:sp>
+        <p:nvSpPr>
+          <p:cNvPr id="6" name="TextBox 5">
+            <a:extLst>
+              <a:ext uri="{FF2B5EF4-FFF2-40B4-BE49-F238E27FC236}">
+                <a16:creationId xmlns:a16="http://schemas.microsoft.com/office/drawing/2014/main" id="{6A6AD67B-C291-A91B-0702-202D6F838470}"/>
+              </a:ext>
+            </a:extLst>
+          </p:cNvPr>
+          <p:cNvSpPr txBox="1"/>
+          <p:nvPr/>
+        </p:nvSpPr>
+        <p:spPr>
+          <a:xfrm>
+            <a:off x="0" y="365237"/>
+            <a:ext cx="1651414" cy="523220"/>
+          </a:xfrm>
+          <a:prstGeom prst="rect">
+            <a:avLst/>
+          </a:prstGeom>
+          <a:noFill/>
+        </p:spPr>
+        <p:txBody>
+          <a:bodyPr wrap="none" rtlCol="0">
+            <a:spAutoFit/>
+          </a:bodyPr>
+          <a:lstStyle/>
+          <a:p>
+            <a:r>
+              <a:rPr lang="en-US" sz="2800" dirty="0"/>
+              <a:t>Final Slide</a:t>
+            </a:r>
+            <a:endParaRPr lang="en-GE" sz="2800" dirty="0"/>
+          </a:p>
+        </p:txBody>
+      </p:sp>
+      <p:sp>
+        <p:nvSpPr>
+          <p:cNvPr id="2" name="TextBox 1">
+            <a:extLst>
+              <a:ext uri="{FF2B5EF4-FFF2-40B4-BE49-F238E27FC236}">
+                <a16:creationId xmlns:a16="http://schemas.microsoft.com/office/drawing/2014/main" id="{E3536A61-5CDF-1CE4-CA3D-FC354A2FD5A9}"/>
+              </a:ext>
+            </a:extLst>
+          </p:cNvPr>
+          <p:cNvSpPr txBox="1"/>
+          <p:nvPr/>
+        </p:nvSpPr>
+        <p:spPr>
+          <a:xfrm>
+            <a:off x="2176859" y="2087217"/>
+            <a:ext cx="7384714" cy="1938992"/>
+          </a:xfrm>
+          <a:prstGeom prst="rect">
+            <a:avLst/>
+          </a:prstGeom>
+          <a:noFill/>
+        </p:spPr>
+        <p:txBody>
+          <a:bodyPr wrap="none" rtlCol="0">
+            <a:spAutoFit/>
+          </a:bodyPr>
+          <a:lstStyle/>
+          <a:p>
+            <a:r>
+              <a:rPr lang="en-GE" sz="2400" dirty="0"/>
+              <a:t>                        Cesar, Irene, Angelo and Levan </a:t>
+            </a:r>
+          </a:p>
+          <a:p>
+            <a:endParaRPr lang="en-GE" sz="2400" dirty="0"/>
+          </a:p>
+          <a:p>
+            <a:endParaRPr lang="en-GE" sz="2400" dirty="0"/>
+          </a:p>
+          <a:p>
+            <a:endParaRPr lang="en-GE" sz="2400" dirty="0"/>
+          </a:p>
+          <a:p>
+            <a:r>
+              <a:rPr lang="en-GE" sz="2400" dirty="0"/>
+              <a:t>Thank you for you interest in this project and your time </a:t>
+            </a:r>
+            <a:r>
+              <a:rPr lang="en-GE" sz="2400" dirty="0">
+                <a:sym typeface="Wingdings" pitchFamily="2" charset="2"/>
+              </a:rPr>
+              <a:t></a:t>
+            </a:r>
+            <a:endParaRPr lang="en-GE" sz="2400" dirty="0"/>
+          </a:p>
+        </p:txBody>
+      </p:sp>
+    </p:spTree>
+    <p:extLst>
+      <p:ext uri="{BB962C8B-B14F-4D97-AF65-F5344CB8AC3E}">
+        <p14:creationId xmlns:p14="http://schemas.microsoft.com/office/powerpoint/2010/main" val="3252197228"/>
       </p:ext>
     </p:extLst>
   </p:cSld>
@@ -4345,7 +5667,7 @@
         <p:spPr>
           <a:xfrm>
             <a:off x="32948" y="1398981"/>
-            <a:ext cx="11981357" cy="1015663"/>
+            <a:ext cx="12114150" cy="1015663"/>
           </a:xfrm>
           <a:prstGeom prst="rect">
             <a:avLst/>
@@ -4359,12 +5681,12 @@
           <a:lstStyle/>
           <a:p>
             <a:r>
-              <a:rPr lang="en-US" u="sng" dirty="0"/>
+              <a:rPr lang="en-US" sz="2000" u="sng" dirty="0"/>
               <a:t>Data Retrieval</a:t>
             </a:r>
             <a:r>
-              <a:rPr lang="en-US" i="1" dirty="0"/>
-              <a:t>:  </a:t>
+              <a:rPr lang="en-US" sz="2000" i="1" dirty="0"/>
+              <a:t>: </a:t>
             </a:r>
             <a:r>
               <a:rPr lang="en-GB" sz="2000" dirty="0"/>
@@ -4463,15 +5785,15 @@
           <p:nvPr/>
         </p:nvPicPr>
         <p:blipFill>
-          <a:blip r:embed="rId2"/>
+          <a:blip r:embed="rId3"/>
           <a:stretch>
             <a:fillRect/>
           </a:stretch>
         </p:blipFill>
         <p:spPr>
           <a:xfrm>
-            <a:off x="2399149" y="4199933"/>
-            <a:ext cx="7029056" cy="1881998"/>
+            <a:off x="1793254" y="4113859"/>
+            <a:ext cx="8580778" cy="2297465"/>
           </a:xfrm>
           <a:prstGeom prst="rect">
             <a:avLst/>
@@ -4964,36 +6286,6 @@
           <p:nvPr/>
         </p:nvPicPr>
         <p:blipFill>
-          <a:blip r:embed="rId2"/>
-          <a:stretch>
-            <a:fillRect/>
-          </a:stretch>
-        </p:blipFill>
-        <p:spPr>
-          <a:xfrm>
-            <a:off x="523446" y="1837278"/>
-            <a:ext cx="5236519" cy="2133595"/>
-          </a:xfrm>
-          <a:prstGeom prst="rect">
-            <a:avLst/>
-          </a:prstGeom>
-        </p:spPr>
-      </p:pic>
-      <p:pic>
-        <p:nvPicPr>
-          <p:cNvPr id="10" name="Picture 9">
-            <a:extLst>
-              <a:ext uri="{FF2B5EF4-FFF2-40B4-BE49-F238E27FC236}">
-                <a16:creationId xmlns:a16="http://schemas.microsoft.com/office/drawing/2014/main" id="{57BD39A8-85A4-D3C8-0FA5-19CC34F42BE0}"/>
-              </a:ext>
-            </a:extLst>
-          </p:cNvPr>
-          <p:cNvPicPr>
-            <a:picLocks noChangeAspect="1"/>
-          </p:cNvPicPr>
-          <p:nvPr/>
-        </p:nvPicPr>
-        <p:blipFill>
           <a:blip r:embed="rId3"/>
           <a:stretch>
             <a:fillRect/>
@@ -5001,90 +6293,20 @@
         </p:blipFill>
         <p:spPr>
           <a:xfrm>
-            <a:off x="523446" y="4378415"/>
-            <a:ext cx="5173018" cy="2133596"/>
+            <a:off x="523446" y="1837278"/>
+            <a:ext cx="5236519" cy="2133595"/>
           </a:xfrm>
           <a:prstGeom prst="rect">
             <a:avLst/>
           </a:prstGeom>
         </p:spPr>
       </p:pic>
-      <p:sp>
-        <p:nvSpPr>
-          <p:cNvPr id="11" name="TextBox 10">
-            <a:extLst>
-              <a:ext uri="{FF2B5EF4-FFF2-40B4-BE49-F238E27FC236}">
-                <a16:creationId xmlns:a16="http://schemas.microsoft.com/office/drawing/2014/main" id="{A29D9936-D7D5-7DD5-8195-3C819D5DC86F}"/>
-              </a:ext>
-            </a:extLst>
-          </p:cNvPr>
-          <p:cNvSpPr txBox="1"/>
-          <p:nvPr/>
-        </p:nvSpPr>
-        <p:spPr>
-          <a:xfrm>
-            <a:off x="419651" y="1464422"/>
-            <a:ext cx="4977901" cy="369332"/>
-          </a:xfrm>
-          <a:prstGeom prst="rect">
-            <a:avLst/>
-          </a:prstGeom>
-          <a:noFill/>
-        </p:spPr>
-        <p:txBody>
-          <a:bodyPr wrap="none" rtlCol="0">
-            <a:spAutoFit/>
-          </a:bodyPr>
-          <a:lstStyle/>
-          <a:p>
-            <a:r>
-              <a:rPr lang="en-GE" b="1" dirty="0"/>
-              <a:t>Top 5 stocks with highest gain and lowest variance</a:t>
-            </a:r>
-          </a:p>
-        </p:txBody>
-      </p:sp>
-      <p:sp>
-        <p:nvSpPr>
-          <p:cNvPr id="12" name="TextBox 11">
-            <a:extLst>
-              <a:ext uri="{FF2B5EF4-FFF2-40B4-BE49-F238E27FC236}">
-                <a16:creationId xmlns:a16="http://schemas.microsoft.com/office/drawing/2014/main" id="{A064946C-B2FF-A764-6F0A-048B0A14AE63}"/>
-              </a:ext>
-            </a:extLst>
-          </p:cNvPr>
-          <p:cNvSpPr txBox="1"/>
-          <p:nvPr/>
-        </p:nvSpPr>
-        <p:spPr>
-          <a:xfrm>
-            <a:off x="419651" y="3989978"/>
-            <a:ext cx="3019224" cy="369332"/>
-          </a:xfrm>
-          <a:prstGeom prst="rect">
-            <a:avLst/>
-          </a:prstGeom>
-          <a:noFill/>
-        </p:spPr>
-        <p:txBody>
-          <a:bodyPr wrap="none" rtlCol="0">
-            <a:spAutoFit/>
-          </a:bodyPr>
-          <a:lstStyle/>
-          <a:p>
-            <a:r>
-              <a:rPr lang="en-GE" b="1" dirty="0"/>
-              <a:t>Top 5 stocks with highest gain</a:t>
-            </a:r>
-          </a:p>
-        </p:txBody>
-      </p:sp>
       <p:pic>
         <p:nvPicPr>
-          <p:cNvPr id="18" name="Picture 17">
-            <a:extLst>
-              <a:ext uri="{FF2B5EF4-FFF2-40B4-BE49-F238E27FC236}">
-                <a16:creationId xmlns:a16="http://schemas.microsoft.com/office/drawing/2014/main" id="{C7FB6460-74A6-8FD7-277F-9BEB15C8C1F8}"/>
+          <p:cNvPr id="10" name="Picture 9">
+            <a:extLst>
+              <a:ext uri="{FF2B5EF4-FFF2-40B4-BE49-F238E27FC236}">
+                <a16:creationId xmlns:a16="http://schemas.microsoft.com/office/drawing/2014/main" id="{57BD39A8-85A4-D3C8-0FA5-19CC34F42BE0}"/>
               </a:ext>
             </a:extLst>
           </p:cNvPr>
@@ -5095,6 +6317,106 @@
         </p:nvPicPr>
         <p:blipFill>
           <a:blip r:embed="rId4"/>
+          <a:stretch>
+            <a:fillRect/>
+          </a:stretch>
+        </p:blipFill>
+        <p:spPr>
+          <a:xfrm>
+            <a:off x="523446" y="4378415"/>
+            <a:ext cx="5173018" cy="2133596"/>
+          </a:xfrm>
+          <a:prstGeom prst="rect">
+            <a:avLst/>
+          </a:prstGeom>
+        </p:spPr>
+      </p:pic>
+      <p:sp>
+        <p:nvSpPr>
+          <p:cNvPr id="11" name="TextBox 10">
+            <a:extLst>
+              <a:ext uri="{FF2B5EF4-FFF2-40B4-BE49-F238E27FC236}">
+                <a16:creationId xmlns:a16="http://schemas.microsoft.com/office/drawing/2014/main" id="{A29D9936-D7D5-7DD5-8195-3C819D5DC86F}"/>
+              </a:ext>
+            </a:extLst>
+          </p:cNvPr>
+          <p:cNvSpPr txBox="1"/>
+          <p:nvPr/>
+        </p:nvSpPr>
+        <p:spPr>
+          <a:xfrm>
+            <a:off x="419651" y="1464422"/>
+            <a:ext cx="4977901" cy="369332"/>
+          </a:xfrm>
+          <a:prstGeom prst="rect">
+            <a:avLst/>
+          </a:prstGeom>
+          <a:noFill/>
+        </p:spPr>
+        <p:txBody>
+          <a:bodyPr wrap="none" rtlCol="0">
+            <a:spAutoFit/>
+          </a:bodyPr>
+          <a:lstStyle/>
+          <a:p>
+            <a:r>
+              <a:rPr lang="en-GE" b="1" dirty="0"/>
+              <a:t>Top 5 stocks with highest gain and lowest variance</a:t>
+            </a:r>
+          </a:p>
+        </p:txBody>
+      </p:sp>
+      <p:sp>
+        <p:nvSpPr>
+          <p:cNvPr id="12" name="TextBox 11">
+            <a:extLst>
+              <a:ext uri="{FF2B5EF4-FFF2-40B4-BE49-F238E27FC236}">
+                <a16:creationId xmlns:a16="http://schemas.microsoft.com/office/drawing/2014/main" id="{A064946C-B2FF-A764-6F0A-048B0A14AE63}"/>
+              </a:ext>
+            </a:extLst>
+          </p:cNvPr>
+          <p:cNvSpPr txBox="1"/>
+          <p:nvPr/>
+        </p:nvSpPr>
+        <p:spPr>
+          <a:xfrm>
+            <a:off x="419651" y="3989978"/>
+            <a:ext cx="3019224" cy="369332"/>
+          </a:xfrm>
+          <a:prstGeom prst="rect">
+            <a:avLst/>
+          </a:prstGeom>
+          <a:noFill/>
+        </p:spPr>
+        <p:txBody>
+          <a:bodyPr wrap="none" rtlCol="0">
+            <a:spAutoFit/>
+          </a:bodyPr>
+          <a:lstStyle/>
+          <a:p>
+            <a:r>
+              <a:rPr lang="en-GE" b="1" dirty="0"/>
+              <a:t>Top 5 stocks with highest gain</a:t>
+            </a:r>
+          </a:p>
+        </p:txBody>
+      </p:sp>
+      <p:pic>
+        <p:nvPicPr>
+          <p:cNvPr id="18" name="Picture 17">
+            <a:extLst>
+              <a:ext uri="{FF2B5EF4-FFF2-40B4-BE49-F238E27FC236}">
+                <a16:creationId xmlns:a16="http://schemas.microsoft.com/office/drawing/2014/main" id="{C7FB6460-74A6-8FD7-277F-9BEB15C8C1F8}"/>
+              </a:ext>
+            </a:extLst>
+          </p:cNvPr>
+          <p:cNvPicPr>
+            <a:picLocks noChangeAspect="1"/>
+          </p:cNvPicPr>
+          <p:nvPr/>
+        </p:nvPicPr>
+        <p:blipFill>
+          <a:blip r:embed="rId5"/>
           <a:stretch>
             <a:fillRect/>
           </a:stretch>
@@ -5346,7 +6668,7 @@
           <p:nvPr/>
         </p:nvPicPr>
         <p:blipFill>
-          <a:blip r:embed="rId2"/>
+          <a:blip r:embed="rId3"/>
           <a:stretch>
             <a:fillRect/>
           </a:stretch>
@@ -5732,7 +7054,7 @@
           <p:nvPr/>
         </p:nvPicPr>
         <p:blipFill>
-          <a:blip r:embed="rId2"/>
+          <a:blip r:embed="rId3"/>
           <a:stretch>
             <a:fillRect/>
           </a:stretch>
@@ -5762,7 +7084,7 @@
           <p:nvPr/>
         </p:nvPicPr>
         <p:blipFill>
-          <a:blip r:embed="rId3"/>
+          <a:blip r:embed="rId4"/>
           <a:stretch>
             <a:fillRect/>
           </a:stretch>
@@ -6047,7 +7369,7 @@
             </a:pPr>
             <a:r>
               <a:rPr lang="en-US" dirty="0"/>
-              <a:t>Volatility can be defined as risk, given the factor that prices vary</a:t>
+              <a:t>volatility can be defined as risk, given the factor that prices vary</a:t>
             </a:r>
           </a:p>
           <a:p>
@@ -6074,7 +7396,7 @@
                   <a:schemeClr val="tx1"/>
                 </a:solidFill>
               </a:rPr>
-              <a:t>     Based on this information we can suggest the top 5 stocks based</a:t>
+              <a:t>    Based on this information we can suggest the top 5 stocks based</a:t>
             </a:r>
           </a:p>
           <a:p>
@@ -6085,7 +7407,7 @@
             </a:pPr>
             <a:r>
               <a:rPr lang="en-CA" b="1" dirty="0"/>
-              <a:t>     </a:t>
+              <a:t>      </a:t>
             </a:r>
             <a:r>
               <a:rPr lang="en-CA" b="1" dirty="0">
@@ -6093,7 +7415,19 @@
                   <a:schemeClr val="tx1"/>
                 </a:solidFill>
               </a:rPr>
-              <a:t> only on price:</a:t>
+              <a:t> </a:t>
+            </a:r>
+            <a:r>
+              <a:rPr lang="en-CA" b="1" dirty="0"/>
+              <a:t>O</a:t>
+            </a:r>
+            <a:r>
+              <a:rPr lang="en-CA" b="1" dirty="0">
+                <a:solidFill>
+                  <a:schemeClr val="tx1"/>
+                </a:solidFill>
+              </a:rPr>
+              <a:t>nly on price:</a:t>
             </a:r>
           </a:p>
           <a:p>
@@ -6127,7 +7461,11 @@
                   <a:schemeClr val="tx1"/>
                 </a:solidFill>
               </a:rPr>
-              <a:t>      </a:t>
+              <a:t>       </a:t>
+            </a:r>
+            <a:r>
+              <a:rPr lang="en-CA" b="1" dirty="0"/>
+              <a:t>T</a:t>
             </a:r>
             <a:r>
               <a:rPr lang="en-CA" b="1" dirty="0">
@@ -6135,7 +7473,7 @@
                   <a:schemeClr val="tx1"/>
                 </a:solidFill>
               </a:rPr>
-              <a:t>the top stocks based on price stability (Standard deviation):</a:t>
+              <a:t>he top stocks based on price stability (Standard deviation):</a:t>
             </a:r>
           </a:p>
           <a:p>
@@ -6160,11 +7498,7 @@
               </a:rPr>
               <a:t>SAT</a:t>
             </a:r>
-            <a:endParaRPr lang="en-CA" dirty="0">
-              <a:solidFill>
-                <a:schemeClr val="tx1"/>
-              </a:solidFill>
-            </a:endParaRPr>
+            <a:endParaRPr lang="en-CA" dirty="0"/>
           </a:p>
           <a:p>
             <a:pPr lvl="1">
@@ -6267,7 +7601,7 @@
           <p:nvPr/>
         </p:nvPicPr>
         <p:blipFill>
-          <a:blip r:embed="rId2"/>
+          <a:blip r:embed="rId3"/>
           <a:stretch>
             <a:fillRect/>
           </a:stretch>
@@ -6409,7 +7743,7 @@
         <p:spPr>
           <a:xfrm>
             <a:off x="0" y="365237"/>
-            <a:ext cx="4730847" cy="523220"/>
+            <a:ext cx="3856505" cy="523220"/>
           </a:xfrm>
           <a:prstGeom prst="rect">
             <a:avLst/>
@@ -6424,16 +7758,175 @@
           <a:p>
             <a:r>
               <a:rPr lang="en-US" sz="2800" dirty="0"/>
-              <a:t>GitHub Repository and Readme</a:t>
+              <a:t>Limitations of the project</a:t>
             </a:r>
             <a:endParaRPr lang="en-GE" sz="2800" dirty="0"/>
+          </a:p>
+        </p:txBody>
+      </p:sp>
+      <p:sp>
+        <p:nvSpPr>
+          <p:cNvPr id="13" name="TextBox 12">
+            <a:extLst>
+              <a:ext uri="{FF2B5EF4-FFF2-40B4-BE49-F238E27FC236}">
+                <a16:creationId xmlns:a16="http://schemas.microsoft.com/office/drawing/2014/main" id="{E589433B-7227-7654-323F-1825F9808B1A}"/>
+              </a:ext>
+            </a:extLst>
+          </p:cNvPr>
+          <p:cNvSpPr txBox="1"/>
+          <p:nvPr/>
+        </p:nvSpPr>
+        <p:spPr>
+          <a:xfrm>
+            <a:off x="-12357" y="1257515"/>
+            <a:ext cx="12701106" cy="1477328"/>
+          </a:xfrm>
+          <a:prstGeom prst="rect">
+            <a:avLst/>
+          </a:prstGeom>
+          <a:noFill/>
+        </p:spPr>
+        <p:txBody>
+          <a:bodyPr wrap="none" rtlCol="0">
+            <a:spAutoFit/>
+          </a:bodyPr>
+          <a:lstStyle/>
+          <a:p>
+            <a:pPr marL="285750" indent="-285750">
+              <a:buFont typeface="Arial" panose="020B0604020202020204" pitchFamily="34" charset="0"/>
+              <a:buChar char="•"/>
+            </a:pPr>
+            <a:r>
+              <a:rPr lang="en-US" dirty="0"/>
+              <a:t>This project should only be used as a guideline for selecting stocks with less or more risk/volatility. That is if investor comes into </a:t>
+            </a:r>
+          </a:p>
+          <a:p>
+            <a:r>
+              <a:rPr lang="en-US" dirty="0"/>
+              <a:t>     agreement with our view that more price volatility means more risk, than one can differentiate stocks on NASDAQ index, that</a:t>
+            </a:r>
+          </a:p>
+          <a:p>
+            <a:r>
+              <a:rPr lang="en-US" dirty="0"/>
+              <a:t>     have had least price volatility over the past years, the highest price gain disregarding volatility and more. </a:t>
+            </a:r>
+          </a:p>
+          <a:p>
+            <a:r>
+              <a:rPr lang="en-US" dirty="0"/>
+              <a:t>     However, our price prediction model, needs more comprehensive parameter inclusion and cannot be used  as a legitimate </a:t>
+            </a:r>
+          </a:p>
+          <a:p>
+            <a:r>
+              <a:rPr lang="en-US" dirty="0"/>
+              <a:t>     credential for making decision about your investment portfolio. </a:t>
+            </a:r>
+            <a:endParaRPr lang="en-GE" dirty="0"/>
+          </a:p>
+        </p:txBody>
+      </p:sp>
+      <p:pic>
+        <p:nvPicPr>
+          <p:cNvPr id="5" name="Picture 4">
+            <a:extLst>
+              <a:ext uri="{FF2B5EF4-FFF2-40B4-BE49-F238E27FC236}">
+                <a16:creationId xmlns:a16="http://schemas.microsoft.com/office/drawing/2014/main" id="{D1080B40-9DA7-2027-278C-46EB79E501F5}"/>
+              </a:ext>
+            </a:extLst>
+          </p:cNvPr>
+          <p:cNvPicPr>
+            <a:picLocks noChangeAspect="1"/>
+          </p:cNvPicPr>
+          <p:nvPr/>
+        </p:nvPicPr>
+        <p:blipFill>
+          <a:blip r:embed="rId2"/>
+          <a:stretch>
+            <a:fillRect/>
+          </a:stretch>
+        </p:blipFill>
+        <p:spPr>
+          <a:xfrm>
+            <a:off x="229704" y="2806108"/>
+            <a:ext cx="4690165" cy="2934131"/>
+          </a:xfrm>
+          <a:prstGeom prst="rect">
+            <a:avLst/>
+          </a:prstGeom>
+        </p:spPr>
+      </p:pic>
+      <p:pic>
+        <p:nvPicPr>
+          <p:cNvPr id="10" name="Picture 9">
+            <a:extLst>
+              <a:ext uri="{FF2B5EF4-FFF2-40B4-BE49-F238E27FC236}">
+                <a16:creationId xmlns:a16="http://schemas.microsoft.com/office/drawing/2014/main" id="{01BC8708-9E5B-47A5-FCA0-27FADD4792BE}"/>
+              </a:ext>
+            </a:extLst>
+          </p:cNvPr>
+          <p:cNvPicPr>
+            <a:picLocks noChangeAspect="1"/>
+          </p:cNvPicPr>
+          <p:nvPr/>
+        </p:nvPicPr>
+        <p:blipFill>
+          <a:blip r:embed="rId3"/>
+          <a:stretch>
+            <a:fillRect/>
+          </a:stretch>
+        </p:blipFill>
+        <p:spPr>
+          <a:xfrm>
+            <a:off x="6083643" y="2777758"/>
+            <a:ext cx="4632253" cy="2934131"/>
+          </a:xfrm>
+          <a:prstGeom prst="rect">
+            <a:avLst/>
+          </a:prstGeom>
+        </p:spPr>
+      </p:pic>
+      <p:sp>
+        <p:nvSpPr>
+          <p:cNvPr id="11" name="TextBox 10">
+            <a:extLst>
+              <a:ext uri="{FF2B5EF4-FFF2-40B4-BE49-F238E27FC236}">
+                <a16:creationId xmlns:a16="http://schemas.microsoft.com/office/drawing/2014/main" id="{BD7017CE-40BD-ED60-7F84-A818695DE505}"/>
+              </a:ext>
+            </a:extLst>
+          </p:cNvPr>
+          <p:cNvSpPr txBox="1"/>
+          <p:nvPr/>
+        </p:nvSpPr>
+        <p:spPr>
+          <a:xfrm>
+            <a:off x="1928252" y="5987018"/>
+            <a:ext cx="7609584" cy="369332"/>
+          </a:xfrm>
+          <a:prstGeom prst="rect">
+            <a:avLst/>
+          </a:prstGeom>
+          <a:noFill/>
+        </p:spPr>
+        <p:txBody>
+          <a:bodyPr wrap="none" rtlCol="0">
+            <a:spAutoFit/>
+          </a:bodyPr>
+          <a:lstStyle/>
+          <a:p>
+            <a:r>
+              <a:rPr lang="en-GE" dirty="0"/>
+              <a:t>This graphs are to illustrate that predicted price is not consistent with the actual</a:t>
+            </a:r>
           </a:p>
         </p:txBody>
       </p:sp>
     </p:spTree>
     <p:extLst>
       <p:ext uri="{BB962C8B-B14F-4D97-AF65-F5344CB8AC3E}">
-        <p14:creationId xmlns:p14="http://schemas.microsoft.com/office/powerpoint/2010/main" val="2992691969"/>
+        <p14:creationId xmlns:p14="http://schemas.microsoft.com/office/powerpoint/2010/main" val="1772332189"/>
       </p:ext>
     </p:extLst>
   </p:cSld>

--- a/Project1 - stocks analysis PPT.pptx
+++ b/Project1 - stocks analysis PPT.pptx
@@ -125,6 +125,148 @@
 </p:presentation>
 </file>
 
+<file path=ppt/changesInfos/changesInfo1.xml><?xml version="1.0" encoding="utf-8"?>
+<pc:chgInfo xmlns:a="http://schemas.openxmlformats.org/drawingml/2006/main" xmlns:r="http://schemas.openxmlformats.org/officeDocument/2006/relationships" xmlns:ac="http://schemas.microsoft.com/office/drawing/2013/main/command" xmlns:pc="http://schemas.microsoft.com/office/powerpoint/2013/main/command">
+  <pc:docChgLst>
+    <pc:chgData name="Paola Soria" userId="0226e985ee63afc9" providerId="LiveId" clId="{FEDEC7CC-19AA-4414-A2A7-53886C861285}"/>
+    <pc:docChg chg="modSld">
+      <pc:chgData name="Paola Soria" userId="0226e985ee63afc9" providerId="LiveId" clId="{FEDEC7CC-19AA-4414-A2A7-53886C861285}" dt="2023-07-27T20:06:53.010" v="22" actId="20577"/>
+      <pc:docMkLst>
+        <pc:docMk/>
+      </pc:docMkLst>
+      <pc:sldChg chg="modSp mod">
+        <pc:chgData name="Paola Soria" userId="0226e985ee63afc9" providerId="LiveId" clId="{FEDEC7CC-19AA-4414-A2A7-53886C861285}" dt="2023-07-27T18:38:39.339" v="10" actId="1076"/>
+        <pc:sldMkLst>
+          <pc:docMk/>
+          <pc:sldMk cId="1155384084" sldId="257"/>
+        </pc:sldMkLst>
+        <pc:spChg chg="mod">
+          <ac:chgData name="Paola Soria" userId="0226e985ee63afc9" providerId="LiveId" clId="{FEDEC7CC-19AA-4414-A2A7-53886C861285}" dt="2023-07-27T18:38:39.339" v="10" actId="1076"/>
+          <ac:spMkLst>
+            <pc:docMk/>
+            <pc:sldMk cId="1155384084" sldId="257"/>
+            <ac:spMk id="6" creationId="{6A6AD67B-C291-A91B-0702-202D6F838470}"/>
+          </ac:spMkLst>
+        </pc:spChg>
+      </pc:sldChg>
+      <pc:sldChg chg="modSp mod">
+        <pc:chgData name="Paola Soria" userId="0226e985ee63afc9" providerId="LiveId" clId="{FEDEC7CC-19AA-4414-A2A7-53886C861285}" dt="2023-07-27T18:38:35.860" v="9" actId="1076"/>
+        <pc:sldMkLst>
+          <pc:docMk/>
+          <pc:sldMk cId="994396678" sldId="258"/>
+        </pc:sldMkLst>
+        <pc:spChg chg="mod">
+          <ac:chgData name="Paola Soria" userId="0226e985ee63afc9" providerId="LiveId" clId="{FEDEC7CC-19AA-4414-A2A7-53886C861285}" dt="2023-07-27T18:38:35.860" v="9" actId="1076"/>
+          <ac:spMkLst>
+            <pc:docMk/>
+            <pc:sldMk cId="994396678" sldId="258"/>
+            <ac:spMk id="6" creationId="{6A6AD67B-C291-A91B-0702-202D6F838470}"/>
+          </ac:spMkLst>
+        </pc:spChg>
+      </pc:sldChg>
+      <pc:sldChg chg="modSp mod">
+        <pc:chgData name="Paola Soria" userId="0226e985ee63afc9" providerId="LiveId" clId="{FEDEC7CC-19AA-4414-A2A7-53886C861285}" dt="2023-07-27T18:38:32.871" v="8" actId="1076"/>
+        <pc:sldMkLst>
+          <pc:docMk/>
+          <pc:sldMk cId="3387897164" sldId="259"/>
+        </pc:sldMkLst>
+        <pc:spChg chg="mod">
+          <ac:chgData name="Paola Soria" userId="0226e985ee63afc9" providerId="LiveId" clId="{FEDEC7CC-19AA-4414-A2A7-53886C861285}" dt="2023-07-27T18:38:32.871" v="8" actId="1076"/>
+          <ac:spMkLst>
+            <pc:docMk/>
+            <pc:sldMk cId="3387897164" sldId="259"/>
+            <ac:spMk id="6" creationId="{6A6AD67B-C291-A91B-0702-202D6F838470}"/>
+          </ac:spMkLst>
+        </pc:spChg>
+      </pc:sldChg>
+      <pc:sldChg chg="modSp mod">
+        <pc:chgData name="Paola Soria" userId="0226e985ee63afc9" providerId="LiveId" clId="{FEDEC7CC-19AA-4414-A2A7-53886C861285}" dt="2023-07-27T18:38:29.939" v="7" actId="1076"/>
+        <pc:sldMkLst>
+          <pc:docMk/>
+          <pc:sldMk cId="947330151" sldId="261"/>
+        </pc:sldMkLst>
+        <pc:spChg chg="mod">
+          <ac:chgData name="Paola Soria" userId="0226e985ee63afc9" providerId="LiveId" clId="{FEDEC7CC-19AA-4414-A2A7-53886C861285}" dt="2023-07-27T18:38:29.939" v="7" actId="1076"/>
+          <ac:spMkLst>
+            <pc:docMk/>
+            <pc:sldMk cId="947330151" sldId="261"/>
+            <ac:spMk id="6" creationId="{6A6AD67B-C291-A91B-0702-202D6F838470}"/>
+          </ac:spMkLst>
+        </pc:spChg>
+      </pc:sldChg>
+      <pc:sldChg chg="modSp mod">
+        <pc:chgData name="Paola Soria" userId="0226e985ee63afc9" providerId="LiveId" clId="{FEDEC7CC-19AA-4414-A2A7-53886C861285}" dt="2023-07-27T18:38:25.288" v="6" actId="1076"/>
+        <pc:sldMkLst>
+          <pc:docMk/>
+          <pc:sldMk cId="1787898093" sldId="262"/>
+        </pc:sldMkLst>
+        <pc:spChg chg="mod">
+          <ac:chgData name="Paola Soria" userId="0226e985ee63afc9" providerId="LiveId" clId="{FEDEC7CC-19AA-4414-A2A7-53886C861285}" dt="2023-07-27T18:38:25.288" v="6" actId="1076"/>
+          <ac:spMkLst>
+            <pc:docMk/>
+            <pc:sldMk cId="1787898093" sldId="262"/>
+            <ac:spMk id="6" creationId="{6A6AD67B-C291-A91B-0702-202D6F838470}"/>
+          </ac:spMkLst>
+        </pc:spChg>
+      </pc:sldChg>
+      <pc:sldChg chg="modSp mod">
+        <pc:chgData name="Paola Soria" userId="0226e985ee63afc9" providerId="LiveId" clId="{FEDEC7CC-19AA-4414-A2A7-53886C861285}" dt="2023-07-27T18:38:21.722" v="5" actId="1076"/>
+        <pc:sldMkLst>
+          <pc:docMk/>
+          <pc:sldMk cId="1994100978" sldId="263"/>
+        </pc:sldMkLst>
+        <pc:spChg chg="mod">
+          <ac:chgData name="Paola Soria" userId="0226e985ee63afc9" providerId="LiveId" clId="{FEDEC7CC-19AA-4414-A2A7-53886C861285}" dt="2023-07-27T18:38:21.722" v="5" actId="1076"/>
+          <ac:spMkLst>
+            <pc:docMk/>
+            <pc:sldMk cId="1994100978" sldId="263"/>
+            <ac:spMk id="6" creationId="{6A6AD67B-C291-A91B-0702-202D6F838470}"/>
+          </ac:spMkLst>
+        </pc:spChg>
+      </pc:sldChg>
+      <pc:sldChg chg="modSp mod">
+        <pc:chgData name="Paola Soria" userId="0226e985ee63afc9" providerId="LiveId" clId="{FEDEC7CC-19AA-4414-A2A7-53886C861285}" dt="2023-07-27T18:38:17.350" v="4" actId="1076"/>
+        <pc:sldMkLst>
+          <pc:docMk/>
+          <pc:sldMk cId="3556952156" sldId="264"/>
+        </pc:sldMkLst>
+        <pc:spChg chg="mod">
+          <ac:chgData name="Paola Soria" userId="0226e985ee63afc9" providerId="LiveId" clId="{FEDEC7CC-19AA-4414-A2A7-53886C861285}" dt="2023-07-27T18:38:17.350" v="4" actId="1076"/>
+          <ac:spMkLst>
+            <pc:docMk/>
+            <pc:sldMk cId="3556952156" sldId="264"/>
+            <ac:spMk id="6" creationId="{6A6AD67B-C291-A91B-0702-202D6F838470}"/>
+          </ac:spMkLst>
+        </pc:spChg>
+      </pc:sldChg>
+      <pc:sldChg chg="modSp mod">
+        <pc:chgData name="Paola Soria" userId="0226e985ee63afc9" providerId="LiveId" clId="{FEDEC7CC-19AA-4414-A2A7-53886C861285}" dt="2023-07-27T20:06:53.010" v="22" actId="20577"/>
+        <pc:sldMkLst>
+          <pc:docMk/>
+          <pc:sldMk cId="1772332189" sldId="267"/>
+        </pc:sldMkLst>
+        <pc:spChg chg="mod">
+          <ac:chgData name="Paola Soria" userId="0226e985ee63afc9" providerId="LiveId" clId="{FEDEC7CC-19AA-4414-A2A7-53886C861285}" dt="2023-07-27T18:38:12.558" v="2" actId="1076"/>
+          <ac:spMkLst>
+            <pc:docMk/>
+            <pc:sldMk cId="1772332189" sldId="267"/>
+            <ac:spMk id="6" creationId="{6A6AD67B-C291-A91B-0702-202D6F838470}"/>
+          </ac:spMkLst>
+        </pc:spChg>
+        <pc:spChg chg="mod">
+          <ac:chgData name="Paola Soria" userId="0226e985ee63afc9" providerId="LiveId" clId="{FEDEC7CC-19AA-4414-A2A7-53886C861285}" dt="2023-07-27T20:06:53.010" v="22" actId="20577"/>
+          <ac:spMkLst>
+            <pc:docMk/>
+            <pc:sldMk cId="1772332189" sldId="267"/>
+            <ac:spMk id="13" creationId="{E589433B-7227-7654-323F-1825F9808B1A}"/>
+          </ac:spMkLst>
+        </pc:spChg>
+      </pc:sldChg>
+    </pc:docChg>
+  </pc:docChgLst>
+</pc:chgInfo>
+</file>
+
 <file path=ppt/notesMasters/notesMaster1.xml><?xml version="1.0" encoding="utf-8"?>
 <p:notesMaster xmlns:a="http://schemas.openxmlformats.org/drawingml/2006/main" xmlns:r="http://schemas.openxmlformats.org/officeDocument/2006/relationships" xmlns:p="http://schemas.openxmlformats.org/presentationml/2006/main">
   <p:cSld>
@@ -207,7 +349,7 @@
           <a:p>
             <a:fld id="{ED83BB76-8F77-4D49-AC52-A949DB5BCE82}" type="datetimeFigureOut">
               <a:rPr lang="en-GE" smtClean="0"/>
-              <a:t>26.07.23</a:t>
+              <a:t>07/27/2023</a:t>
             </a:fld>
             <a:endParaRPr lang="en-GE"/>
           </a:p>
@@ -1296,7 +1438,7 @@
           <a:p>
             <a:fld id="{FAC4BE39-A7CA-EA49-9914-DF9642827CD1}" type="datetime1">
               <a:rPr lang="en-US" smtClean="0"/>
-              <a:t>7/26/23</a:t>
+              <a:t>7/27/2023</a:t>
             </a:fld>
             <a:endParaRPr lang="en-GE"/>
           </a:p>
@@ -1496,7 +1638,7 @@
           <a:p>
             <a:fld id="{C401D72C-0C20-C541-83D2-435523669661}" type="datetime1">
               <a:rPr lang="en-US" smtClean="0"/>
-              <a:t>7/26/23</a:t>
+              <a:t>7/27/2023</a:t>
             </a:fld>
             <a:endParaRPr lang="en-GE"/>
           </a:p>
@@ -1706,7 +1848,7 @@
           <a:p>
             <a:fld id="{2C4864A0-594C-D143-AA7F-B28278D03B4D}" type="datetime1">
               <a:rPr lang="en-US" smtClean="0"/>
-              <a:t>7/26/23</a:t>
+              <a:t>7/27/2023</a:t>
             </a:fld>
             <a:endParaRPr lang="en-GE"/>
           </a:p>
@@ -1906,7 +2048,7 @@
           <a:p>
             <a:fld id="{DB5086F4-617F-B74E-9412-861E92A04E38}" type="datetime1">
               <a:rPr lang="en-US" smtClean="0"/>
-              <a:t>7/26/23</a:t>
+              <a:t>7/27/2023</a:t>
             </a:fld>
             <a:endParaRPr lang="en-GE"/>
           </a:p>
@@ -2182,7 +2324,7 @@
           <a:p>
             <a:fld id="{DA6B317A-6977-7347-BA6C-7853EF48CFF3}" type="datetime1">
               <a:rPr lang="en-US" smtClean="0"/>
-              <a:t>7/26/23</a:t>
+              <a:t>7/27/2023</a:t>
             </a:fld>
             <a:endParaRPr lang="en-GE"/>
           </a:p>
@@ -2450,7 +2592,7 @@
           <a:p>
             <a:fld id="{1A11A462-4494-9A49-9AA8-16F396B6EFD2}" type="datetime1">
               <a:rPr lang="en-US" smtClean="0"/>
-              <a:t>7/26/23</a:t>
+              <a:t>7/27/2023</a:t>
             </a:fld>
             <a:endParaRPr lang="en-GE"/>
           </a:p>
@@ -2865,7 +3007,7 @@
           <a:p>
             <a:fld id="{AFA73322-0D7A-A745-A514-3D6BC7F974AF}" type="datetime1">
               <a:rPr lang="en-US" smtClean="0"/>
-              <a:t>7/26/23</a:t>
+              <a:t>7/27/2023</a:t>
             </a:fld>
             <a:endParaRPr lang="en-GE"/>
           </a:p>
@@ -3007,7 +3149,7 @@
           <a:p>
             <a:fld id="{6B900FA6-CA07-504C-A251-5ED0351D7387}" type="datetime1">
               <a:rPr lang="en-US" smtClean="0"/>
-              <a:t>7/26/23</a:t>
+              <a:t>7/27/2023</a:t>
             </a:fld>
             <a:endParaRPr lang="en-GE"/>
           </a:p>
@@ -3120,7 +3262,7 @@
           <a:p>
             <a:fld id="{401336CA-7543-2C43-8E32-CBCB036D60D5}" type="datetime1">
               <a:rPr lang="en-US" smtClean="0"/>
-              <a:t>7/26/23</a:t>
+              <a:t>7/27/2023</a:t>
             </a:fld>
             <a:endParaRPr lang="en-GE"/>
           </a:p>
@@ -3433,7 +3575,7 @@
           <a:p>
             <a:fld id="{0F863DB5-EC82-DD4F-A108-5C43223371A9}" type="datetime1">
               <a:rPr lang="en-US" smtClean="0"/>
-              <a:t>7/26/23</a:t>
+              <a:t>7/27/2023</a:t>
             </a:fld>
             <a:endParaRPr lang="en-GE"/>
           </a:p>
@@ -3722,7 +3864,7 @@
           <a:p>
             <a:fld id="{E919D447-923D-C947-A91B-D3F8737351C1}" type="datetime1">
               <a:rPr lang="en-US" smtClean="0"/>
-              <a:t>7/26/23</a:t>
+              <a:t>7/27/2023</a:t>
             </a:fld>
             <a:endParaRPr lang="en-GE"/>
           </a:p>
@@ -3965,7 +4107,7 @@
           <a:p>
             <a:fld id="{62E12DC4-395A-D24E-81C4-FA02CC894407}" type="datetime1">
               <a:rPr lang="en-US" smtClean="0"/>
-              <a:t>7/26/23</a:t>
+              <a:t>7/27/2023</a:t>
             </a:fld>
             <a:endParaRPr lang="en-GE"/>
           </a:p>
@@ -4783,7 +4925,7 @@
         <p:spPr>
           <a:xfrm>
             <a:off x="6286266" y="1212092"/>
-            <a:ext cx="5759462" cy="1754326"/>
+            <a:ext cx="5619984" cy="1754326"/>
           </a:xfrm>
           <a:prstGeom prst="rect">
             <a:avLst/>
@@ -4791,44 +4933,14 @@
           <a:noFill/>
         </p:spPr>
         <p:txBody>
-          <a:bodyPr wrap="none" rtlCol="0">
+          <a:bodyPr wrap="square" rtlCol="0">
             <a:spAutoFit/>
           </a:bodyPr>
           <a:lstStyle/>
           <a:p>
             <a:r>
-              <a:rPr lang="en-GE" dirty="0"/>
-              <a:t>This is a screenshot of GitHub repository for the project. </a:t>
-            </a:r>
-          </a:p>
-          <a:p>
-            <a:r>
-              <a:rPr lang="en-GE" dirty="0"/>
-              <a:t>Repository is public and easily accessible. Just clone it, </a:t>
-            </a:r>
-          </a:p>
-          <a:p>
-            <a:r>
-              <a:rPr lang="en-GB" dirty="0"/>
-              <a:t>to your local machine and it will be ready to run. Project,</a:t>
-            </a:r>
-          </a:p>
-          <a:p>
-            <a:r>
-              <a:rPr lang="en-GB" dirty="0"/>
-              <a:t>comes with its own set of historical data, however ’Stocks’</a:t>
-            </a:r>
-          </a:p>
-          <a:p>
-            <a:r>
-              <a:rPr lang="en-GB" dirty="0"/>
-              <a:t>directory can be easily modified with other .csv format files</a:t>
-            </a:r>
-          </a:p>
-          <a:p>
-            <a:r>
-              <a:rPr lang="en-GB" dirty="0"/>
-              <a:t>that will fit the needs of an user.</a:t>
+              <a:rPr lang="en-US" dirty="0"/>
+              <a:t>This is a screenshot of the GitHub repository for the project. The repository is public and easily accessible. Just clone it to your local machine, and it will be ready to run. The project comes with its own set of historical data; however, the 'Stocks' directory can be easily modified with other .csv format files that will fit the needs of a user.</a:t>
             </a:r>
             <a:endParaRPr lang="en-GE" dirty="0"/>
           </a:p>
@@ -4898,7 +5010,7 @@
         <p:spPr>
           <a:xfrm>
             <a:off x="6341165" y="3389243"/>
-            <a:ext cx="5969904" cy="2031325"/>
+            <a:ext cx="5565085" cy="2585323"/>
           </a:xfrm>
           <a:prstGeom prst="rect">
             <a:avLst/>
@@ -4906,7 +5018,7 @@
           <a:noFill/>
         </p:spPr>
         <p:txBody>
-          <a:bodyPr wrap="none" rtlCol="0">
+          <a:bodyPr wrap="square" rtlCol="0">
             <a:spAutoFit/>
           </a:bodyPr>
           <a:lstStyle/>
@@ -4917,48 +5029,59 @@
             </a:r>
             <a:r>
               <a:rPr lang="en-GE" dirty="0"/>
-              <a:t>: Actual code file is in Jupyter Notebook file,</a:t>
-            </a:r>
-          </a:p>
-          <a:p>
-            <a:r>
-              <a:rPr lang="en-GB" dirty="0"/>
-              <a:t>C</a:t>
-            </a:r>
-            <a:r>
-              <a:rPr lang="en-GE" dirty="0"/>
-              <a:t>alled Project_1.ipynb.</a:t>
-            </a:r>
-          </a:p>
-          <a:p>
-            <a:r>
-              <a:rPr lang="en-GE" dirty="0"/>
-              <a:t>Stocks is a directory containing .csv formatted data files</a:t>
-            </a:r>
-          </a:p>
-          <a:p>
-            <a:r>
-              <a:rPr lang="en-GE" dirty="0"/>
-              <a:t>Project1 – stocks analysis PPT – is file for these slides.</a:t>
-            </a:r>
-          </a:p>
-          <a:p>
-            <a:r>
-              <a:rPr lang="en-GE" dirty="0"/>
-              <a:t>Readme file – provides brief overview of what is done by this</a:t>
-            </a:r>
-          </a:p>
-          <a:p>
-            <a:r>
-              <a:rPr lang="en-GB" dirty="0"/>
-              <a:t>P</a:t>
-            </a:r>
-            <a:r>
-              <a:rPr lang="en-GE" dirty="0"/>
-              <a:t>roject/code</a:t>
-            </a:r>
-          </a:p>
-          <a:p>
+              <a:t>: </a:t>
+            </a:r>
+            <a:endParaRPr lang="en-CA" dirty="0"/>
+          </a:p>
+          <a:p>
+            <a:pPr marL="285750" indent="-285750">
+              <a:buFont typeface="Arial" panose="020B0604020202020204" pitchFamily="34" charset="0"/>
+              <a:buChar char="•"/>
+            </a:pPr>
+            <a:r>
+              <a:rPr lang="en-US" dirty="0"/>
+              <a:t>The actual code file is in a </a:t>
+            </a:r>
+            <a:r>
+              <a:rPr lang="en-US" dirty="0" err="1"/>
+              <a:t>Jupyter</a:t>
+            </a:r>
+            <a:r>
+              <a:rPr lang="en-US" dirty="0"/>
+              <a:t> Notebook file called Project_1.ipynb.</a:t>
+            </a:r>
+          </a:p>
+          <a:p>
+            <a:pPr marL="285750" indent="-285750">
+              <a:buFont typeface="Arial" panose="020B0604020202020204" pitchFamily="34" charset="0"/>
+              <a:buChar char="•"/>
+            </a:pPr>
+            <a:r>
+              <a:rPr lang="en-US" dirty="0"/>
+              <a:t>The 'Stocks' directory contains .csv formatted data files.</a:t>
+            </a:r>
+            <a:endParaRPr lang="en-GE" dirty="0"/>
+          </a:p>
+          <a:p>
+            <a:pPr marL="285750" indent="-285750">
+              <a:buFont typeface="Arial" panose="020B0604020202020204" pitchFamily="34" charset="0"/>
+              <a:buChar char="•"/>
+            </a:pPr>
+            <a:r>
+              <a:rPr lang="en-US" dirty="0"/>
+              <a:t>Project1 - stocks analysis PPT - is the file for these slides.</a:t>
+            </a:r>
+            <a:endParaRPr lang="en-GE" dirty="0"/>
+          </a:p>
+          <a:p>
+            <a:pPr marL="285750" indent="-285750">
+              <a:buFont typeface="Arial" panose="020B0604020202020204" pitchFamily="34" charset="0"/>
+              <a:buChar char="•"/>
+            </a:pPr>
+            <a:r>
+              <a:rPr lang="en-US" dirty="0"/>
+              <a:t>The Readme file provides a brief overview of what is done by this project/code.</a:t>
+            </a:r>
             <a:endParaRPr lang="en-GE" dirty="0"/>
           </a:p>
         </p:txBody>
@@ -5089,8 +5212,8 @@
         </p:nvSpPr>
         <p:spPr>
           <a:xfrm>
-            <a:off x="0" y="365237"/>
-            <a:ext cx="1651414" cy="523220"/>
+            <a:off x="295275" y="365237"/>
+            <a:ext cx="1807482" cy="523220"/>
           </a:xfrm>
           <a:prstGeom prst="rect">
             <a:avLst/>
@@ -5105,7 +5228,7 @@
           <a:p>
             <a:r>
               <a:rPr lang="en-US" sz="2800" dirty="0"/>
-              <a:t>Final Slide</a:t>
+              <a:t>Thank you!</a:t>
             </a:r>
             <a:endParaRPr lang="en-GE" sz="2800" dirty="0"/>
           </a:p>
@@ -5294,7 +5417,7 @@
         </p:nvSpPr>
         <p:spPr>
           <a:xfrm>
-            <a:off x="222422" y="345989"/>
+            <a:off x="231148" y="339896"/>
             <a:ext cx="4674870" cy="523220"/>
           </a:xfrm>
           <a:prstGeom prst="rect">
@@ -5329,8 +5452,8 @@
         </p:nvSpPr>
         <p:spPr>
           <a:xfrm>
-            <a:off x="-20373" y="1434455"/>
-            <a:ext cx="12314205" cy="1015663"/>
+            <a:off x="222422" y="1434455"/>
+            <a:ext cx="11655253" cy="923330"/>
           </a:xfrm>
           <a:prstGeom prst="rect">
             <a:avLst/>
@@ -5338,13 +5461,18 @@
           <a:noFill/>
         </p:spPr>
         <p:txBody>
-          <a:bodyPr wrap="none" rtlCol="0">
+          <a:bodyPr wrap="square" rtlCol="0">
             <a:spAutoFit/>
           </a:bodyPr>
           <a:lstStyle/>
           <a:p>
-            <a:r>
-              <a:rPr lang="en-US" sz="2000" u="sng" dirty="0"/>
+            <a:pPr>
+              <a:tabLst>
+                <a:tab pos="1524000" algn="l"/>
+              </a:tabLst>
+            </a:pPr>
+            <a:r>
+              <a:rPr lang="en-US" u="sng" dirty="0"/>
               <a:t>Project Outline</a:t>
             </a:r>
             <a:r>
@@ -5352,36 +5480,12 @@
               <a:t>:  </a:t>
             </a:r>
             <a:r>
-              <a:rPr lang="en-GB" sz="2000" b="0" i="0" dirty="0">
+              <a:rPr lang="en-US" b="0" i="0" dirty="0">
                 <a:effectLst/>
               </a:rPr>
-              <a:t>We aim to analyse historical stock data to identify stocks with the highest percentage price changes,</a:t>
-            </a:r>
-          </a:p>
-          <a:p>
-            <a:r>
-              <a:rPr lang="en-GB" sz="2000" dirty="0"/>
-              <a:t>                              </a:t>
-            </a:r>
-            <a:r>
-              <a:rPr lang="en-GB" sz="2000" b="0" i="0" dirty="0">
-                <a:effectLst/>
-              </a:rPr>
-              <a:t> lowest standard deviation, and a combination of both. We also predict future prices and compare </a:t>
-            </a:r>
-          </a:p>
-          <a:p>
-            <a:r>
-              <a:rPr lang="en-GB" sz="2000" dirty="0"/>
-              <a:t>                               </a:t>
-            </a:r>
-            <a:r>
-              <a:rPr lang="en-GB" sz="2000" b="0" i="0" dirty="0">
-                <a:effectLst/>
-              </a:rPr>
-              <a:t>with real-time data </a:t>
-            </a:r>
-            <a:endParaRPr lang="en-GE" sz="2000" dirty="0"/>
+              <a:t>We aim to analyze historical stock data to identify stocks with the highest percentage price 	changes, 	lowest standard deviation, and a combination of both. Additionally, we predict future prices and compare 	them with real-time data.</a:t>
+            </a:r>
+            <a:endParaRPr lang="en-GE" dirty="0"/>
           </a:p>
         </p:txBody>
       </p:sp>
@@ -5399,8 +5503,8 @@
         </p:nvSpPr>
         <p:spPr>
           <a:xfrm>
-            <a:off x="-11469" y="2852149"/>
-            <a:ext cx="12203469" cy="707886"/>
+            <a:off x="231148" y="2852149"/>
+            <a:ext cx="11646688" cy="646331"/>
           </a:xfrm>
           <a:prstGeom prst="rect">
             <a:avLst/>
@@ -5408,42 +5512,29 @@
           <a:noFill/>
         </p:spPr>
         <p:txBody>
-          <a:bodyPr wrap="none" rtlCol="0">
+          <a:bodyPr wrap="square" rtlCol="0">
             <a:spAutoFit/>
           </a:bodyPr>
           <a:lstStyle/>
           <a:p>
-            <a:r>
-              <a:rPr lang="en-GE" sz="2000" u="sng" dirty="0"/>
+            <a:pPr>
+              <a:tabLst>
+                <a:tab pos="1438275" algn="l"/>
+              </a:tabLst>
+            </a:pPr>
+            <a:r>
+              <a:rPr lang="en-GE" u="sng" dirty="0"/>
               <a:t>Methodology</a:t>
             </a:r>
             <a:r>
-              <a:rPr lang="en-GE" sz="2000" dirty="0"/>
-              <a:t>:  W</a:t>
-            </a:r>
-            <a:r>
-              <a:rPr lang="en-GB" sz="2000" b="0" i="0" dirty="0">
-                <a:effectLst/>
-                <a:latin typeface="Söhne"/>
-              </a:rPr>
-              <a:t>e have used Python with Pandas, NumPy, Matplotlib, SciPy for data analysis, and linear regression </a:t>
-            </a:r>
-          </a:p>
-          <a:p>
-            <a:r>
-              <a:rPr lang="en-GB" sz="2000" dirty="0">
-                <a:latin typeface="Söhne"/>
-              </a:rPr>
-              <a:t>                            </a:t>
-            </a:r>
-            <a:r>
-              <a:rPr lang="en-GB" sz="2000" b="0" i="0" dirty="0">
-                <a:effectLst/>
-                <a:latin typeface="Söhne"/>
-              </a:rPr>
-              <a:t>for future price prediction. We've also used a real-time stock data API for comparison.</a:t>
-            </a:r>
-            <a:endParaRPr lang="en-GE" sz="2000" dirty="0"/>
+              <a:rPr lang="en-GE" dirty="0"/>
+              <a:t>:  </a:t>
+            </a:r>
+            <a:r>
+              <a:rPr lang="en-US" dirty="0"/>
+              <a:t>We have used Python with Pandas, NumPy, Matplotlib, and SciPy for data analysis, as well as linear 	regression for future price prediction. Additionally, we used a real-time stock data API for comparison.</a:t>
+            </a:r>
+            <a:endParaRPr lang="en-GE" dirty="0"/>
           </a:p>
         </p:txBody>
       </p:sp>
@@ -5461,8 +5552,8 @@
         </p:nvSpPr>
         <p:spPr>
           <a:xfrm>
-            <a:off x="-20373" y="4005851"/>
-            <a:ext cx="12298175" cy="1292662"/>
+            <a:off x="222422" y="4386851"/>
+            <a:ext cx="11655253" cy="923330"/>
           </a:xfrm>
           <a:prstGeom prst="rect">
             <a:avLst/>
@@ -5470,38 +5561,64 @@
           <a:noFill/>
         </p:spPr>
         <p:txBody>
-          <a:bodyPr wrap="none" rtlCol="0">
+          <a:bodyPr wrap="square" rtlCol="0">
             <a:spAutoFit/>
           </a:bodyPr>
           <a:lstStyle/>
           <a:p>
-            <a:r>
-              <a:rPr lang="en-GE" sz="2000" u="sng" dirty="0"/>
+            <a:pPr>
+              <a:tabLst>
+                <a:tab pos="1438275" algn="l"/>
+              </a:tabLst>
+            </a:pPr>
+            <a:r>
+              <a:rPr lang="en-GE" u="sng" dirty="0"/>
               <a:t>Project Usage:</a:t>
             </a:r>
             <a:r>
-              <a:rPr lang="en-GE" sz="2000" dirty="0"/>
+              <a:rPr lang="en-GE" dirty="0"/>
               <a:t>  </a:t>
             </a:r>
             <a:r>
-              <a:rPr lang="en-CA" sz="2000" dirty="0"/>
-              <a:t>Young investors are looking for information to choose stocks to invest on.  The DYI investments trend </a:t>
-            </a:r>
-          </a:p>
-          <a:p>
-            <a:r>
-              <a:rPr lang="en-CA" sz="2000" dirty="0"/>
-              <a:t>                            is growing. Based on this, evaluating different stocks to find the right ones to grow, considering the </a:t>
-            </a:r>
-          </a:p>
-          <a:p>
-            <a:r>
-              <a:rPr lang="en-CA" sz="2000" dirty="0"/>
-              <a:t>                            risk aversion of investors is important.</a:t>
-            </a:r>
-          </a:p>
-          <a:p>
+              <a:rPr lang="en-US" dirty="0"/>
+              <a:t>Young investors are seeking information to choose stocks for investment. The DIY investment trend		is growing*. Based on this, evaluating different stocks to find the right ones for growth while 	considering 	the risk aversion of investors is important.</a:t>
+            </a:r>
             <a:endParaRPr lang="en-GE" u="sng" dirty="0"/>
+          </a:p>
+        </p:txBody>
+      </p:sp>
+      <p:sp>
+        <p:nvSpPr>
+          <p:cNvPr id="2" name="TextBox 1">
+            <a:extLst>
+              <a:ext uri="{FF2B5EF4-FFF2-40B4-BE49-F238E27FC236}">
+                <a16:creationId xmlns:a16="http://schemas.microsoft.com/office/drawing/2014/main" id="{4FD6226F-B87B-FA88-EF29-851FA2ABDB32}"/>
+              </a:ext>
+            </a:extLst>
+          </p:cNvPr>
+          <p:cNvSpPr txBox="1"/>
+          <p:nvPr/>
+        </p:nvSpPr>
+        <p:spPr>
+          <a:xfrm>
+            <a:off x="1781174" y="6257925"/>
+            <a:ext cx="8391525" cy="369332"/>
+          </a:xfrm>
+          <a:prstGeom prst="rect">
+            <a:avLst/>
+          </a:prstGeom>
+          <a:noFill/>
+        </p:spPr>
+        <p:txBody>
+          <a:bodyPr wrap="square" rtlCol="0">
+            <a:spAutoFit/>
+          </a:bodyPr>
+          <a:lstStyle/>
+          <a:p>
+            <a:r>
+              <a:rPr lang="en-CA" sz="900" dirty="0"/>
+              <a:t>*https://www.mackenzieinvestments.com/en/investments/by-type/etfs/etf-articles/the-growth-in-diy-investors#:~:text=In%202020%2C%20Canadians%20opened%20over,investors%20often%20make%20avoidable%20mistakes.  </a:t>
+            </a:r>
           </a:p>
         </p:txBody>
       </p:sp>
@@ -5631,7 +5748,7 @@
         </p:nvSpPr>
         <p:spPr>
           <a:xfrm>
-            <a:off x="222422" y="345989"/>
+            <a:off x="222421" y="356407"/>
             <a:ext cx="4821448" cy="523220"/>
           </a:xfrm>
           <a:prstGeom prst="rect">
@@ -5666,8 +5783,8 @@
         </p:nvSpPr>
         <p:spPr>
           <a:xfrm>
-            <a:off x="32948" y="1398981"/>
-            <a:ext cx="12114150" cy="1015663"/>
+            <a:off x="222421" y="1398981"/>
+            <a:ext cx="11807653" cy="1200329"/>
           </a:xfrm>
           <a:prstGeom prst="rect">
             <a:avLst/>
@@ -5675,36 +5792,29 @@
           <a:noFill/>
         </p:spPr>
         <p:txBody>
-          <a:bodyPr wrap="none" rtlCol="0">
+          <a:bodyPr wrap="square" rtlCol="0">
             <a:spAutoFit/>
           </a:bodyPr>
           <a:lstStyle/>
           <a:p>
-            <a:r>
-              <a:rPr lang="en-US" sz="2000" u="sng" dirty="0"/>
+            <a:pPr>
+              <a:tabLst>
+                <a:tab pos="1438275" algn="l"/>
+              </a:tabLst>
+            </a:pPr>
+            <a:r>
+              <a:rPr lang="en-US" u="sng" dirty="0"/>
               <a:t>Data Retrieval</a:t>
             </a:r>
             <a:r>
-              <a:rPr lang="en-US" sz="2000" i="1" dirty="0"/>
+              <a:rPr lang="en-US" i="1" dirty="0"/>
               <a:t>: </a:t>
             </a:r>
             <a:r>
-              <a:rPr lang="en-GB" sz="2000" dirty="0"/>
-              <a:t>All of the data used is provided by NASDAQ index. The database file was retrieved from kaggle.com</a:t>
-            </a:r>
-          </a:p>
-          <a:p>
-            <a:r>
-              <a:rPr lang="en-GB" sz="2000" dirty="0"/>
-              <a:t>                          and stock files are presented in .csv format. Code, analyses all the files that are in .csv format in the</a:t>
-            </a:r>
-          </a:p>
-          <a:p>
-            <a:r>
-              <a:rPr lang="en-GB" sz="2000" dirty="0"/>
-              <a:t>                          ‘Stocks’ directory. Files are inclusive of Date, Price, Open, Close, Volume and Stock Name</a:t>
-            </a:r>
-            <a:endParaRPr lang="en-GE" sz="2000" dirty="0"/>
+              <a:rPr lang="en-US" dirty="0"/>
+              <a:t>All of the data used is provided by the NASDAQ index*. The database file was retrieved from 	kaggle.com, and 	the stock files are presented in .csv format. The code analyses all the files in .csv format that are located in 	the ‘Stocks’ directory. These files include Date, Price, Open, Close, Volume, and Stock Name.  Some columns 	were deleted as part of the data cleaning process.</a:t>
+            </a:r>
+            <a:endParaRPr lang="en-GE" dirty="0"/>
           </a:p>
         </p:txBody>
       </p:sp>
@@ -5722,8 +5832,8 @@
         </p:nvSpPr>
         <p:spPr>
           <a:xfrm>
-            <a:off x="-11469" y="2627375"/>
-            <a:ext cx="11695061" cy="1323439"/>
+            <a:off x="222421" y="2817875"/>
+            <a:ext cx="11807654" cy="1200329"/>
           </a:xfrm>
           <a:prstGeom prst="rect">
             <a:avLst/>
@@ -5731,51 +5841,73 @@
           <a:noFill/>
         </p:spPr>
         <p:txBody>
-          <a:bodyPr wrap="none" rtlCol="0">
+          <a:bodyPr wrap="square" rtlCol="0">
             <a:spAutoFit/>
           </a:bodyPr>
           <a:lstStyle/>
           <a:p>
-            <a:r>
-              <a:rPr lang="en-GE" sz="2000" u="sng" dirty="0"/>
+            <a:pPr>
+              <a:tabLst>
+                <a:tab pos="1343025" algn="l"/>
+              </a:tabLst>
+            </a:pPr>
+            <a:r>
+              <a:rPr lang="en-GE" u="sng" dirty="0"/>
               <a:t>Data cleaning</a:t>
             </a:r>
             <a:r>
-              <a:rPr lang="en-GE" sz="2000" dirty="0"/>
+              <a:rPr lang="en-GE" dirty="0"/>
               <a:t>: </a:t>
             </a:r>
             <a:r>
-              <a:rPr lang="en-US" sz="2000" dirty="0"/>
-              <a:t>To ensure, robustness of our analysis, we have performed several data cleaning steps, such as </a:t>
-            </a:r>
-          </a:p>
-          <a:p>
-            <a:r>
-              <a:rPr lang="en-US" sz="2000" dirty="0"/>
-              <a:t>                           excursion of missing values, ensuring each column is of the proper data type, for example we </a:t>
-            </a:r>
-          </a:p>
-          <a:p>
-            <a:r>
-              <a:rPr lang="en-US" sz="2000" dirty="0"/>
-              <a:t>                           converted ”Date” column to datetime format for time series analysis. After these steps, we had </a:t>
-            </a:r>
-          </a:p>
-          <a:p>
-            <a:r>
-              <a:rPr lang="en-US" sz="2000" dirty="0"/>
-              <a:t>                           clean usable data ready for analysis</a:t>
-            </a:r>
-            <a:endParaRPr lang="en-GE" sz="2000" dirty="0"/>
+              <a:rPr lang="en-US" dirty="0"/>
+              <a:t>To ensure the robustness of our analysis, we performed several data cleaning steps. These steps included 	merging the data into one data frame, deleting empty columns, and ensuring that each column has the proper 	data type. For example, we converted the 'Date' column to datetime format for time series analysis. After 	completing these steps, we had clean and usable data ready for analysis.</a:t>
+            </a:r>
+            <a:endParaRPr lang="en-GE" dirty="0"/>
+          </a:p>
+        </p:txBody>
+      </p:sp>
+      <p:sp>
+        <p:nvSpPr>
+          <p:cNvPr id="2" name="TextBox 1">
+            <a:extLst>
+              <a:ext uri="{FF2B5EF4-FFF2-40B4-BE49-F238E27FC236}">
+                <a16:creationId xmlns:a16="http://schemas.microsoft.com/office/drawing/2014/main" id="{4B06EA4B-2F3E-8A4A-18A7-6B38E6D73CC0}"/>
+              </a:ext>
+            </a:extLst>
+          </p:cNvPr>
+          <p:cNvSpPr txBox="1"/>
+          <p:nvPr/>
+        </p:nvSpPr>
+        <p:spPr>
+          <a:xfrm>
+            <a:off x="2114550" y="6534150"/>
+            <a:ext cx="8259482" cy="230832"/>
+          </a:xfrm>
+          <a:prstGeom prst="rect">
+            <a:avLst/>
+          </a:prstGeom>
+          <a:noFill/>
+        </p:spPr>
+        <p:txBody>
+          <a:bodyPr wrap="square" rtlCol="0">
+            <a:spAutoFit/>
+          </a:bodyPr>
+          <a:lstStyle/>
+          <a:p>
+            <a:r>
+              <a:rPr lang="en-CA" sz="900" dirty="0"/>
+              <a:t>*https://www.kaggle.com/datasets/bryanb/cac40-stocks-dataset?resource=download</a:t>
+            </a:r>
           </a:p>
         </p:txBody>
       </p:sp>
       <p:pic>
         <p:nvPicPr>
-          <p:cNvPr id="3" name="Picture 2">
-            <a:extLst>
-              <a:ext uri="{FF2B5EF4-FFF2-40B4-BE49-F238E27FC236}">
-                <a16:creationId xmlns:a16="http://schemas.microsoft.com/office/drawing/2014/main" id="{CDE7A5FC-AE2B-FDC2-F198-3B19EF7F6A3F}"/>
+          <p:cNvPr id="7" name="Picture 6">
+            <a:extLst>
+              <a:ext uri="{FF2B5EF4-FFF2-40B4-BE49-F238E27FC236}">
+                <a16:creationId xmlns:a16="http://schemas.microsoft.com/office/drawing/2014/main" id="{20A0BDBA-8CBB-B68F-7553-0BB8F96DD5E5}"/>
               </a:ext>
             </a:extLst>
           </p:cNvPr>
@@ -5792,8 +5924,8 @@
         </p:blipFill>
         <p:spPr>
           <a:xfrm>
-            <a:off x="1793254" y="4113859"/>
-            <a:ext cx="8580778" cy="2297465"/>
+            <a:off x="3704136" y="4068147"/>
+            <a:ext cx="5135064" cy="2422496"/>
           </a:xfrm>
           <a:prstGeom prst="rect">
             <a:avLst/>
@@ -5926,7 +6058,7 @@
         </p:nvSpPr>
         <p:spPr>
           <a:xfrm>
-            <a:off x="222422" y="345989"/>
+            <a:off x="375245" y="363569"/>
             <a:ext cx="8844794" cy="523220"/>
           </a:xfrm>
           <a:prstGeom prst="rect">
@@ -5961,8 +6093,8 @@
         </p:nvSpPr>
         <p:spPr>
           <a:xfrm>
-            <a:off x="4047878" y="1725557"/>
-            <a:ext cx="8228919" cy="2616101"/>
+            <a:off x="4047879" y="1725557"/>
+            <a:ext cx="7994048" cy="2862322"/>
           </a:xfrm>
           <a:prstGeom prst="rect">
             <a:avLst/>
@@ -5970,60 +6102,27 @@
           <a:noFill/>
         </p:spPr>
         <p:txBody>
-          <a:bodyPr wrap="none" rtlCol="0">
+          <a:bodyPr wrap="square" rtlCol="0">
             <a:spAutoFit/>
           </a:bodyPr>
           <a:lstStyle/>
           <a:p>
+            <a:pPr>
+              <a:tabLst>
+                <a:tab pos="2600325" algn="l"/>
+              </a:tabLst>
+            </a:pPr>
             <a:r>
               <a:rPr lang="en-US" u="sng" dirty="0"/>
               <a:t>Stock selection for analysis</a:t>
             </a:r>
             <a:r>
               <a:rPr lang="en-US" i="1" dirty="0"/>
-              <a:t>: Since dataset offered by NASDAQ index is very </a:t>
-            </a:r>
-          </a:p>
-          <a:p>
-            <a:r>
-              <a:rPr lang="en-US" i="1" dirty="0"/>
-              <a:t>                                                  extensive and offers historical data from 20</a:t>
-            </a:r>
-            <a:r>
-              <a:rPr lang="en-US" i="1" baseline="30000" dirty="0"/>
-              <a:t>th</a:t>
-            </a:r>
-            <a:r>
-              <a:rPr lang="en-US" i="1" dirty="0"/>
-              <a:t> century</a:t>
-            </a:r>
-          </a:p>
-          <a:p>
-            <a:r>
-              <a:rPr lang="en-US" sz="2000" i="1" dirty="0"/>
-              <a:t>                                              </a:t>
-            </a:r>
-            <a:r>
-              <a:rPr lang="en-US" i="1" dirty="0"/>
-              <a:t>onwards, to avoid any misconceptions or usage of </a:t>
-            </a:r>
-          </a:p>
-          <a:p>
-            <a:r>
-              <a:rPr lang="en-US" i="1" dirty="0"/>
-              <a:t>                                                  unchecked data, we decided to select last 8 years interval,</a:t>
-            </a:r>
-          </a:p>
-          <a:p>
-            <a:r>
-              <a:rPr lang="en-US" i="1" dirty="0"/>
-              <a:t>                                                  as our most relevant information for stock volatility </a:t>
-            </a:r>
-          </a:p>
-          <a:p>
-            <a:r>
-              <a:rPr lang="en-US" i="1" dirty="0"/>
-              <a:t>                                                  or price gain prediction.</a:t>
+              <a:t>: </a:t>
+            </a:r>
+            <a:r>
+              <a:rPr lang="en-US" dirty="0"/>
+              <a:t>Since the dataset offered by the NASDAQ index is very 	extensive and includes historical data from the 90’s, we 	decided to avoid any misconceptions or usage of 	unchecked data by selecting only the data from the 	last 8 years. This interval provides the most 	relevant information for predicting stock volatility 	or 	price gains.</a:t>
             </a:r>
           </a:p>
           <a:p>
@@ -6037,8 +6136,8 @@
           </a:p>
           <a:p>
             <a:r>
-              <a:rPr lang="en-US" i="1" dirty="0"/>
-              <a:t>Only top 20 stocks are included are showing price change of up to 200%</a:t>
+              <a:rPr lang="en-US" dirty="0"/>
+              <a:t>The final data frame shows the top 20 stocks based on price growth of up to 200%.</a:t>
             </a:r>
             <a:endParaRPr lang="en-GE" dirty="0"/>
           </a:p>
@@ -6089,36 +6188,1897 @@
           </a:p>
         </p:txBody>
       </p:sp>
-      <p:pic>
-        <p:nvPicPr>
-          <p:cNvPr id="10" name="Picture 9">
-            <a:extLst>
-              <a:ext uri="{FF2B5EF4-FFF2-40B4-BE49-F238E27FC236}">
-                <a16:creationId xmlns:a16="http://schemas.microsoft.com/office/drawing/2014/main" id="{57758952-2DF4-6A74-A418-F074DE741030}"/>
-              </a:ext>
-            </a:extLst>
-          </p:cNvPr>
-          <p:cNvPicPr>
-            <a:picLocks noChangeAspect="1"/>
-          </p:cNvPicPr>
-          <p:nvPr/>
-        </p:nvPicPr>
-        <p:blipFill>
-          <a:blip r:embed="rId2"/>
-          <a:stretch>
-            <a:fillRect/>
-          </a:stretch>
-        </p:blipFill>
-        <p:spPr>
-          <a:xfrm>
-            <a:off x="629584" y="1260392"/>
-            <a:ext cx="2743199" cy="5535224"/>
-          </a:xfrm>
-          <a:prstGeom prst="rect">
-            <a:avLst/>
-          </a:prstGeom>
-        </p:spPr>
-      </p:pic>
+      <p:graphicFrame>
+        <p:nvGraphicFramePr>
+          <p:cNvPr id="2" name="Table 6">
+            <a:extLst>
+              <a:ext uri="{FF2B5EF4-FFF2-40B4-BE49-F238E27FC236}">
+                <a16:creationId xmlns:a16="http://schemas.microsoft.com/office/drawing/2014/main" id="{081D76EB-09B4-C528-636D-BAD8E64457B8}"/>
+              </a:ext>
+            </a:extLst>
+          </p:cNvPr>
+          <p:cNvGraphicFramePr>
+            <a:graphicFrameLocks noGrp="1"/>
+          </p:cNvGraphicFramePr>
+          <p:nvPr>
+            <p:extLst>
+              <p:ext uri="{D42A27DB-BD31-4B8C-83A1-F6EECF244321}">
+                <p14:modId xmlns:p14="http://schemas.microsoft.com/office/powerpoint/2010/main" val="759515980"/>
+              </p:ext>
+            </p:extLst>
+          </p:nvPr>
+        </p:nvGraphicFramePr>
+        <p:xfrm>
+          <a:off x="375245" y="1420723"/>
+          <a:ext cx="3206156" cy="5024805"/>
+        </p:xfrm>
+        <a:graphic>
+          <a:graphicData uri="http://schemas.openxmlformats.org/drawingml/2006/table">
+            <a:tbl>
+              <a:tblPr firstRow="1" bandRow="1">
+                <a:tableStyleId>{9D7B26C5-4107-4FEC-AEDC-1716B250A1EF}</a:tableStyleId>
+              </a:tblPr>
+              <a:tblGrid>
+                <a:gridCol w="801539">
+                  <a:extLst>
+                    <a:ext uri="{9D8B030D-6E8A-4147-A177-3AD203B41FA5}">
+                      <a16:colId xmlns:a16="http://schemas.microsoft.com/office/drawing/2014/main" val="3140704094"/>
+                    </a:ext>
+                  </a:extLst>
+                </a:gridCol>
+                <a:gridCol w="801539">
+                  <a:extLst>
+                    <a:ext uri="{9D8B030D-6E8A-4147-A177-3AD203B41FA5}">
+                      <a16:colId xmlns:a16="http://schemas.microsoft.com/office/drawing/2014/main" val="2186383963"/>
+                    </a:ext>
+                  </a:extLst>
+                </a:gridCol>
+                <a:gridCol w="801539">
+                  <a:extLst>
+                    <a:ext uri="{9D8B030D-6E8A-4147-A177-3AD203B41FA5}">
+                      <a16:colId xmlns:a16="http://schemas.microsoft.com/office/drawing/2014/main" val="3768227166"/>
+                    </a:ext>
+                  </a:extLst>
+                </a:gridCol>
+                <a:gridCol w="801539">
+                  <a:extLst>
+                    <a:ext uri="{9D8B030D-6E8A-4147-A177-3AD203B41FA5}">
+                      <a16:colId xmlns:a16="http://schemas.microsoft.com/office/drawing/2014/main" val="3208948088"/>
+                    </a:ext>
+                  </a:extLst>
+                </a:gridCol>
+              </a:tblGrid>
+              <a:tr h="288492">
+                <a:tc>
+                  <a:txBody>
+                    <a:bodyPr/>
+                    <a:lstStyle/>
+                    <a:p>
+                      <a:pPr algn="ctr" fontAlgn="ctr"/>
+                      <a:r>
+                        <a:rPr lang="en-CA" sz="1100" b="0" i="0" u="none" strike="noStrike" dirty="0">
+                          <a:solidFill>
+                            <a:srgbClr val="000000"/>
+                          </a:solidFill>
+                          <a:effectLst/>
+                          <a:latin typeface="Calibri" panose="020F0502020204030204" pitchFamily="34" charset="0"/>
+                        </a:rPr>
+                        <a:t>Stock Name</a:t>
+                      </a:r>
+                    </a:p>
+                  </a:txBody>
+                  <a:tcPr marL="9525" marR="9525" marT="9525" marB="0" anchor="ctr"/>
+                </a:tc>
+                <a:tc>
+                  <a:txBody>
+                    <a:bodyPr/>
+                    <a:lstStyle/>
+                    <a:p>
+                      <a:pPr algn="ctr" fontAlgn="ctr"/>
+                      <a:r>
+                        <a:rPr lang="en-CA" sz="1100" b="0" i="0" u="none" strike="noStrike">
+                          <a:solidFill>
+                            <a:srgbClr val="000000"/>
+                          </a:solidFill>
+                          <a:effectLst/>
+                          <a:latin typeface="Calibri" panose="020F0502020204030204" pitchFamily="34" charset="0"/>
+                        </a:rPr>
+                        <a:t>Percentage Change</a:t>
+                      </a:r>
+                    </a:p>
+                  </a:txBody>
+                  <a:tcPr marL="9525" marR="9525" marT="9525" marB="0" anchor="ctr"/>
+                </a:tc>
+                <a:tc>
+                  <a:txBody>
+                    <a:bodyPr/>
+                    <a:lstStyle/>
+                    <a:p>
+                      <a:pPr algn="ctr" fontAlgn="ctr"/>
+                      <a:r>
+                        <a:rPr lang="en-CA" sz="1100" b="0" i="0" u="none" strike="noStrike">
+                          <a:solidFill>
+                            <a:srgbClr val="000000"/>
+                          </a:solidFill>
+                          <a:effectLst/>
+                          <a:latin typeface="Calibri" panose="020F0502020204030204" pitchFamily="34" charset="0"/>
+                        </a:rPr>
+                        <a:t>R-squared</a:t>
+                      </a:r>
+                    </a:p>
+                  </a:txBody>
+                  <a:tcPr marL="9525" marR="9525" marT="9525" marB="0" anchor="ctr"/>
+                </a:tc>
+                <a:tc>
+                  <a:txBody>
+                    <a:bodyPr/>
+                    <a:lstStyle/>
+                    <a:p>
+                      <a:pPr algn="ctr" fontAlgn="ctr"/>
+                      <a:r>
+                        <a:rPr lang="en-CA" sz="1100" b="0" i="0" u="none" strike="noStrike">
+                          <a:solidFill>
+                            <a:srgbClr val="000000"/>
+                          </a:solidFill>
+                          <a:effectLst/>
+                          <a:latin typeface="Calibri" panose="020F0502020204030204" pitchFamily="34" charset="0"/>
+                        </a:rPr>
+                        <a:t>std</a:t>
+                      </a:r>
+                    </a:p>
+                  </a:txBody>
+                  <a:tcPr marL="9525" marR="9525" marT="9525" marB="0" anchor="ctr"/>
+                </a:tc>
+                <a:extLst>
+                  <a:ext uri="{0D108BD9-81ED-4DB2-BD59-A6C34878D82A}">
+                    <a16:rowId xmlns:a16="http://schemas.microsoft.com/office/drawing/2014/main" val="1270107519"/>
+                  </a:ext>
+                </a:extLst>
+              </a:tr>
+              <a:tr h="234000">
+                <a:tc>
+                  <a:txBody>
+                    <a:bodyPr/>
+                    <a:lstStyle/>
+                    <a:p>
+                      <a:pPr algn="ctr" fontAlgn="ctr"/>
+                      <a:r>
+                        <a:rPr lang="en-CA" sz="1100" b="0" i="0" u="none" strike="noStrike">
+                          <a:solidFill>
+                            <a:srgbClr val="000000"/>
+                          </a:solidFill>
+                          <a:effectLst/>
+                          <a:latin typeface="Calibri" panose="020F0502020204030204" pitchFamily="34" charset="0"/>
+                        </a:rPr>
+                        <a:t>SCM</a:t>
+                      </a:r>
+                    </a:p>
+                  </a:txBody>
+                  <a:tcPr marL="9525" marR="9525" marT="9525" marB="0" anchor="ctr"/>
+                </a:tc>
+                <a:tc>
+                  <a:txBody>
+                    <a:bodyPr/>
+                    <a:lstStyle/>
+                    <a:p>
+                      <a:pPr algn="ctr" fontAlgn="ctr"/>
+                      <a:r>
+                        <a:rPr lang="en-CA" sz="1100" b="0" i="0" u="none" strike="noStrike">
+                          <a:solidFill>
+                            <a:srgbClr val="000000"/>
+                          </a:solidFill>
+                          <a:effectLst/>
+                          <a:latin typeface="Calibri" panose="020F0502020204030204" pitchFamily="34" charset="0"/>
+                        </a:rPr>
+                        <a:t>199.52</a:t>
+                      </a:r>
+                    </a:p>
+                  </a:txBody>
+                  <a:tcPr marL="9525" marR="9525" marT="9525" marB="0" anchor="ctr"/>
+                </a:tc>
+                <a:tc>
+                  <a:txBody>
+                    <a:bodyPr/>
+                    <a:lstStyle/>
+                    <a:p>
+                      <a:pPr algn="ctr" fontAlgn="ctr"/>
+                      <a:r>
+                        <a:rPr lang="en-CA" sz="1100" b="0" i="0" u="none" strike="noStrike">
+                          <a:solidFill>
+                            <a:srgbClr val="000000"/>
+                          </a:solidFill>
+                          <a:effectLst/>
+                          <a:latin typeface="Calibri" panose="020F0502020204030204" pitchFamily="34" charset="0"/>
+                        </a:rPr>
+                        <a:t>0.76</a:t>
+                      </a:r>
+                    </a:p>
+                  </a:txBody>
+                  <a:tcPr marL="9525" marR="9525" marT="9525" marB="0" anchor="ctr"/>
+                </a:tc>
+                <a:tc>
+                  <a:txBody>
+                    <a:bodyPr/>
+                    <a:lstStyle/>
+                    <a:p>
+                      <a:pPr algn="ctr" fontAlgn="ctr"/>
+                      <a:r>
+                        <a:rPr lang="en-CA" sz="1100" b="0" i="0" u="none" strike="noStrike">
+                          <a:solidFill>
+                            <a:srgbClr val="000000"/>
+                          </a:solidFill>
+                          <a:effectLst/>
+                          <a:latin typeface="Calibri" panose="020F0502020204030204" pitchFamily="34" charset="0"/>
+                        </a:rPr>
+                        <a:t>0.14</a:t>
+                      </a:r>
+                    </a:p>
+                  </a:txBody>
+                  <a:tcPr marL="9525" marR="9525" marT="9525" marB="0" anchor="ctr"/>
+                </a:tc>
+                <a:extLst>
+                  <a:ext uri="{0D108BD9-81ED-4DB2-BD59-A6C34878D82A}">
+                    <a16:rowId xmlns:a16="http://schemas.microsoft.com/office/drawing/2014/main" val="2479139878"/>
+                  </a:ext>
+                </a:extLst>
+              </a:tr>
+              <a:tr h="234000">
+                <a:tc>
+                  <a:txBody>
+                    <a:bodyPr/>
+                    <a:lstStyle/>
+                    <a:p>
+                      <a:pPr algn="ctr" fontAlgn="ctr"/>
+                      <a:r>
+                        <a:rPr lang="en-CA" sz="1100" b="0" i="0" u="none" strike="noStrike">
+                          <a:solidFill>
+                            <a:srgbClr val="000000"/>
+                          </a:solidFill>
+                          <a:effectLst/>
+                          <a:latin typeface="Calibri" panose="020F0502020204030204" pitchFamily="34" charset="0"/>
+                        </a:rPr>
+                        <a:t>LFUS</a:t>
+                      </a:r>
+                    </a:p>
+                  </a:txBody>
+                  <a:tcPr marL="9525" marR="9525" marT="9525" marB="0" anchor="ctr"/>
+                </a:tc>
+                <a:tc>
+                  <a:txBody>
+                    <a:bodyPr/>
+                    <a:lstStyle/>
+                    <a:p>
+                      <a:pPr algn="ctr" fontAlgn="ctr"/>
+                      <a:r>
+                        <a:rPr lang="en-CA" sz="1100" b="0" i="0" u="none" strike="noStrike">
+                          <a:solidFill>
+                            <a:srgbClr val="000000"/>
+                          </a:solidFill>
+                          <a:effectLst/>
+                          <a:latin typeface="Calibri" panose="020F0502020204030204" pitchFamily="34" charset="0"/>
+                        </a:rPr>
+                        <a:t>199.25</a:t>
+                      </a:r>
+                    </a:p>
+                  </a:txBody>
+                  <a:tcPr marL="9525" marR="9525" marT="9525" marB="0" anchor="ctr"/>
+                </a:tc>
+                <a:tc>
+                  <a:txBody>
+                    <a:bodyPr/>
+                    <a:lstStyle/>
+                    <a:p>
+                      <a:pPr algn="ctr" fontAlgn="ctr"/>
+                      <a:r>
+                        <a:rPr lang="en-CA" sz="1100" b="0" i="0" u="none" strike="noStrike">
+                          <a:solidFill>
+                            <a:srgbClr val="000000"/>
+                          </a:solidFill>
+                          <a:effectLst/>
+                          <a:latin typeface="Calibri" panose="020F0502020204030204" pitchFamily="34" charset="0"/>
+                        </a:rPr>
+                        <a:t>0.75</a:t>
+                      </a:r>
+                    </a:p>
+                  </a:txBody>
+                  <a:tcPr marL="9525" marR="9525" marT="9525" marB="0" anchor="ctr"/>
+                </a:tc>
+                <a:tc>
+                  <a:txBody>
+                    <a:bodyPr/>
+                    <a:lstStyle/>
+                    <a:p>
+                      <a:pPr algn="ctr" fontAlgn="ctr"/>
+                      <a:r>
+                        <a:rPr lang="en-CA" sz="1100" b="0" i="0" u="none" strike="noStrike">
+                          <a:solidFill>
+                            <a:srgbClr val="000000"/>
+                          </a:solidFill>
+                          <a:effectLst/>
+                          <a:latin typeface="Calibri" panose="020F0502020204030204" pitchFamily="34" charset="0"/>
+                        </a:rPr>
+                        <a:t>3.28</a:t>
+                      </a:r>
+                    </a:p>
+                  </a:txBody>
+                  <a:tcPr marL="9525" marR="9525" marT="9525" marB="0" anchor="ctr"/>
+                </a:tc>
+                <a:extLst>
+                  <a:ext uri="{0D108BD9-81ED-4DB2-BD59-A6C34878D82A}">
+                    <a16:rowId xmlns:a16="http://schemas.microsoft.com/office/drawing/2014/main" val="2010281476"/>
+                  </a:ext>
+                </a:extLst>
+              </a:tr>
+              <a:tr h="234000">
+                <a:tc>
+                  <a:txBody>
+                    <a:bodyPr/>
+                    <a:lstStyle/>
+                    <a:p>
+                      <a:pPr algn="ctr" fontAlgn="ctr"/>
+                      <a:r>
+                        <a:rPr lang="en-CA" sz="1100" b="0" i="0" u="none" strike="noStrike">
+                          <a:solidFill>
+                            <a:srgbClr val="000000"/>
+                          </a:solidFill>
+                          <a:effectLst/>
+                          <a:latin typeface="Calibri" panose="020F0502020204030204" pitchFamily="34" charset="0"/>
+                        </a:rPr>
+                        <a:t>DRS</a:t>
+                      </a:r>
+                    </a:p>
+                  </a:txBody>
+                  <a:tcPr marL="9525" marR="9525" marT="9525" marB="0" anchor="ctr"/>
+                </a:tc>
+                <a:tc>
+                  <a:txBody>
+                    <a:bodyPr/>
+                    <a:lstStyle/>
+                    <a:p>
+                      <a:pPr algn="ctr" fontAlgn="ctr"/>
+                      <a:r>
+                        <a:rPr lang="en-CA" sz="1100" b="0" i="0" u="none" strike="noStrike">
+                          <a:solidFill>
+                            <a:srgbClr val="000000"/>
+                          </a:solidFill>
+                          <a:effectLst/>
+                          <a:latin typeface="Calibri" panose="020F0502020204030204" pitchFamily="34" charset="0"/>
+                        </a:rPr>
+                        <a:t>199.20</a:t>
+                      </a:r>
+                    </a:p>
+                  </a:txBody>
+                  <a:tcPr marL="9525" marR="9525" marT="9525" marB="0" anchor="ctr"/>
+                </a:tc>
+                <a:tc>
+                  <a:txBody>
+                    <a:bodyPr/>
+                    <a:lstStyle/>
+                    <a:p>
+                      <a:pPr algn="ctr" fontAlgn="ctr"/>
+                      <a:r>
+                        <a:rPr lang="en-CA" sz="1100" b="0" i="0" u="none" strike="noStrike">
+                          <a:solidFill>
+                            <a:srgbClr val="000000"/>
+                          </a:solidFill>
+                          <a:effectLst/>
+                          <a:latin typeface="Calibri" panose="020F0502020204030204" pitchFamily="34" charset="0"/>
+                        </a:rPr>
+                        <a:t>0.72</a:t>
+                      </a:r>
+                    </a:p>
+                  </a:txBody>
+                  <a:tcPr marL="9525" marR="9525" marT="9525" marB="0" anchor="ctr"/>
+                </a:tc>
+                <a:tc>
+                  <a:txBody>
+                    <a:bodyPr/>
+                    <a:lstStyle/>
+                    <a:p>
+                      <a:pPr algn="ctr" fontAlgn="ctr"/>
+                      <a:r>
+                        <a:rPr lang="en-CA" sz="1100" b="0" i="0" u="none" strike="noStrike">
+                          <a:solidFill>
+                            <a:srgbClr val="000000"/>
+                          </a:solidFill>
+                          <a:effectLst/>
+                          <a:latin typeface="Calibri" panose="020F0502020204030204" pitchFamily="34" charset="0"/>
+                        </a:rPr>
+                        <a:t>0.22</a:t>
+                      </a:r>
+                    </a:p>
+                  </a:txBody>
+                  <a:tcPr marL="9525" marR="9525" marT="9525" marB="0" anchor="ctr"/>
+                </a:tc>
+                <a:extLst>
+                  <a:ext uri="{0D108BD9-81ED-4DB2-BD59-A6C34878D82A}">
+                    <a16:rowId xmlns:a16="http://schemas.microsoft.com/office/drawing/2014/main" val="3866964010"/>
+                  </a:ext>
+                </a:extLst>
+              </a:tr>
+              <a:tr h="234000">
+                <a:tc>
+                  <a:txBody>
+                    <a:bodyPr/>
+                    <a:lstStyle/>
+                    <a:p>
+                      <a:pPr algn="ctr" fontAlgn="ctr"/>
+                      <a:r>
+                        <a:rPr lang="en-CA" sz="1100" b="0" i="0" u="none" strike="noStrike">
+                          <a:solidFill>
+                            <a:srgbClr val="000000"/>
+                          </a:solidFill>
+                          <a:effectLst/>
+                          <a:latin typeface="Calibri" panose="020F0502020204030204" pitchFamily="34" charset="0"/>
+                        </a:rPr>
+                        <a:t>INFU</a:t>
+                      </a:r>
+                    </a:p>
+                  </a:txBody>
+                  <a:tcPr marL="9525" marR="9525" marT="9525" marB="0" anchor="ctr"/>
+                </a:tc>
+                <a:tc>
+                  <a:txBody>
+                    <a:bodyPr/>
+                    <a:lstStyle/>
+                    <a:p>
+                      <a:pPr algn="ctr" fontAlgn="ctr"/>
+                      <a:r>
+                        <a:rPr lang="en-CA" sz="1100" b="0" i="0" u="none" strike="noStrike">
+                          <a:solidFill>
+                            <a:srgbClr val="000000"/>
+                          </a:solidFill>
+                          <a:effectLst/>
+                          <a:latin typeface="Calibri" panose="020F0502020204030204" pitchFamily="34" charset="0"/>
+                        </a:rPr>
+                        <a:t>198.63</a:t>
+                      </a:r>
+                    </a:p>
+                  </a:txBody>
+                  <a:tcPr marL="9525" marR="9525" marT="9525" marB="0" anchor="ctr"/>
+                </a:tc>
+                <a:tc>
+                  <a:txBody>
+                    <a:bodyPr/>
+                    <a:lstStyle/>
+                    <a:p>
+                      <a:pPr algn="ctr" fontAlgn="ctr"/>
+                      <a:r>
+                        <a:rPr lang="en-CA" sz="1100" b="0" i="0" u="none" strike="noStrike">
+                          <a:solidFill>
+                            <a:srgbClr val="000000"/>
+                          </a:solidFill>
+                          <a:effectLst/>
+                          <a:latin typeface="Calibri" panose="020F0502020204030204" pitchFamily="34" charset="0"/>
+                        </a:rPr>
+                        <a:t>0.52</a:t>
+                      </a:r>
+                    </a:p>
+                  </a:txBody>
+                  <a:tcPr marL="9525" marR="9525" marT="9525" marB="0" anchor="ctr"/>
+                </a:tc>
+                <a:tc>
+                  <a:txBody>
+                    <a:bodyPr/>
+                    <a:lstStyle/>
+                    <a:p>
+                      <a:pPr algn="ctr" fontAlgn="ctr"/>
+                      <a:r>
+                        <a:rPr lang="en-CA" sz="1100" b="0" i="0" u="none" strike="noStrike">
+                          <a:solidFill>
+                            <a:srgbClr val="000000"/>
+                          </a:solidFill>
+                          <a:effectLst/>
+                          <a:latin typeface="Calibri" panose="020F0502020204030204" pitchFamily="34" charset="0"/>
+                        </a:rPr>
+                        <a:t>0.28</a:t>
+                      </a:r>
+                    </a:p>
+                  </a:txBody>
+                  <a:tcPr marL="9525" marR="9525" marT="9525" marB="0" anchor="ctr"/>
+                </a:tc>
+                <a:extLst>
+                  <a:ext uri="{0D108BD9-81ED-4DB2-BD59-A6C34878D82A}">
+                    <a16:rowId xmlns:a16="http://schemas.microsoft.com/office/drawing/2014/main" val="2112349899"/>
+                  </a:ext>
+                </a:extLst>
+              </a:tr>
+              <a:tr h="234000">
+                <a:tc>
+                  <a:txBody>
+                    <a:bodyPr/>
+                    <a:lstStyle/>
+                    <a:p>
+                      <a:pPr algn="ctr" fontAlgn="ctr"/>
+                      <a:r>
+                        <a:rPr lang="en-CA" sz="1100" b="0" i="0" u="none" strike="noStrike">
+                          <a:solidFill>
+                            <a:srgbClr val="000000"/>
+                          </a:solidFill>
+                          <a:effectLst/>
+                          <a:latin typeface="Calibri" panose="020F0502020204030204" pitchFamily="34" charset="0"/>
+                        </a:rPr>
+                        <a:t>TRUP</a:t>
+                      </a:r>
+                    </a:p>
+                  </a:txBody>
+                  <a:tcPr marL="9525" marR="9525" marT="9525" marB="0" anchor="ctr"/>
+                </a:tc>
+                <a:tc>
+                  <a:txBody>
+                    <a:bodyPr/>
+                    <a:lstStyle/>
+                    <a:p>
+                      <a:pPr algn="ctr" fontAlgn="ctr"/>
+                      <a:r>
+                        <a:rPr lang="en-CA" sz="1100" b="0" i="0" u="none" strike="noStrike">
+                          <a:solidFill>
+                            <a:srgbClr val="000000"/>
+                          </a:solidFill>
+                          <a:effectLst/>
+                          <a:latin typeface="Calibri" panose="020F0502020204030204" pitchFamily="34" charset="0"/>
+                        </a:rPr>
+                        <a:t>198.33</a:t>
+                      </a:r>
+                    </a:p>
+                  </a:txBody>
+                  <a:tcPr marL="9525" marR="9525" marT="9525" marB="0" anchor="ctr"/>
+                </a:tc>
+                <a:tc>
+                  <a:txBody>
+                    <a:bodyPr/>
+                    <a:lstStyle/>
+                    <a:p>
+                      <a:pPr algn="ctr" fontAlgn="ctr"/>
+                      <a:r>
+                        <a:rPr lang="en-CA" sz="1100" b="0" i="0" u="none" strike="noStrike">
+                          <a:solidFill>
+                            <a:srgbClr val="000000"/>
+                          </a:solidFill>
+                          <a:effectLst/>
+                          <a:latin typeface="Calibri" panose="020F0502020204030204" pitchFamily="34" charset="0"/>
+                        </a:rPr>
+                        <a:t>0.59</a:t>
+                      </a:r>
+                    </a:p>
+                  </a:txBody>
+                  <a:tcPr marL="9525" marR="9525" marT="9525" marB="0" anchor="ctr"/>
+                </a:tc>
+                <a:tc>
+                  <a:txBody>
+                    <a:bodyPr/>
+                    <a:lstStyle/>
+                    <a:p>
+                      <a:pPr algn="ctr" fontAlgn="ctr"/>
+                      <a:r>
+                        <a:rPr lang="en-CA" sz="1100" b="0" i="0" u="none" strike="noStrike">
+                          <a:solidFill>
+                            <a:srgbClr val="000000"/>
+                          </a:solidFill>
+                          <a:effectLst/>
+                          <a:latin typeface="Calibri" panose="020F0502020204030204" pitchFamily="34" charset="0"/>
+                        </a:rPr>
+                        <a:t>2.10</a:t>
+                      </a:r>
+                    </a:p>
+                  </a:txBody>
+                  <a:tcPr marL="9525" marR="9525" marT="9525" marB="0" anchor="ctr"/>
+                </a:tc>
+                <a:extLst>
+                  <a:ext uri="{0D108BD9-81ED-4DB2-BD59-A6C34878D82A}">
+                    <a16:rowId xmlns:a16="http://schemas.microsoft.com/office/drawing/2014/main" val="1041500183"/>
+                  </a:ext>
+                </a:extLst>
+              </a:tr>
+              <a:tr h="234000">
+                <a:tc>
+                  <a:txBody>
+                    <a:bodyPr/>
+                    <a:lstStyle/>
+                    <a:p>
+                      <a:pPr algn="ctr" fontAlgn="ctr"/>
+                      <a:r>
+                        <a:rPr lang="en-CA" sz="1100" b="0" i="0" u="none" strike="noStrike">
+                          <a:solidFill>
+                            <a:srgbClr val="000000"/>
+                          </a:solidFill>
+                          <a:effectLst/>
+                          <a:latin typeface="Calibri" panose="020F0502020204030204" pitchFamily="34" charset="0"/>
+                        </a:rPr>
+                        <a:t>ROK</a:t>
+                      </a:r>
+                    </a:p>
+                  </a:txBody>
+                  <a:tcPr marL="9525" marR="9525" marT="9525" marB="0" anchor="ctr"/>
+                </a:tc>
+                <a:tc>
+                  <a:txBody>
+                    <a:bodyPr/>
+                    <a:lstStyle/>
+                    <a:p>
+                      <a:pPr algn="ctr" fontAlgn="ctr"/>
+                      <a:r>
+                        <a:rPr lang="en-CA" sz="1100" b="0" i="0" u="none" strike="noStrike">
+                          <a:solidFill>
+                            <a:srgbClr val="000000"/>
+                          </a:solidFill>
+                          <a:effectLst/>
+                          <a:latin typeface="Calibri" panose="020F0502020204030204" pitchFamily="34" charset="0"/>
+                        </a:rPr>
+                        <a:t>198.30</a:t>
+                      </a:r>
+                    </a:p>
+                  </a:txBody>
+                  <a:tcPr marL="9525" marR="9525" marT="9525" marB="0" anchor="ctr"/>
+                </a:tc>
+                <a:tc>
+                  <a:txBody>
+                    <a:bodyPr/>
+                    <a:lstStyle/>
+                    <a:p>
+                      <a:pPr algn="ctr" fontAlgn="ctr"/>
+                      <a:r>
+                        <a:rPr lang="en-CA" sz="1100" b="0" i="0" u="none" strike="noStrike">
+                          <a:solidFill>
+                            <a:srgbClr val="000000"/>
+                          </a:solidFill>
+                          <a:effectLst/>
+                          <a:latin typeface="Calibri" panose="020F0502020204030204" pitchFamily="34" charset="0"/>
+                        </a:rPr>
+                        <a:t>0.82</a:t>
+                      </a:r>
+                    </a:p>
+                  </a:txBody>
+                  <a:tcPr marL="9525" marR="9525" marT="9525" marB="0" anchor="ctr"/>
+                </a:tc>
+                <a:tc>
+                  <a:txBody>
+                    <a:bodyPr/>
+                    <a:lstStyle/>
+                    <a:p>
+                      <a:pPr algn="ctr" fontAlgn="ctr"/>
+                      <a:r>
+                        <a:rPr lang="en-CA" sz="1100" b="0" i="0" u="none" strike="noStrike">
+                          <a:solidFill>
+                            <a:srgbClr val="000000"/>
+                          </a:solidFill>
+                          <a:effectLst/>
+                          <a:latin typeface="Calibri" panose="020F0502020204030204" pitchFamily="34" charset="0"/>
+                        </a:rPr>
+                        <a:t>2.72</a:t>
+                      </a:r>
+                    </a:p>
+                  </a:txBody>
+                  <a:tcPr marL="9525" marR="9525" marT="9525" marB="0" anchor="ctr"/>
+                </a:tc>
+                <a:extLst>
+                  <a:ext uri="{0D108BD9-81ED-4DB2-BD59-A6C34878D82A}">
+                    <a16:rowId xmlns:a16="http://schemas.microsoft.com/office/drawing/2014/main" val="3982012811"/>
+                  </a:ext>
+                </a:extLst>
+              </a:tr>
+              <a:tr h="234000">
+                <a:tc>
+                  <a:txBody>
+                    <a:bodyPr/>
+                    <a:lstStyle/>
+                    <a:p>
+                      <a:pPr algn="ctr" fontAlgn="ctr"/>
+                      <a:r>
+                        <a:rPr lang="en-CA" sz="1100" b="0" i="0" u="none" strike="noStrike">
+                          <a:solidFill>
+                            <a:srgbClr val="000000"/>
+                          </a:solidFill>
+                          <a:effectLst/>
+                          <a:latin typeface="Calibri" panose="020F0502020204030204" pitchFamily="34" charset="0"/>
+                        </a:rPr>
+                        <a:t>RRR</a:t>
+                      </a:r>
+                    </a:p>
+                  </a:txBody>
+                  <a:tcPr marL="9525" marR="9525" marT="9525" marB="0" anchor="ctr"/>
+                </a:tc>
+                <a:tc>
+                  <a:txBody>
+                    <a:bodyPr/>
+                    <a:lstStyle/>
+                    <a:p>
+                      <a:pPr algn="ctr" fontAlgn="ctr"/>
+                      <a:r>
+                        <a:rPr lang="en-CA" sz="1100" b="0" i="0" u="none" strike="noStrike">
+                          <a:solidFill>
+                            <a:srgbClr val="000000"/>
+                          </a:solidFill>
+                          <a:effectLst/>
+                          <a:latin typeface="Calibri" panose="020F0502020204030204" pitchFamily="34" charset="0"/>
+                        </a:rPr>
+                        <a:t>198.04</a:t>
+                      </a:r>
+                    </a:p>
+                  </a:txBody>
+                  <a:tcPr marL="9525" marR="9525" marT="9525" marB="0" anchor="ctr"/>
+                </a:tc>
+                <a:tc>
+                  <a:txBody>
+                    <a:bodyPr/>
+                    <a:lstStyle/>
+                    <a:p>
+                      <a:pPr algn="ctr" fontAlgn="ctr"/>
+                      <a:r>
+                        <a:rPr lang="en-CA" sz="1100" b="0" i="0" u="none" strike="noStrike">
+                          <a:solidFill>
+                            <a:srgbClr val="000000"/>
+                          </a:solidFill>
+                          <a:effectLst/>
+                          <a:latin typeface="Calibri" panose="020F0502020204030204" pitchFamily="34" charset="0"/>
+                        </a:rPr>
+                        <a:t>0.45</a:t>
+                      </a:r>
+                    </a:p>
+                  </a:txBody>
+                  <a:tcPr marL="9525" marR="9525" marT="9525" marB="0" anchor="ctr"/>
+                </a:tc>
+                <a:tc>
+                  <a:txBody>
+                    <a:bodyPr/>
+                    <a:lstStyle/>
+                    <a:p>
+                      <a:pPr algn="ctr" fontAlgn="ctr"/>
+                      <a:r>
+                        <a:rPr lang="en-CA" sz="1100" b="0" i="0" u="none" strike="noStrike">
+                          <a:solidFill>
+                            <a:srgbClr val="000000"/>
+                          </a:solidFill>
+                          <a:effectLst/>
+                          <a:latin typeface="Calibri" panose="020F0502020204030204" pitchFamily="34" charset="0"/>
+                        </a:rPr>
+                        <a:t>0.67</a:t>
+                      </a:r>
+                    </a:p>
+                  </a:txBody>
+                  <a:tcPr marL="9525" marR="9525" marT="9525" marB="0" anchor="ctr"/>
+                </a:tc>
+                <a:extLst>
+                  <a:ext uri="{0D108BD9-81ED-4DB2-BD59-A6C34878D82A}">
+                    <a16:rowId xmlns:a16="http://schemas.microsoft.com/office/drawing/2014/main" val="201462060"/>
+                  </a:ext>
+                </a:extLst>
+              </a:tr>
+              <a:tr h="234000">
+                <a:tc>
+                  <a:txBody>
+                    <a:bodyPr/>
+                    <a:lstStyle/>
+                    <a:p>
+                      <a:pPr algn="ctr" fontAlgn="ctr"/>
+                      <a:r>
+                        <a:rPr lang="en-CA" sz="1100" b="0" i="0" u="none" strike="noStrike">
+                          <a:solidFill>
+                            <a:srgbClr val="000000"/>
+                          </a:solidFill>
+                          <a:effectLst/>
+                          <a:latin typeface="Calibri" panose="020F0502020204030204" pitchFamily="34" charset="0"/>
+                        </a:rPr>
+                        <a:t>USPH</a:t>
+                      </a:r>
+                    </a:p>
+                  </a:txBody>
+                  <a:tcPr marL="9525" marR="9525" marT="9525" marB="0" anchor="ctr"/>
+                </a:tc>
+                <a:tc>
+                  <a:txBody>
+                    <a:bodyPr/>
+                    <a:lstStyle/>
+                    <a:p>
+                      <a:pPr algn="ctr" fontAlgn="ctr"/>
+                      <a:r>
+                        <a:rPr lang="en-CA" sz="1100" b="0" i="0" u="none" strike="noStrike">
+                          <a:solidFill>
+                            <a:srgbClr val="000000"/>
+                          </a:solidFill>
+                          <a:effectLst/>
+                          <a:latin typeface="Calibri" panose="020F0502020204030204" pitchFamily="34" charset="0"/>
+                        </a:rPr>
+                        <a:t>197.86</a:t>
+                      </a:r>
+                    </a:p>
+                  </a:txBody>
+                  <a:tcPr marL="9525" marR="9525" marT="9525" marB="0" anchor="ctr"/>
+                </a:tc>
+                <a:tc>
+                  <a:txBody>
+                    <a:bodyPr/>
+                    <a:lstStyle/>
+                    <a:p>
+                      <a:pPr algn="ctr" fontAlgn="ctr"/>
+                      <a:r>
+                        <a:rPr lang="en-CA" sz="1100" b="0" i="0" u="none" strike="noStrike">
+                          <a:solidFill>
+                            <a:srgbClr val="000000"/>
+                          </a:solidFill>
+                          <a:effectLst/>
+                          <a:latin typeface="Calibri" panose="020F0502020204030204" pitchFamily="34" charset="0"/>
+                        </a:rPr>
+                        <a:t>0.54</a:t>
+                      </a:r>
+                    </a:p>
+                  </a:txBody>
+                  <a:tcPr marL="9525" marR="9525" marT="9525" marB="0" anchor="ctr"/>
+                </a:tc>
+                <a:tc>
+                  <a:txBody>
+                    <a:bodyPr/>
+                    <a:lstStyle/>
+                    <a:p>
+                      <a:pPr algn="ctr" fontAlgn="ctr"/>
+                      <a:r>
+                        <a:rPr lang="en-CA" sz="1100" b="0" i="0" u="none" strike="noStrike">
+                          <a:solidFill>
+                            <a:srgbClr val="000000"/>
+                          </a:solidFill>
+                          <a:effectLst/>
+                          <a:latin typeface="Calibri" panose="020F0502020204030204" pitchFamily="34" charset="0"/>
+                        </a:rPr>
+                        <a:t>1.80</a:t>
+                      </a:r>
+                    </a:p>
+                  </a:txBody>
+                  <a:tcPr marL="9525" marR="9525" marT="9525" marB="0" anchor="ctr"/>
+                </a:tc>
+                <a:extLst>
+                  <a:ext uri="{0D108BD9-81ED-4DB2-BD59-A6C34878D82A}">
+                    <a16:rowId xmlns:a16="http://schemas.microsoft.com/office/drawing/2014/main" val="3898813865"/>
+                  </a:ext>
+                </a:extLst>
+              </a:tr>
+              <a:tr h="234000">
+                <a:tc>
+                  <a:txBody>
+                    <a:bodyPr/>
+                    <a:lstStyle/>
+                    <a:p>
+                      <a:pPr algn="ctr" fontAlgn="ctr"/>
+                      <a:r>
+                        <a:rPr lang="en-CA" sz="1100" b="0" i="0" u="none" strike="noStrike">
+                          <a:solidFill>
+                            <a:srgbClr val="000000"/>
+                          </a:solidFill>
+                          <a:effectLst/>
+                          <a:latin typeface="Calibri" panose="020F0502020204030204" pitchFamily="34" charset="0"/>
+                        </a:rPr>
+                        <a:t>AU</a:t>
+                      </a:r>
+                    </a:p>
+                  </a:txBody>
+                  <a:tcPr marL="9525" marR="9525" marT="9525" marB="0" anchor="ctr"/>
+                </a:tc>
+                <a:tc>
+                  <a:txBody>
+                    <a:bodyPr/>
+                    <a:lstStyle/>
+                    <a:p>
+                      <a:pPr algn="ctr" fontAlgn="ctr"/>
+                      <a:r>
+                        <a:rPr lang="en-CA" sz="1100" b="0" i="0" u="none" strike="noStrike">
+                          <a:solidFill>
+                            <a:srgbClr val="000000"/>
+                          </a:solidFill>
+                          <a:effectLst/>
+                          <a:latin typeface="Calibri" panose="020F0502020204030204" pitchFamily="34" charset="0"/>
+                        </a:rPr>
+                        <a:t>197.77</a:t>
+                      </a:r>
+                    </a:p>
+                  </a:txBody>
+                  <a:tcPr marL="9525" marR="9525" marT="9525" marB="0" anchor="ctr"/>
+                </a:tc>
+                <a:tc>
+                  <a:txBody>
+                    <a:bodyPr/>
+                    <a:lstStyle/>
+                    <a:p>
+                      <a:pPr algn="ctr" fontAlgn="ctr"/>
+                      <a:r>
+                        <a:rPr lang="en-CA" sz="1100" b="0" i="0" u="none" strike="noStrike">
+                          <a:solidFill>
+                            <a:srgbClr val="000000"/>
+                          </a:solidFill>
+                          <a:effectLst/>
+                          <a:latin typeface="Calibri" panose="020F0502020204030204" pitchFamily="34" charset="0"/>
+                        </a:rPr>
+                        <a:t>0.48</a:t>
+                      </a:r>
+                    </a:p>
+                  </a:txBody>
+                  <a:tcPr marL="9525" marR="9525" marT="9525" marB="0" anchor="ctr"/>
+                </a:tc>
+                <a:tc>
+                  <a:txBody>
+                    <a:bodyPr/>
+                    <a:lstStyle/>
+                    <a:p>
+                      <a:pPr algn="ctr" fontAlgn="ctr"/>
+                      <a:r>
+                        <a:rPr lang="en-CA" sz="1100" b="0" i="0" u="none" strike="noStrike">
+                          <a:solidFill>
+                            <a:srgbClr val="000000"/>
+                          </a:solidFill>
+                          <a:effectLst/>
+                          <a:latin typeface="Calibri" panose="020F0502020204030204" pitchFamily="34" charset="0"/>
+                        </a:rPr>
+                        <a:t>0.40</a:t>
+                      </a:r>
+                    </a:p>
+                  </a:txBody>
+                  <a:tcPr marL="9525" marR="9525" marT="9525" marB="0" anchor="ctr"/>
+                </a:tc>
+                <a:extLst>
+                  <a:ext uri="{0D108BD9-81ED-4DB2-BD59-A6C34878D82A}">
+                    <a16:rowId xmlns:a16="http://schemas.microsoft.com/office/drawing/2014/main" val="4078257720"/>
+                  </a:ext>
+                </a:extLst>
+              </a:tr>
+              <a:tr h="234000">
+                <a:tc>
+                  <a:txBody>
+                    <a:bodyPr/>
+                    <a:lstStyle/>
+                    <a:p>
+                      <a:pPr algn="ctr" fontAlgn="ctr"/>
+                      <a:r>
+                        <a:rPr lang="en-CA" sz="1100" b="0" i="0" u="none" strike="noStrike">
+                          <a:solidFill>
+                            <a:srgbClr val="000000"/>
+                          </a:solidFill>
+                          <a:effectLst/>
+                          <a:latin typeface="Calibri" panose="020F0502020204030204" pitchFamily="34" charset="0"/>
+                        </a:rPr>
+                        <a:t>IRT</a:t>
+                      </a:r>
+                    </a:p>
+                  </a:txBody>
+                  <a:tcPr marL="9525" marR="9525" marT="9525" marB="0" anchor="ctr"/>
+                </a:tc>
+                <a:tc>
+                  <a:txBody>
+                    <a:bodyPr/>
+                    <a:lstStyle/>
+                    <a:p>
+                      <a:pPr algn="ctr" fontAlgn="ctr"/>
+                      <a:r>
+                        <a:rPr lang="en-CA" sz="1100" b="0" i="0" u="none" strike="noStrike">
+                          <a:solidFill>
+                            <a:srgbClr val="000000"/>
+                          </a:solidFill>
+                          <a:effectLst/>
+                          <a:latin typeface="Calibri" panose="020F0502020204030204" pitchFamily="34" charset="0"/>
+                        </a:rPr>
+                        <a:t>197.69</a:t>
+                      </a:r>
+                    </a:p>
+                  </a:txBody>
+                  <a:tcPr marL="9525" marR="9525" marT="9525" marB="0" anchor="ctr"/>
+                </a:tc>
+                <a:tc>
+                  <a:txBody>
+                    <a:bodyPr/>
+                    <a:lstStyle/>
+                    <a:p>
+                      <a:pPr algn="ctr" fontAlgn="ctr"/>
+                      <a:r>
+                        <a:rPr lang="en-CA" sz="1100" b="0" i="0" u="none" strike="noStrike">
+                          <a:solidFill>
+                            <a:srgbClr val="000000"/>
+                          </a:solidFill>
+                          <a:effectLst/>
+                          <a:latin typeface="Calibri" panose="020F0502020204030204" pitchFamily="34" charset="0"/>
+                        </a:rPr>
+                        <a:t>0.78</a:t>
+                      </a:r>
+                    </a:p>
+                  </a:txBody>
+                  <a:tcPr marL="9525" marR="9525" marT="9525" marB="0" anchor="ctr"/>
+                </a:tc>
+                <a:tc>
+                  <a:txBody>
+                    <a:bodyPr/>
+                    <a:lstStyle/>
+                    <a:p>
+                      <a:pPr algn="ctr" fontAlgn="ctr"/>
+                      <a:r>
+                        <a:rPr lang="en-CA" sz="1100" b="0" i="0" u="none" strike="noStrike">
+                          <a:solidFill>
+                            <a:srgbClr val="000000"/>
+                          </a:solidFill>
+                          <a:effectLst/>
+                          <a:latin typeface="Calibri" panose="020F0502020204030204" pitchFamily="34" charset="0"/>
+                        </a:rPr>
+                        <a:t>0.21</a:t>
+                      </a:r>
+                    </a:p>
+                  </a:txBody>
+                  <a:tcPr marL="9525" marR="9525" marT="9525" marB="0" anchor="ctr"/>
+                </a:tc>
+                <a:extLst>
+                  <a:ext uri="{0D108BD9-81ED-4DB2-BD59-A6C34878D82A}">
+                    <a16:rowId xmlns:a16="http://schemas.microsoft.com/office/drawing/2014/main" val="1018463267"/>
+                  </a:ext>
+                </a:extLst>
+              </a:tr>
+              <a:tr h="234000">
+                <a:tc>
+                  <a:txBody>
+                    <a:bodyPr/>
+                    <a:lstStyle/>
+                    <a:p>
+                      <a:pPr algn="ctr" fontAlgn="ctr"/>
+                      <a:r>
+                        <a:rPr lang="en-CA" sz="1100" b="0" i="0" u="none" strike="noStrike">
+                          <a:solidFill>
+                            <a:srgbClr val="000000"/>
+                          </a:solidFill>
+                          <a:effectLst/>
+                          <a:latin typeface="Calibri" panose="020F0502020204030204" pitchFamily="34" charset="0"/>
+                        </a:rPr>
+                        <a:t>CLFD</a:t>
+                      </a:r>
+                    </a:p>
+                  </a:txBody>
+                  <a:tcPr marL="9525" marR="9525" marT="9525" marB="0" anchor="ctr"/>
+                </a:tc>
+                <a:tc>
+                  <a:txBody>
+                    <a:bodyPr/>
+                    <a:lstStyle/>
+                    <a:p>
+                      <a:pPr algn="ctr" fontAlgn="ctr"/>
+                      <a:r>
+                        <a:rPr lang="en-CA" sz="1100" b="0" i="0" u="none" strike="noStrike">
+                          <a:solidFill>
+                            <a:srgbClr val="000000"/>
+                          </a:solidFill>
+                          <a:effectLst/>
+                          <a:latin typeface="Calibri" panose="020F0502020204030204" pitchFamily="34" charset="0"/>
+                        </a:rPr>
+                        <a:t>197.61</a:t>
+                      </a:r>
+                    </a:p>
+                  </a:txBody>
+                  <a:tcPr marL="9525" marR="9525" marT="9525" marB="0" anchor="ctr"/>
+                </a:tc>
+                <a:tc>
+                  <a:txBody>
+                    <a:bodyPr/>
+                    <a:lstStyle/>
+                    <a:p>
+                      <a:pPr algn="ctr" fontAlgn="ctr"/>
+                      <a:r>
+                        <a:rPr lang="en-CA" sz="1100" b="0" i="0" u="none" strike="noStrike">
+                          <a:solidFill>
+                            <a:srgbClr val="000000"/>
+                          </a:solidFill>
+                          <a:effectLst/>
+                          <a:latin typeface="Calibri" panose="020F0502020204030204" pitchFamily="34" charset="0"/>
+                        </a:rPr>
+                        <a:t>0.49</a:t>
+                      </a:r>
+                    </a:p>
+                  </a:txBody>
+                  <a:tcPr marL="9525" marR="9525" marT="9525" marB="0" anchor="ctr"/>
+                </a:tc>
+                <a:tc>
+                  <a:txBody>
+                    <a:bodyPr/>
+                    <a:lstStyle/>
+                    <a:p>
+                      <a:pPr algn="ctr" fontAlgn="ctr"/>
+                      <a:r>
+                        <a:rPr lang="en-CA" sz="1100" b="0" i="0" u="none" strike="noStrike">
+                          <a:solidFill>
+                            <a:srgbClr val="000000"/>
+                          </a:solidFill>
+                          <a:effectLst/>
+                          <a:latin typeface="Calibri" panose="020F0502020204030204" pitchFamily="34" charset="0"/>
+                        </a:rPr>
+                        <a:t>1.39</a:t>
+                      </a:r>
+                    </a:p>
+                  </a:txBody>
+                  <a:tcPr marL="9525" marR="9525" marT="9525" marB="0" anchor="ctr"/>
+                </a:tc>
+                <a:extLst>
+                  <a:ext uri="{0D108BD9-81ED-4DB2-BD59-A6C34878D82A}">
+                    <a16:rowId xmlns:a16="http://schemas.microsoft.com/office/drawing/2014/main" val="4286242287"/>
+                  </a:ext>
+                </a:extLst>
+              </a:tr>
+              <a:tr h="234000">
+                <a:tc>
+                  <a:txBody>
+                    <a:bodyPr/>
+                    <a:lstStyle/>
+                    <a:p>
+                      <a:pPr algn="ctr" fontAlgn="ctr"/>
+                      <a:r>
+                        <a:rPr lang="en-CA" sz="1100" b="0" i="0" u="none" strike="noStrike">
+                          <a:solidFill>
+                            <a:srgbClr val="000000"/>
+                          </a:solidFill>
+                          <a:effectLst/>
+                          <a:latin typeface="Calibri" panose="020F0502020204030204" pitchFamily="34" charset="0"/>
+                        </a:rPr>
+                        <a:t>DKL</a:t>
+                      </a:r>
+                    </a:p>
+                  </a:txBody>
+                  <a:tcPr marL="9525" marR="9525" marT="9525" marB="0" anchor="ctr"/>
+                </a:tc>
+                <a:tc>
+                  <a:txBody>
+                    <a:bodyPr/>
+                    <a:lstStyle/>
+                    <a:p>
+                      <a:pPr algn="ctr" fontAlgn="ctr"/>
+                      <a:r>
+                        <a:rPr lang="en-CA" sz="1100" b="0" i="0" u="none" strike="noStrike">
+                          <a:solidFill>
+                            <a:srgbClr val="000000"/>
+                          </a:solidFill>
+                          <a:effectLst/>
+                          <a:latin typeface="Calibri" panose="020F0502020204030204" pitchFamily="34" charset="0"/>
+                        </a:rPr>
+                        <a:t>197.52</a:t>
+                      </a:r>
+                    </a:p>
+                  </a:txBody>
+                  <a:tcPr marL="9525" marR="9525" marT="9525" marB="0" anchor="ctr"/>
+                </a:tc>
+                <a:tc>
+                  <a:txBody>
+                    <a:bodyPr/>
+                    <a:lstStyle/>
+                    <a:p>
+                      <a:pPr algn="ctr" fontAlgn="ctr"/>
+                      <a:r>
+                        <a:rPr lang="en-CA" sz="1100" b="0" i="0" u="none" strike="noStrike">
+                          <a:solidFill>
+                            <a:srgbClr val="000000"/>
+                          </a:solidFill>
+                          <a:effectLst/>
+                          <a:latin typeface="Calibri" panose="020F0502020204030204" pitchFamily="34" charset="0"/>
+                        </a:rPr>
+                        <a:t>0.67</a:t>
+                      </a:r>
+                    </a:p>
+                  </a:txBody>
+                  <a:tcPr marL="9525" marR="9525" marT="9525" marB="0" anchor="ctr"/>
+                </a:tc>
+                <a:tc>
+                  <a:txBody>
+                    <a:bodyPr/>
+                    <a:lstStyle/>
+                    <a:p>
+                      <a:pPr algn="ctr" fontAlgn="ctr"/>
+                      <a:r>
+                        <a:rPr lang="en-CA" sz="1100" b="0" i="0" u="none" strike="noStrike">
+                          <a:solidFill>
+                            <a:srgbClr val="000000"/>
+                          </a:solidFill>
+                          <a:effectLst/>
+                          <a:latin typeface="Calibri" panose="020F0502020204030204" pitchFamily="34" charset="0"/>
+                        </a:rPr>
+                        <a:t>0.60</a:t>
+                      </a:r>
+                    </a:p>
+                  </a:txBody>
+                  <a:tcPr marL="9525" marR="9525" marT="9525" marB="0" anchor="ctr"/>
+                </a:tc>
+                <a:extLst>
+                  <a:ext uri="{0D108BD9-81ED-4DB2-BD59-A6C34878D82A}">
+                    <a16:rowId xmlns:a16="http://schemas.microsoft.com/office/drawing/2014/main" val="3854548663"/>
+                  </a:ext>
+                </a:extLst>
+              </a:tr>
+              <a:tr h="234000">
+                <a:tc>
+                  <a:txBody>
+                    <a:bodyPr/>
+                    <a:lstStyle/>
+                    <a:p>
+                      <a:pPr algn="ctr" fontAlgn="ctr"/>
+                      <a:r>
+                        <a:rPr lang="en-CA" sz="1100" b="0" i="0" u="none" strike="noStrike">
+                          <a:solidFill>
+                            <a:srgbClr val="000000"/>
+                          </a:solidFill>
+                          <a:effectLst/>
+                          <a:latin typeface="Calibri" panose="020F0502020204030204" pitchFamily="34" charset="0"/>
+                        </a:rPr>
+                        <a:t>KFRC</a:t>
+                      </a:r>
+                    </a:p>
+                  </a:txBody>
+                  <a:tcPr marL="9525" marR="9525" marT="9525" marB="0" anchor="ctr"/>
+                </a:tc>
+                <a:tc>
+                  <a:txBody>
+                    <a:bodyPr/>
+                    <a:lstStyle/>
+                    <a:p>
+                      <a:pPr algn="ctr" fontAlgn="ctr"/>
+                      <a:r>
+                        <a:rPr lang="en-CA" sz="1100" b="0" i="0" u="none" strike="noStrike">
+                          <a:solidFill>
+                            <a:srgbClr val="000000"/>
+                          </a:solidFill>
+                          <a:effectLst/>
+                          <a:latin typeface="Calibri" panose="020F0502020204030204" pitchFamily="34" charset="0"/>
+                        </a:rPr>
+                        <a:t>197.46</a:t>
+                      </a:r>
+                    </a:p>
+                  </a:txBody>
+                  <a:tcPr marL="9525" marR="9525" marT="9525" marB="0" anchor="ctr"/>
+                </a:tc>
+                <a:tc>
+                  <a:txBody>
+                    <a:bodyPr/>
+                    <a:lstStyle/>
+                    <a:p>
+                      <a:pPr algn="ctr" fontAlgn="ctr"/>
+                      <a:r>
+                        <a:rPr lang="en-CA" sz="1100" b="0" i="0" u="none" strike="noStrike">
+                          <a:solidFill>
+                            <a:srgbClr val="000000"/>
+                          </a:solidFill>
+                          <a:effectLst/>
+                          <a:latin typeface="Calibri" panose="020F0502020204030204" pitchFamily="34" charset="0"/>
+                        </a:rPr>
+                        <a:t>0.78</a:t>
+                      </a:r>
+                    </a:p>
+                  </a:txBody>
+                  <a:tcPr marL="9525" marR="9525" marT="9525" marB="0" anchor="ctr"/>
+                </a:tc>
+                <a:tc>
+                  <a:txBody>
+                    <a:bodyPr/>
+                    <a:lstStyle/>
+                    <a:p>
+                      <a:pPr algn="ctr" fontAlgn="ctr"/>
+                      <a:r>
+                        <a:rPr lang="en-CA" sz="1100" b="0" i="0" u="none" strike="noStrike">
+                          <a:solidFill>
+                            <a:srgbClr val="000000"/>
+                          </a:solidFill>
+                          <a:effectLst/>
+                          <a:latin typeface="Calibri" panose="020F0502020204030204" pitchFamily="34" charset="0"/>
+                        </a:rPr>
+                        <a:t>0.73</a:t>
+                      </a:r>
+                    </a:p>
+                  </a:txBody>
+                  <a:tcPr marL="9525" marR="9525" marT="9525" marB="0" anchor="ctr"/>
+                </a:tc>
+                <a:extLst>
+                  <a:ext uri="{0D108BD9-81ED-4DB2-BD59-A6C34878D82A}">
+                    <a16:rowId xmlns:a16="http://schemas.microsoft.com/office/drawing/2014/main" val="3323132164"/>
+                  </a:ext>
+                </a:extLst>
+              </a:tr>
+              <a:tr h="234000">
+                <a:tc>
+                  <a:txBody>
+                    <a:bodyPr/>
+                    <a:lstStyle/>
+                    <a:p>
+                      <a:pPr algn="ctr" fontAlgn="ctr"/>
+                      <a:r>
+                        <a:rPr lang="en-CA" sz="1100" b="0" i="0" u="none" strike="noStrike">
+                          <a:solidFill>
+                            <a:srgbClr val="000000"/>
+                          </a:solidFill>
+                          <a:effectLst/>
+                          <a:latin typeface="Calibri" panose="020F0502020204030204" pitchFamily="34" charset="0"/>
+                        </a:rPr>
+                        <a:t>PH</a:t>
+                      </a:r>
+                    </a:p>
+                  </a:txBody>
+                  <a:tcPr marL="9525" marR="9525" marT="9525" marB="0" anchor="ctr"/>
+                </a:tc>
+                <a:tc>
+                  <a:txBody>
+                    <a:bodyPr/>
+                    <a:lstStyle/>
+                    <a:p>
+                      <a:pPr algn="ctr" fontAlgn="ctr"/>
+                      <a:r>
+                        <a:rPr lang="en-CA" sz="1100" b="0" i="0" u="none" strike="noStrike">
+                          <a:solidFill>
+                            <a:srgbClr val="000000"/>
+                          </a:solidFill>
+                          <a:effectLst/>
+                          <a:latin typeface="Calibri" panose="020F0502020204030204" pitchFamily="34" charset="0"/>
+                        </a:rPr>
+                        <a:t>197.14</a:t>
+                      </a:r>
+                    </a:p>
+                  </a:txBody>
+                  <a:tcPr marL="9525" marR="9525" marT="9525" marB="0" anchor="ctr"/>
+                </a:tc>
+                <a:tc>
+                  <a:txBody>
+                    <a:bodyPr/>
+                    <a:lstStyle/>
+                    <a:p>
+                      <a:pPr algn="ctr" fontAlgn="ctr"/>
+                      <a:r>
+                        <a:rPr lang="en-CA" sz="1100" b="0" i="0" u="none" strike="noStrike">
+                          <a:solidFill>
+                            <a:srgbClr val="000000"/>
+                          </a:solidFill>
+                          <a:effectLst/>
+                          <a:latin typeface="Calibri" panose="020F0502020204030204" pitchFamily="34" charset="0"/>
+                        </a:rPr>
+                        <a:t>0.84</a:t>
+                      </a:r>
+                    </a:p>
+                  </a:txBody>
+                  <a:tcPr marL="9525" marR="9525" marT="9525" marB="0" anchor="ctr"/>
+                </a:tc>
+                <a:tc>
+                  <a:txBody>
+                    <a:bodyPr/>
+                    <a:lstStyle/>
+                    <a:p>
+                      <a:pPr algn="ctr" fontAlgn="ctr"/>
+                      <a:r>
+                        <a:rPr lang="en-CA" sz="1100" b="0" i="0" u="none" strike="noStrike">
+                          <a:solidFill>
+                            <a:srgbClr val="000000"/>
+                          </a:solidFill>
+                          <a:effectLst/>
+                          <a:latin typeface="Calibri" panose="020F0502020204030204" pitchFamily="34" charset="0"/>
+                        </a:rPr>
+                        <a:t>3.08</a:t>
+                      </a:r>
+                    </a:p>
+                  </a:txBody>
+                  <a:tcPr marL="9525" marR="9525" marT="9525" marB="0" anchor="ctr"/>
+                </a:tc>
+                <a:extLst>
+                  <a:ext uri="{0D108BD9-81ED-4DB2-BD59-A6C34878D82A}">
+                    <a16:rowId xmlns:a16="http://schemas.microsoft.com/office/drawing/2014/main" val="2585999691"/>
+                  </a:ext>
+                </a:extLst>
+              </a:tr>
+              <a:tr h="234000">
+                <a:tc>
+                  <a:txBody>
+                    <a:bodyPr/>
+                    <a:lstStyle/>
+                    <a:p>
+                      <a:pPr algn="ctr" fontAlgn="ctr"/>
+                      <a:r>
+                        <a:rPr lang="en-CA" sz="1100" b="0" i="0" u="none" strike="noStrike">
+                          <a:solidFill>
+                            <a:srgbClr val="000000"/>
+                          </a:solidFill>
+                          <a:effectLst/>
+                          <a:latin typeface="Calibri" panose="020F0502020204030204" pitchFamily="34" charset="0"/>
+                        </a:rPr>
+                        <a:t>CLH</a:t>
+                      </a:r>
+                    </a:p>
+                  </a:txBody>
+                  <a:tcPr marL="9525" marR="9525" marT="9525" marB="0" anchor="ctr"/>
+                </a:tc>
+                <a:tc>
+                  <a:txBody>
+                    <a:bodyPr/>
+                    <a:lstStyle/>
+                    <a:p>
+                      <a:pPr algn="ctr" fontAlgn="ctr"/>
+                      <a:r>
+                        <a:rPr lang="en-CA" sz="1100" b="0" i="0" u="none" strike="noStrike">
+                          <a:solidFill>
+                            <a:srgbClr val="000000"/>
+                          </a:solidFill>
+                          <a:effectLst/>
+                          <a:latin typeface="Calibri" panose="020F0502020204030204" pitchFamily="34" charset="0"/>
+                        </a:rPr>
+                        <a:t>196.70</a:t>
+                      </a:r>
+                    </a:p>
+                  </a:txBody>
+                  <a:tcPr marL="9525" marR="9525" marT="9525" marB="0" anchor="ctr"/>
+                </a:tc>
+                <a:tc>
+                  <a:txBody>
+                    <a:bodyPr/>
+                    <a:lstStyle/>
+                    <a:p>
+                      <a:pPr algn="ctr" fontAlgn="ctr"/>
+                      <a:r>
+                        <a:rPr lang="en-CA" sz="1100" b="0" i="0" u="none" strike="noStrike">
+                          <a:solidFill>
+                            <a:srgbClr val="000000"/>
+                          </a:solidFill>
+                          <a:effectLst/>
+                          <a:latin typeface="Calibri" panose="020F0502020204030204" pitchFamily="34" charset="0"/>
+                        </a:rPr>
+                        <a:t>0.74</a:t>
+                      </a:r>
+                    </a:p>
+                  </a:txBody>
+                  <a:tcPr marL="9525" marR="9525" marT="9525" marB="0" anchor="ctr"/>
+                </a:tc>
+                <a:tc>
+                  <a:txBody>
+                    <a:bodyPr/>
+                    <a:lstStyle/>
+                    <a:p>
+                      <a:pPr algn="ctr" fontAlgn="ctr"/>
+                      <a:r>
+                        <a:rPr lang="en-CA" sz="1100" b="0" i="0" u="none" strike="noStrike">
+                          <a:solidFill>
+                            <a:srgbClr val="000000"/>
+                          </a:solidFill>
+                          <a:effectLst/>
+                          <a:latin typeface="Calibri" panose="020F0502020204030204" pitchFamily="34" charset="0"/>
+                        </a:rPr>
+                        <a:t>1.32</a:t>
+                      </a:r>
+                    </a:p>
+                  </a:txBody>
+                  <a:tcPr marL="9525" marR="9525" marT="9525" marB="0" anchor="ctr"/>
+                </a:tc>
+                <a:extLst>
+                  <a:ext uri="{0D108BD9-81ED-4DB2-BD59-A6C34878D82A}">
+                    <a16:rowId xmlns:a16="http://schemas.microsoft.com/office/drawing/2014/main" val="4034867937"/>
+                  </a:ext>
+                </a:extLst>
+              </a:tr>
+              <a:tr h="234000">
+                <a:tc>
+                  <a:txBody>
+                    <a:bodyPr/>
+                    <a:lstStyle/>
+                    <a:p>
+                      <a:pPr algn="ctr" fontAlgn="ctr"/>
+                      <a:r>
+                        <a:rPr lang="en-CA" sz="1100" b="0" i="0" u="none" strike="noStrike">
+                          <a:solidFill>
+                            <a:srgbClr val="000000"/>
+                          </a:solidFill>
+                          <a:effectLst/>
+                          <a:latin typeface="Calibri" panose="020F0502020204030204" pitchFamily="34" charset="0"/>
+                        </a:rPr>
+                        <a:t>CPK</a:t>
+                      </a:r>
+                    </a:p>
+                  </a:txBody>
+                  <a:tcPr marL="9525" marR="9525" marT="9525" marB="0" anchor="ctr"/>
+                </a:tc>
+                <a:tc>
+                  <a:txBody>
+                    <a:bodyPr/>
+                    <a:lstStyle/>
+                    <a:p>
+                      <a:pPr algn="ctr" fontAlgn="ctr"/>
+                      <a:r>
+                        <a:rPr lang="en-CA" sz="1100" b="0" i="0" u="none" strike="noStrike">
+                          <a:solidFill>
+                            <a:srgbClr val="000000"/>
+                          </a:solidFill>
+                          <a:effectLst/>
+                          <a:latin typeface="Calibri" panose="020F0502020204030204" pitchFamily="34" charset="0"/>
+                        </a:rPr>
+                        <a:t>196.62</a:t>
+                      </a:r>
+                    </a:p>
+                  </a:txBody>
+                  <a:tcPr marL="9525" marR="9525" marT="9525" marB="0" anchor="ctr"/>
+                </a:tc>
+                <a:tc>
+                  <a:txBody>
+                    <a:bodyPr/>
+                    <a:lstStyle/>
+                    <a:p>
+                      <a:pPr algn="ctr" fontAlgn="ctr"/>
+                      <a:r>
+                        <a:rPr lang="en-CA" sz="1100" b="0" i="0" u="none" strike="noStrike">
+                          <a:solidFill>
+                            <a:srgbClr val="000000"/>
+                          </a:solidFill>
+                          <a:effectLst/>
+                          <a:latin typeface="Calibri" panose="020F0502020204030204" pitchFamily="34" charset="0"/>
+                        </a:rPr>
+                        <a:t>0.92</a:t>
+                      </a:r>
+                    </a:p>
+                  </a:txBody>
+                  <a:tcPr marL="9525" marR="9525" marT="9525" marB="0" anchor="ctr"/>
+                </a:tc>
+                <a:tc>
+                  <a:txBody>
+                    <a:bodyPr/>
+                    <a:lstStyle/>
+                    <a:p>
+                      <a:pPr algn="ctr" fontAlgn="ctr"/>
+                      <a:r>
+                        <a:rPr lang="en-CA" sz="1100" b="0" i="0" u="none" strike="noStrike">
+                          <a:solidFill>
+                            <a:srgbClr val="000000"/>
+                          </a:solidFill>
+                          <a:effectLst/>
+                          <a:latin typeface="Calibri" panose="020F0502020204030204" pitchFamily="34" charset="0"/>
+                        </a:rPr>
+                        <a:t>1.39</a:t>
+                      </a:r>
+                    </a:p>
+                  </a:txBody>
+                  <a:tcPr marL="9525" marR="9525" marT="9525" marB="0" anchor="ctr"/>
+                </a:tc>
+                <a:extLst>
+                  <a:ext uri="{0D108BD9-81ED-4DB2-BD59-A6C34878D82A}">
+                    <a16:rowId xmlns:a16="http://schemas.microsoft.com/office/drawing/2014/main" val="147563728"/>
+                  </a:ext>
+                </a:extLst>
+              </a:tr>
+              <a:tr h="234000">
+                <a:tc>
+                  <a:txBody>
+                    <a:bodyPr/>
+                    <a:lstStyle/>
+                    <a:p>
+                      <a:pPr algn="ctr" fontAlgn="ctr"/>
+                      <a:r>
+                        <a:rPr lang="en-CA" sz="1100" b="0" i="0" u="none" strike="noStrike">
+                          <a:solidFill>
+                            <a:srgbClr val="000000"/>
+                          </a:solidFill>
+                          <a:effectLst/>
+                          <a:latin typeface="Calibri" panose="020F0502020204030204" pitchFamily="34" charset="0"/>
+                        </a:rPr>
+                        <a:t>ELS</a:t>
+                      </a:r>
+                    </a:p>
+                  </a:txBody>
+                  <a:tcPr marL="9525" marR="9525" marT="9525" marB="0" anchor="ctr"/>
+                </a:tc>
+                <a:tc>
+                  <a:txBody>
+                    <a:bodyPr/>
+                    <a:lstStyle/>
+                    <a:p>
+                      <a:pPr algn="ctr" fontAlgn="ctr"/>
+                      <a:r>
+                        <a:rPr lang="en-CA" sz="1100" b="0" i="0" u="none" strike="noStrike">
+                          <a:solidFill>
+                            <a:srgbClr val="000000"/>
+                          </a:solidFill>
+                          <a:effectLst/>
+                          <a:latin typeface="Calibri" panose="020F0502020204030204" pitchFamily="34" charset="0"/>
+                        </a:rPr>
+                        <a:t>196.03</a:t>
+                      </a:r>
+                    </a:p>
+                  </a:txBody>
+                  <a:tcPr marL="9525" marR="9525" marT="9525" marB="0" anchor="ctr"/>
+                </a:tc>
+                <a:tc>
+                  <a:txBody>
+                    <a:bodyPr/>
+                    <a:lstStyle/>
+                    <a:p>
+                      <a:pPr algn="ctr" fontAlgn="ctr"/>
+                      <a:r>
+                        <a:rPr lang="en-CA" sz="1100" b="0" i="0" u="none" strike="noStrike">
+                          <a:solidFill>
+                            <a:srgbClr val="000000"/>
+                          </a:solidFill>
+                          <a:effectLst/>
+                          <a:latin typeface="Calibri" panose="020F0502020204030204" pitchFamily="34" charset="0"/>
+                        </a:rPr>
+                        <a:t>0.89</a:t>
+                      </a:r>
+                    </a:p>
+                  </a:txBody>
+                  <a:tcPr marL="9525" marR="9525" marT="9525" marB="0" anchor="ctr"/>
+                </a:tc>
+                <a:tc>
+                  <a:txBody>
+                    <a:bodyPr/>
+                    <a:lstStyle/>
+                    <a:p>
+                      <a:pPr algn="ctr" fontAlgn="ctr"/>
+                      <a:r>
+                        <a:rPr lang="en-CA" sz="1100" b="0" i="0" u="none" strike="noStrike">
+                          <a:solidFill>
+                            <a:srgbClr val="000000"/>
+                          </a:solidFill>
+                          <a:effectLst/>
+                          <a:latin typeface="Calibri" panose="020F0502020204030204" pitchFamily="34" charset="0"/>
+                        </a:rPr>
+                        <a:t>0.77</a:t>
+                      </a:r>
+                    </a:p>
+                  </a:txBody>
+                  <a:tcPr marL="9525" marR="9525" marT="9525" marB="0" anchor="ctr"/>
+                </a:tc>
+                <a:extLst>
+                  <a:ext uri="{0D108BD9-81ED-4DB2-BD59-A6C34878D82A}">
+                    <a16:rowId xmlns:a16="http://schemas.microsoft.com/office/drawing/2014/main" val="1666797964"/>
+                  </a:ext>
+                </a:extLst>
+              </a:tr>
+              <a:tr h="234000">
+                <a:tc>
+                  <a:txBody>
+                    <a:bodyPr/>
+                    <a:lstStyle/>
+                    <a:p>
+                      <a:pPr algn="ctr" fontAlgn="ctr"/>
+                      <a:r>
+                        <a:rPr lang="en-CA" sz="1100" b="0" i="0" u="none" strike="noStrike">
+                          <a:solidFill>
+                            <a:srgbClr val="000000"/>
+                          </a:solidFill>
+                          <a:effectLst/>
+                          <a:latin typeface="Calibri" panose="020F0502020204030204" pitchFamily="34" charset="0"/>
+                        </a:rPr>
+                        <a:t>HQI</a:t>
+                      </a:r>
+                    </a:p>
+                  </a:txBody>
+                  <a:tcPr marL="9525" marR="9525" marT="9525" marB="0" anchor="ctr"/>
+                </a:tc>
+                <a:tc>
+                  <a:txBody>
+                    <a:bodyPr/>
+                    <a:lstStyle/>
+                    <a:p>
+                      <a:pPr algn="ctr" fontAlgn="ctr"/>
+                      <a:r>
+                        <a:rPr lang="en-CA" sz="1100" b="0" i="0" u="none" strike="noStrike">
+                          <a:solidFill>
+                            <a:srgbClr val="000000"/>
+                          </a:solidFill>
+                          <a:effectLst/>
+                          <a:latin typeface="Calibri" panose="020F0502020204030204" pitchFamily="34" charset="0"/>
+                        </a:rPr>
+                        <a:t>195.85</a:t>
+                      </a:r>
+                    </a:p>
+                  </a:txBody>
+                  <a:tcPr marL="9525" marR="9525" marT="9525" marB="0" anchor="ctr"/>
+                </a:tc>
+                <a:tc>
+                  <a:txBody>
+                    <a:bodyPr/>
+                    <a:lstStyle/>
+                    <a:p>
+                      <a:pPr algn="ctr" fontAlgn="ctr"/>
+                      <a:r>
+                        <a:rPr lang="en-CA" sz="1100" b="0" i="0" u="none" strike="noStrike">
+                          <a:solidFill>
+                            <a:srgbClr val="000000"/>
+                          </a:solidFill>
+                          <a:effectLst/>
+                          <a:latin typeface="Calibri" panose="020F0502020204030204" pitchFamily="34" charset="0"/>
+                        </a:rPr>
+                        <a:t>0.57</a:t>
+                      </a:r>
+                    </a:p>
+                  </a:txBody>
+                  <a:tcPr marL="9525" marR="9525" marT="9525" marB="0" anchor="ctr"/>
+                </a:tc>
+                <a:tc>
+                  <a:txBody>
+                    <a:bodyPr/>
+                    <a:lstStyle/>
+                    <a:p>
+                      <a:pPr algn="ctr" fontAlgn="ctr"/>
+                      <a:r>
+                        <a:rPr lang="en-CA" sz="1100" b="0" i="0" u="none" strike="noStrike">
+                          <a:solidFill>
+                            <a:srgbClr val="000000"/>
+                          </a:solidFill>
+                          <a:effectLst/>
+                          <a:latin typeface="Calibri" panose="020F0502020204030204" pitchFamily="34" charset="0"/>
+                        </a:rPr>
+                        <a:t>0.36</a:t>
+                      </a:r>
+                    </a:p>
+                  </a:txBody>
+                  <a:tcPr marL="9525" marR="9525" marT="9525" marB="0" anchor="ctr"/>
+                </a:tc>
+                <a:extLst>
+                  <a:ext uri="{0D108BD9-81ED-4DB2-BD59-A6C34878D82A}">
+                    <a16:rowId xmlns:a16="http://schemas.microsoft.com/office/drawing/2014/main" val="960916647"/>
+                  </a:ext>
+                </a:extLst>
+              </a:tr>
+              <a:tr h="234000">
+                <a:tc>
+                  <a:txBody>
+                    <a:bodyPr/>
+                    <a:lstStyle/>
+                    <a:p>
+                      <a:pPr algn="ctr" fontAlgn="ctr"/>
+                      <a:r>
+                        <a:rPr lang="en-CA" sz="1100" b="0" i="0" u="none" strike="noStrike">
+                          <a:solidFill>
+                            <a:srgbClr val="000000"/>
+                          </a:solidFill>
+                          <a:effectLst/>
+                          <a:latin typeface="Calibri" panose="020F0502020204030204" pitchFamily="34" charset="0"/>
+                        </a:rPr>
+                        <a:t>PLUG</a:t>
+                      </a:r>
+                    </a:p>
+                  </a:txBody>
+                  <a:tcPr marL="9525" marR="9525" marT="9525" marB="0" anchor="ctr"/>
+                </a:tc>
+                <a:tc>
+                  <a:txBody>
+                    <a:bodyPr/>
+                    <a:lstStyle/>
+                    <a:p>
+                      <a:pPr algn="ctr" fontAlgn="ctr"/>
+                      <a:r>
+                        <a:rPr lang="en-CA" sz="1100" b="0" i="0" u="none" strike="noStrike">
+                          <a:solidFill>
+                            <a:srgbClr val="000000"/>
+                          </a:solidFill>
+                          <a:effectLst/>
+                          <a:latin typeface="Calibri" panose="020F0502020204030204" pitchFamily="34" charset="0"/>
+                        </a:rPr>
+                        <a:t>195.64</a:t>
+                      </a:r>
+                    </a:p>
+                  </a:txBody>
+                  <a:tcPr marL="9525" marR="9525" marT="9525" marB="0" anchor="ctr"/>
+                </a:tc>
+                <a:tc>
+                  <a:txBody>
+                    <a:bodyPr/>
+                    <a:lstStyle/>
+                    <a:p>
+                      <a:pPr algn="ctr" fontAlgn="ctr"/>
+                      <a:r>
+                        <a:rPr lang="en-CA" sz="1100" b="0" i="0" u="none" strike="noStrike">
+                          <a:solidFill>
+                            <a:srgbClr val="000000"/>
+                          </a:solidFill>
+                          <a:effectLst/>
+                          <a:latin typeface="Calibri" panose="020F0502020204030204" pitchFamily="34" charset="0"/>
+                        </a:rPr>
+                        <a:t>0.42</a:t>
+                      </a:r>
+                    </a:p>
+                  </a:txBody>
+                  <a:tcPr marL="9525" marR="9525" marT="9525" marB="0" anchor="ctr"/>
+                </a:tc>
+                <a:tc>
+                  <a:txBody>
+                    <a:bodyPr/>
+                    <a:lstStyle/>
+                    <a:p>
+                      <a:pPr algn="ctr" fontAlgn="ctr"/>
+                      <a:r>
+                        <a:rPr lang="en-CA" sz="1100" b="0" i="0" u="none" strike="noStrike">
+                          <a:solidFill>
+                            <a:srgbClr val="000000"/>
+                          </a:solidFill>
+                          <a:effectLst/>
+                          <a:latin typeface="Calibri" panose="020F0502020204030204" pitchFamily="34" charset="0"/>
+                        </a:rPr>
+                        <a:t>0.73</a:t>
+                      </a:r>
+                    </a:p>
+                  </a:txBody>
+                  <a:tcPr marL="9525" marR="9525" marT="9525" marB="0" anchor="ctr"/>
+                </a:tc>
+                <a:extLst>
+                  <a:ext uri="{0D108BD9-81ED-4DB2-BD59-A6C34878D82A}">
+                    <a16:rowId xmlns:a16="http://schemas.microsoft.com/office/drawing/2014/main" val="183750268"/>
+                  </a:ext>
+                </a:extLst>
+              </a:tr>
+              <a:tr h="234000">
+                <a:tc>
+                  <a:txBody>
+                    <a:bodyPr/>
+                    <a:lstStyle/>
+                    <a:p>
+                      <a:pPr algn="ctr" fontAlgn="ctr"/>
+                      <a:r>
+                        <a:rPr lang="en-CA" sz="1100" b="0" i="0" u="none" strike="noStrike">
+                          <a:solidFill>
+                            <a:srgbClr val="000000"/>
+                          </a:solidFill>
+                          <a:effectLst/>
+                          <a:latin typeface="Calibri" panose="020F0502020204030204" pitchFamily="34" charset="0"/>
+                        </a:rPr>
+                        <a:t>FERG</a:t>
+                      </a:r>
+                    </a:p>
+                  </a:txBody>
+                  <a:tcPr marL="9525" marR="9525" marT="9525" marB="0" anchor="ctr"/>
+                </a:tc>
+                <a:tc>
+                  <a:txBody>
+                    <a:bodyPr/>
+                    <a:lstStyle/>
+                    <a:p>
+                      <a:pPr algn="ctr" fontAlgn="ctr"/>
+                      <a:r>
+                        <a:rPr lang="en-CA" sz="1100" b="0" i="0" u="none" strike="noStrike">
+                          <a:solidFill>
+                            <a:srgbClr val="000000"/>
+                          </a:solidFill>
+                          <a:effectLst/>
+                          <a:latin typeface="Calibri" panose="020F0502020204030204" pitchFamily="34" charset="0"/>
+                        </a:rPr>
+                        <a:t>195.59</a:t>
+                      </a:r>
+                    </a:p>
+                  </a:txBody>
+                  <a:tcPr marL="9525" marR="9525" marT="9525" marB="0" anchor="ctr"/>
+                </a:tc>
+                <a:tc>
+                  <a:txBody>
+                    <a:bodyPr/>
+                    <a:lstStyle/>
+                    <a:p>
+                      <a:pPr algn="ctr" fontAlgn="ctr"/>
+                      <a:r>
+                        <a:rPr lang="en-CA" sz="1100" b="0" i="0" u="none" strike="noStrike">
+                          <a:solidFill>
+                            <a:srgbClr val="000000"/>
+                          </a:solidFill>
+                          <a:effectLst/>
+                          <a:latin typeface="Calibri" panose="020F0502020204030204" pitchFamily="34" charset="0"/>
+                        </a:rPr>
+                        <a:t>0.76</a:t>
+                      </a:r>
+                    </a:p>
+                  </a:txBody>
+                  <a:tcPr marL="9525" marR="9525" marT="9525" marB="0" anchor="ctr"/>
+                </a:tc>
+                <a:tc>
+                  <a:txBody>
+                    <a:bodyPr/>
+                    <a:lstStyle/>
+                    <a:p>
+                      <a:pPr algn="ctr" fontAlgn="ctr"/>
+                      <a:r>
+                        <a:rPr lang="en-CA" sz="1100" b="0" i="0" u="none" strike="noStrike" dirty="0">
+                          <a:solidFill>
+                            <a:srgbClr val="000000"/>
+                          </a:solidFill>
+                          <a:effectLst/>
+                          <a:latin typeface="Calibri" panose="020F0502020204030204" pitchFamily="34" charset="0"/>
+                        </a:rPr>
+                        <a:t>0.90</a:t>
+                      </a:r>
+                    </a:p>
+                  </a:txBody>
+                  <a:tcPr marL="9525" marR="9525" marT="9525" marB="0" anchor="ctr"/>
+                </a:tc>
+                <a:extLst>
+                  <a:ext uri="{0D108BD9-81ED-4DB2-BD59-A6C34878D82A}">
+                    <a16:rowId xmlns:a16="http://schemas.microsoft.com/office/drawing/2014/main" val="3405348838"/>
+                  </a:ext>
+                </a:extLst>
+              </a:tr>
+            </a:tbl>
+          </a:graphicData>
+        </a:graphic>
+      </p:graphicFrame>
     </p:spTree>
     <p:extLst>
       <p:ext uri="{BB962C8B-B14F-4D97-AF65-F5344CB8AC3E}">
@@ -6245,7 +8205,7 @@
         </p:nvSpPr>
         <p:spPr>
           <a:xfrm>
-            <a:off x="222422" y="345989"/>
+            <a:off x="419651" y="362466"/>
             <a:ext cx="5833777" cy="523220"/>
           </a:xfrm>
           <a:prstGeom prst="rect">
@@ -6271,66 +8231,6 @@
           </a:p>
         </p:txBody>
       </p:sp>
-      <p:pic>
-        <p:nvPicPr>
-          <p:cNvPr id="5" name="Picture 4">
-            <a:extLst>
-              <a:ext uri="{FF2B5EF4-FFF2-40B4-BE49-F238E27FC236}">
-                <a16:creationId xmlns:a16="http://schemas.microsoft.com/office/drawing/2014/main" id="{B5DFF22F-D529-6FE2-7E0C-6AEFEF680B4F}"/>
-              </a:ext>
-            </a:extLst>
-          </p:cNvPr>
-          <p:cNvPicPr>
-            <a:picLocks noChangeAspect="1"/>
-          </p:cNvPicPr>
-          <p:nvPr/>
-        </p:nvPicPr>
-        <p:blipFill>
-          <a:blip r:embed="rId3"/>
-          <a:stretch>
-            <a:fillRect/>
-          </a:stretch>
-        </p:blipFill>
-        <p:spPr>
-          <a:xfrm>
-            <a:off x="523446" y="1837278"/>
-            <a:ext cx="5236519" cy="2133595"/>
-          </a:xfrm>
-          <a:prstGeom prst="rect">
-            <a:avLst/>
-          </a:prstGeom>
-        </p:spPr>
-      </p:pic>
-      <p:pic>
-        <p:nvPicPr>
-          <p:cNvPr id="10" name="Picture 9">
-            <a:extLst>
-              <a:ext uri="{FF2B5EF4-FFF2-40B4-BE49-F238E27FC236}">
-                <a16:creationId xmlns:a16="http://schemas.microsoft.com/office/drawing/2014/main" id="{57BD39A8-85A4-D3C8-0FA5-19CC34F42BE0}"/>
-              </a:ext>
-            </a:extLst>
-          </p:cNvPr>
-          <p:cNvPicPr>
-            <a:picLocks noChangeAspect="1"/>
-          </p:cNvPicPr>
-          <p:nvPr/>
-        </p:nvPicPr>
-        <p:blipFill>
-          <a:blip r:embed="rId4"/>
-          <a:stretch>
-            <a:fillRect/>
-          </a:stretch>
-        </p:blipFill>
-        <p:spPr>
-          <a:xfrm>
-            <a:off x="523446" y="4378415"/>
-            <a:ext cx="5173018" cy="2133596"/>
-          </a:xfrm>
-          <a:prstGeom prst="rect">
-            <a:avLst/>
-          </a:prstGeom>
-        </p:spPr>
-      </p:pic>
       <p:sp>
         <p:nvSpPr>
           <p:cNvPr id="11" name="TextBox 10">
@@ -6346,7 +8246,7 @@
         <p:spPr>
           <a:xfrm>
             <a:off x="419651" y="1464422"/>
-            <a:ext cx="4977901" cy="369332"/>
+            <a:ext cx="3597908" cy="646331"/>
           </a:xfrm>
           <a:prstGeom prst="rect">
             <a:avLst/>
@@ -6361,8 +8261,24 @@
           <a:p>
             <a:r>
               <a:rPr lang="en-GE" b="1" dirty="0"/>
-              <a:t>Top 5 stocks with highest gain and lowest variance</a:t>
-            </a:r>
+              <a:t>Top 5 stocks with highest</a:t>
+            </a:r>
+            <a:r>
+              <a:rPr lang="en-CA" b="1" dirty="0"/>
+              <a:t> price</a:t>
+            </a:r>
+            <a:r>
+              <a:rPr lang="en-GE" b="1" dirty="0"/>
+              <a:t> gain </a:t>
+            </a:r>
+            <a:endParaRPr lang="en-CA" b="1" dirty="0"/>
+          </a:p>
+          <a:p>
+            <a:r>
+              <a:rPr lang="en-CA" b="1" dirty="0"/>
+              <a:t>(ordered by Percentage Change)</a:t>
+            </a:r>
+            <a:endParaRPr lang="en-GE" b="1" dirty="0"/>
           </a:p>
         </p:txBody>
       </p:sp>
@@ -6380,8 +8296,8 @@
         </p:nvSpPr>
         <p:spPr>
           <a:xfrm>
-            <a:off x="419651" y="3989978"/>
-            <a:ext cx="3019224" cy="369332"/>
+            <a:off x="419651" y="4119282"/>
+            <a:ext cx="5092933" cy="369332"/>
           </a:xfrm>
           <a:prstGeom prst="rect">
             <a:avLst/>
@@ -6396,41 +8312,16 @@
           <a:p>
             <a:r>
               <a:rPr lang="en-GE" b="1" dirty="0"/>
-              <a:t>Top 5 stocks with highest gain</a:t>
-            </a:r>
-          </a:p>
-        </p:txBody>
-      </p:sp>
-      <p:pic>
-        <p:nvPicPr>
-          <p:cNvPr id="18" name="Picture 17">
-            <a:extLst>
-              <a:ext uri="{FF2B5EF4-FFF2-40B4-BE49-F238E27FC236}">
-                <a16:creationId xmlns:a16="http://schemas.microsoft.com/office/drawing/2014/main" id="{C7FB6460-74A6-8FD7-277F-9BEB15C8C1F8}"/>
-              </a:ext>
-            </a:extLst>
-          </p:cNvPr>
-          <p:cNvPicPr>
-            <a:picLocks noChangeAspect="1"/>
-          </p:cNvPicPr>
-          <p:nvPr/>
-        </p:nvPicPr>
-        <p:blipFill>
-          <a:blip r:embed="rId5"/>
-          <a:stretch>
-            <a:fillRect/>
-          </a:stretch>
-        </p:blipFill>
-        <p:spPr>
-          <a:xfrm>
-            <a:off x="5939047" y="3001321"/>
-            <a:ext cx="5628160" cy="2397211"/>
-          </a:xfrm>
-          <a:prstGeom prst="rect">
-            <a:avLst/>
-          </a:prstGeom>
-        </p:spPr>
-      </p:pic>
+              <a:t>Top 5 stocks with </a:t>
+            </a:r>
+            <a:r>
+              <a:rPr lang="en-CA" b="1" dirty="0"/>
+              <a:t>lowest variability (ordered by std)</a:t>
+            </a:r>
+            <a:endParaRPr lang="en-GE" b="1" dirty="0"/>
+          </a:p>
+        </p:txBody>
+      </p:sp>
       <p:sp>
         <p:nvSpPr>
           <p:cNvPr id="20" name="TextBox 19">
@@ -6446,7 +8337,7 @@
         <p:spPr>
           <a:xfrm>
             <a:off x="5863760" y="2631989"/>
-            <a:ext cx="4808752" cy="369332"/>
+            <a:ext cx="4519827" cy="646331"/>
           </a:xfrm>
           <a:prstGeom prst="rect">
             <a:avLst/>
@@ -6461,8 +8352,1933 @@
           <a:p>
             <a:r>
               <a:rPr lang="en-GE" b="1" dirty="0"/>
-              <a:t>Top 5 stocks with highest gains, highets volatility</a:t>
-            </a:r>
+              <a:t>Top 5 stocks with </a:t>
+            </a:r>
+            <a:r>
+              <a:rPr lang="en-CA" b="1" dirty="0"/>
+              <a:t>strong growth AND stability</a:t>
+            </a:r>
+          </a:p>
+          <a:p>
+            <a:r>
+              <a:rPr lang="en-CA" b="1" dirty="0"/>
+              <a:t>(ordered by R-squared)</a:t>
+            </a:r>
+            <a:endParaRPr lang="en-GE" b="1" dirty="0"/>
+          </a:p>
+        </p:txBody>
+      </p:sp>
+      <p:graphicFrame>
+        <p:nvGraphicFramePr>
+          <p:cNvPr id="3" name="Table 6">
+            <a:extLst>
+              <a:ext uri="{FF2B5EF4-FFF2-40B4-BE49-F238E27FC236}">
+                <a16:creationId xmlns:a16="http://schemas.microsoft.com/office/drawing/2014/main" id="{5FC56ED8-0E2A-8F2E-D5AD-7038E37AE50E}"/>
+              </a:ext>
+            </a:extLst>
+          </p:cNvPr>
+          <p:cNvGraphicFramePr>
+            <a:graphicFrameLocks noGrp="1"/>
+          </p:cNvGraphicFramePr>
+          <p:nvPr>
+            <p:extLst>
+              <p:ext uri="{D42A27DB-BD31-4B8C-83A1-F6EECF244321}">
+                <p14:modId xmlns:p14="http://schemas.microsoft.com/office/powerpoint/2010/main" val="3550808438"/>
+              </p:ext>
+            </p:extLst>
+          </p:nvPr>
+        </p:nvGraphicFramePr>
+        <p:xfrm>
+          <a:off x="419651" y="2171842"/>
+          <a:ext cx="4230320" cy="1787265"/>
+        </p:xfrm>
+        <a:graphic>
+          <a:graphicData uri="http://schemas.openxmlformats.org/drawingml/2006/table">
+            <a:tbl>
+              <a:tblPr firstRow="1" bandRow="1">
+                <a:tableStyleId>{9D7B26C5-4107-4FEC-AEDC-1716B250A1EF}</a:tableStyleId>
+              </a:tblPr>
+              <a:tblGrid>
+                <a:gridCol w="1057580">
+                  <a:extLst>
+                    <a:ext uri="{9D8B030D-6E8A-4147-A177-3AD203B41FA5}">
+                      <a16:colId xmlns:a16="http://schemas.microsoft.com/office/drawing/2014/main" val="3140704094"/>
+                    </a:ext>
+                  </a:extLst>
+                </a:gridCol>
+                <a:gridCol w="1057580">
+                  <a:extLst>
+                    <a:ext uri="{9D8B030D-6E8A-4147-A177-3AD203B41FA5}">
+                      <a16:colId xmlns:a16="http://schemas.microsoft.com/office/drawing/2014/main" val="2186383963"/>
+                    </a:ext>
+                  </a:extLst>
+                </a:gridCol>
+                <a:gridCol w="1057580">
+                  <a:extLst>
+                    <a:ext uri="{9D8B030D-6E8A-4147-A177-3AD203B41FA5}">
+                      <a16:colId xmlns:a16="http://schemas.microsoft.com/office/drawing/2014/main" val="3768227166"/>
+                    </a:ext>
+                  </a:extLst>
+                </a:gridCol>
+                <a:gridCol w="1057580">
+                  <a:extLst>
+                    <a:ext uri="{9D8B030D-6E8A-4147-A177-3AD203B41FA5}">
+                      <a16:colId xmlns:a16="http://schemas.microsoft.com/office/drawing/2014/main" val="3208948088"/>
+                    </a:ext>
+                  </a:extLst>
+                </a:gridCol>
+              </a:tblGrid>
+              <a:tr h="288492">
+                <a:tc>
+                  <a:txBody>
+                    <a:bodyPr/>
+                    <a:lstStyle/>
+                    <a:p>
+                      <a:pPr algn="ctr" fontAlgn="ctr"/>
+                      <a:r>
+                        <a:rPr lang="en-CA" sz="1100" b="1" i="0" u="none" strike="noStrike" dirty="0">
+                          <a:solidFill>
+                            <a:srgbClr val="000000"/>
+                          </a:solidFill>
+                          <a:effectLst/>
+                          <a:latin typeface="Calibri" panose="020F0502020204030204" pitchFamily="34" charset="0"/>
+                        </a:rPr>
+                        <a:t>Stock Name</a:t>
+                      </a:r>
+                    </a:p>
+                  </a:txBody>
+                  <a:tcPr marL="9525" marR="9525" marT="9525" marB="0" anchor="ctr"/>
+                </a:tc>
+                <a:tc>
+                  <a:txBody>
+                    <a:bodyPr/>
+                    <a:lstStyle/>
+                    <a:p>
+                      <a:pPr algn="ctr" fontAlgn="ctr"/>
+                      <a:r>
+                        <a:rPr lang="en-CA" sz="1100" b="1" i="0" u="none" strike="noStrike" dirty="0">
+                          <a:solidFill>
+                            <a:srgbClr val="000000"/>
+                          </a:solidFill>
+                          <a:effectLst/>
+                          <a:latin typeface="Calibri" panose="020F0502020204030204" pitchFamily="34" charset="0"/>
+                        </a:rPr>
+                        <a:t>Percentage Change</a:t>
+                      </a:r>
+                    </a:p>
+                  </a:txBody>
+                  <a:tcPr marL="9525" marR="9525" marT="9525" marB="0" anchor="ctr"/>
+                </a:tc>
+                <a:tc>
+                  <a:txBody>
+                    <a:bodyPr/>
+                    <a:lstStyle/>
+                    <a:p>
+                      <a:pPr algn="ctr" fontAlgn="ctr"/>
+                      <a:r>
+                        <a:rPr lang="en-CA" sz="1100" b="1" i="0" u="none" strike="noStrike" dirty="0">
+                          <a:solidFill>
+                            <a:srgbClr val="000000"/>
+                          </a:solidFill>
+                          <a:effectLst/>
+                          <a:latin typeface="Calibri" panose="020F0502020204030204" pitchFamily="34" charset="0"/>
+                        </a:rPr>
+                        <a:t>R-squared</a:t>
+                      </a:r>
+                    </a:p>
+                  </a:txBody>
+                  <a:tcPr marL="9525" marR="9525" marT="9525" marB="0" anchor="ctr"/>
+                </a:tc>
+                <a:tc>
+                  <a:txBody>
+                    <a:bodyPr/>
+                    <a:lstStyle/>
+                    <a:p>
+                      <a:pPr algn="ctr" fontAlgn="ctr"/>
+                      <a:r>
+                        <a:rPr lang="en-CA" sz="1100" b="1" i="0" u="none" strike="noStrike" dirty="0">
+                          <a:solidFill>
+                            <a:srgbClr val="000000"/>
+                          </a:solidFill>
+                          <a:effectLst/>
+                          <a:latin typeface="Calibri" panose="020F0502020204030204" pitchFamily="34" charset="0"/>
+                        </a:rPr>
+                        <a:t>std</a:t>
+                      </a:r>
+                    </a:p>
+                  </a:txBody>
+                  <a:tcPr marL="9525" marR="9525" marT="9525" marB="0" anchor="ctr"/>
+                </a:tc>
+                <a:extLst>
+                  <a:ext uri="{0D108BD9-81ED-4DB2-BD59-A6C34878D82A}">
+                    <a16:rowId xmlns:a16="http://schemas.microsoft.com/office/drawing/2014/main" val="1270107519"/>
+                  </a:ext>
+                </a:extLst>
+              </a:tr>
+              <a:tr h="288492">
+                <a:tc>
+                  <a:txBody>
+                    <a:bodyPr/>
+                    <a:lstStyle/>
+                    <a:p>
+                      <a:pPr algn="ctr" fontAlgn="ctr"/>
+                      <a:r>
+                        <a:rPr lang="en-CA" sz="1100" b="0" i="0" u="none" strike="noStrike">
+                          <a:solidFill>
+                            <a:srgbClr val="000000"/>
+                          </a:solidFill>
+                          <a:effectLst/>
+                          <a:latin typeface="Calibri" panose="020F0502020204030204" pitchFamily="34" charset="0"/>
+                        </a:rPr>
+                        <a:t>SCM</a:t>
+                      </a:r>
+                    </a:p>
+                  </a:txBody>
+                  <a:tcPr marL="9525" marR="9525" marT="9525" marB="0" anchor="ctr"/>
+                </a:tc>
+                <a:tc>
+                  <a:txBody>
+                    <a:bodyPr/>
+                    <a:lstStyle/>
+                    <a:p>
+                      <a:pPr algn="ctr" fontAlgn="ctr"/>
+                      <a:r>
+                        <a:rPr lang="en-CA" sz="1100" b="0" i="0" u="none" strike="noStrike">
+                          <a:solidFill>
+                            <a:srgbClr val="000000"/>
+                          </a:solidFill>
+                          <a:effectLst/>
+                          <a:latin typeface="Calibri" panose="020F0502020204030204" pitchFamily="34" charset="0"/>
+                        </a:rPr>
+                        <a:t>199.52</a:t>
+                      </a:r>
+                    </a:p>
+                  </a:txBody>
+                  <a:tcPr marL="9525" marR="9525" marT="9525" marB="0" anchor="ctr"/>
+                </a:tc>
+                <a:tc>
+                  <a:txBody>
+                    <a:bodyPr/>
+                    <a:lstStyle/>
+                    <a:p>
+                      <a:pPr algn="ctr" fontAlgn="ctr"/>
+                      <a:r>
+                        <a:rPr lang="en-CA" sz="1100" b="0" i="0" u="none" strike="noStrike">
+                          <a:solidFill>
+                            <a:srgbClr val="000000"/>
+                          </a:solidFill>
+                          <a:effectLst/>
+                          <a:latin typeface="Calibri" panose="020F0502020204030204" pitchFamily="34" charset="0"/>
+                        </a:rPr>
+                        <a:t>0.76</a:t>
+                      </a:r>
+                    </a:p>
+                  </a:txBody>
+                  <a:tcPr marL="9525" marR="9525" marT="9525" marB="0" anchor="ctr"/>
+                </a:tc>
+                <a:tc>
+                  <a:txBody>
+                    <a:bodyPr/>
+                    <a:lstStyle/>
+                    <a:p>
+                      <a:pPr algn="ctr" fontAlgn="ctr"/>
+                      <a:r>
+                        <a:rPr lang="en-CA" sz="1100" b="0" i="0" u="none" strike="noStrike">
+                          <a:solidFill>
+                            <a:srgbClr val="000000"/>
+                          </a:solidFill>
+                          <a:effectLst/>
+                          <a:latin typeface="Calibri" panose="020F0502020204030204" pitchFamily="34" charset="0"/>
+                        </a:rPr>
+                        <a:t>0.14</a:t>
+                      </a:r>
+                    </a:p>
+                  </a:txBody>
+                  <a:tcPr marL="9525" marR="9525" marT="9525" marB="0" anchor="ctr"/>
+                </a:tc>
+                <a:extLst>
+                  <a:ext uri="{0D108BD9-81ED-4DB2-BD59-A6C34878D82A}">
+                    <a16:rowId xmlns:a16="http://schemas.microsoft.com/office/drawing/2014/main" val="2479139878"/>
+                  </a:ext>
+                </a:extLst>
+              </a:tr>
+              <a:tr h="288492">
+                <a:tc>
+                  <a:txBody>
+                    <a:bodyPr/>
+                    <a:lstStyle/>
+                    <a:p>
+                      <a:pPr algn="ctr" fontAlgn="ctr"/>
+                      <a:r>
+                        <a:rPr lang="en-CA" sz="1100" b="0" i="0" u="none" strike="noStrike">
+                          <a:solidFill>
+                            <a:srgbClr val="000000"/>
+                          </a:solidFill>
+                          <a:effectLst/>
+                          <a:latin typeface="Calibri" panose="020F0502020204030204" pitchFamily="34" charset="0"/>
+                        </a:rPr>
+                        <a:t>LFUS</a:t>
+                      </a:r>
+                    </a:p>
+                  </a:txBody>
+                  <a:tcPr marL="9525" marR="9525" marT="9525" marB="0" anchor="ctr"/>
+                </a:tc>
+                <a:tc>
+                  <a:txBody>
+                    <a:bodyPr/>
+                    <a:lstStyle/>
+                    <a:p>
+                      <a:pPr algn="ctr" fontAlgn="ctr"/>
+                      <a:r>
+                        <a:rPr lang="en-CA" sz="1100" b="0" i="0" u="none" strike="noStrike">
+                          <a:solidFill>
+                            <a:srgbClr val="000000"/>
+                          </a:solidFill>
+                          <a:effectLst/>
+                          <a:latin typeface="Calibri" panose="020F0502020204030204" pitchFamily="34" charset="0"/>
+                        </a:rPr>
+                        <a:t>199.25</a:t>
+                      </a:r>
+                    </a:p>
+                  </a:txBody>
+                  <a:tcPr marL="9525" marR="9525" marT="9525" marB="0" anchor="ctr"/>
+                </a:tc>
+                <a:tc>
+                  <a:txBody>
+                    <a:bodyPr/>
+                    <a:lstStyle/>
+                    <a:p>
+                      <a:pPr algn="ctr" fontAlgn="ctr"/>
+                      <a:r>
+                        <a:rPr lang="en-CA" sz="1100" b="0" i="0" u="none" strike="noStrike">
+                          <a:solidFill>
+                            <a:srgbClr val="000000"/>
+                          </a:solidFill>
+                          <a:effectLst/>
+                          <a:latin typeface="Calibri" panose="020F0502020204030204" pitchFamily="34" charset="0"/>
+                        </a:rPr>
+                        <a:t>0.75</a:t>
+                      </a:r>
+                    </a:p>
+                  </a:txBody>
+                  <a:tcPr marL="9525" marR="9525" marT="9525" marB="0" anchor="ctr"/>
+                </a:tc>
+                <a:tc>
+                  <a:txBody>
+                    <a:bodyPr/>
+                    <a:lstStyle/>
+                    <a:p>
+                      <a:pPr algn="ctr" fontAlgn="ctr"/>
+                      <a:r>
+                        <a:rPr lang="en-CA" sz="1100" b="0" i="0" u="none" strike="noStrike">
+                          <a:solidFill>
+                            <a:srgbClr val="000000"/>
+                          </a:solidFill>
+                          <a:effectLst/>
+                          <a:latin typeface="Calibri" panose="020F0502020204030204" pitchFamily="34" charset="0"/>
+                        </a:rPr>
+                        <a:t>3.28</a:t>
+                      </a:r>
+                    </a:p>
+                  </a:txBody>
+                  <a:tcPr marL="9525" marR="9525" marT="9525" marB="0" anchor="ctr"/>
+                </a:tc>
+                <a:extLst>
+                  <a:ext uri="{0D108BD9-81ED-4DB2-BD59-A6C34878D82A}">
+                    <a16:rowId xmlns:a16="http://schemas.microsoft.com/office/drawing/2014/main" val="2010281476"/>
+                  </a:ext>
+                </a:extLst>
+              </a:tr>
+              <a:tr h="288492">
+                <a:tc>
+                  <a:txBody>
+                    <a:bodyPr/>
+                    <a:lstStyle/>
+                    <a:p>
+                      <a:pPr algn="ctr" fontAlgn="ctr"/>
+                      <a:r>
+                        <a:rPr lang="en-CA" sz="1100" b="0" i="0" u="none" strike="noStrike">
+                          <a:solidFill>
+                            <a:srgbClr val="000000"/>
+                          </a:solidFill>
+                          <a:effectLst/>
+                          <a:latin typeface="Calibri" panose="020F0502020204030204" pitchFamily="34" charset="0"/>
+                        </a:rPr>
+                        <a:t>DRS</a:t>
+                      </a:r>
+                    </a:p>
+                  </a:txBody>
+                  <a:tcPr marL="9525" marR="9525" marT="9525" marB="0" anchor="ctr"/>
+                </a:tc>
+                <a:tc>
+                  <a:txBody>
+                    <a:bodyPr/>
+                    <a:lstStyle/>
+                    <a:p>
+                      <a:pPr algn="ctr" fontAlgn="ctr"/>
+                      <a:r>
+                        <a:rPr lang="en-CA" sz="1100" b="0" i="0" u="none" strike="noStrike">
+                          <a:solidFill>
+                            <a:srgbClr val="000000"/>
+                          </a:solidFill>
+                          <a:effectLst/>
+                          <a:latin typeface="Calibri" panose="020F0502020204030204" pitchFamily="34" charset="0"/>
+                        </a:rPr>
+                        <a:t>199.20</a:t>
+                      </a:r>
+                    </a:p>
+                  </a:txBody>
+                  <a:tcPr marL="9525" marR="9525" marT="9525" marB="0" anchor="ctr"/>
+                </a:tc>
+                <a:tc>
+                  <a:txBody>
+                    <a:bodyPr/>
+                    <a:lstStyle/>
+                    <a:p>
+                      <a:pPr algn="ctr" fontAlgn="ctr"/>
+                      <a:r>
+                        <a:rPr lang="en-CA" sz="1100" b="0" i="0" u="none" strike="noStrike">
+                          <a:solidFill>
+                            <a:srgbClr val="000000"/>
+                          </a:solidFill>
+                          <a:effectLst/>
+                          <a:latin typeface="Calibri" panose="020F0502020204030204" pitchFamily="34" charset="0"/>
+                        </a:rPr>
+                        <a:t>0.72</a:t>
+                      </a:r>
+                    </a:p>
+                  </a:txBody>
+                  <a:tcPr marL="9525" marR="9525" marT="9525" marB="0" anchor="ctr"/>
+                </a:tc>
+                <a:tc>
+                  <a:txBody>
+                    <a:bodyPr/>
+                    <a:lstStyle/>
+                    <a:p>
+                      <a:pPr algn="ctr" fontAlgn="ctr"/>
+                      <a:r>
+                        <a:rPr lang="en-CA" sz="1100" b="0" i="0" u="none" strike="noStrike">
+                          <a:solidFill>
+                            <a:srgbClr val="000000"/>
+                          </a:solidFill>
+                          <a:effectLst/>
+                          <a:latin typeface="Calibri" panose="020F0502020204030204" pitchFamily="34" charset="0"/>
+                        </a:rPr>
+                        <a:t>0.22</a:t>
+                      </a:r>
+                    </a:p>
+                  </a:txBody>
+                  <a:tcPr marL="9525" marR="9525" marT="9525" marB="0" anchor="ctr"/>
+                </a:tc>
+                <a:extLst>
+                  <a:ext uri="{0D108BD9-81ED-4DB2-BD59-A6C34878D82A}">
+                    <a16:rowId xmlns:a16="http://schemas.microsoft.com/office/drawing/2014/main" val="3866964010"/>
+                  </a:ext>
+                </a:extLst>
+              </a:tr>
+              <a:tr h="288492">
+                <a:tc>
+                  <a:txBody>
+                    <a:bodyPr/>
+                    <a:lstStyle/>
+                    <a:p>
+                      <a:pPr algn="ctr" fontAlgn="ctr"/>
+                      <a:r>
+                        <a:rPr lang="en-CA" sz="1100" b="0" i="0" u="none" strike="noStrike">
+                          <a:solidFill>
+                            <a:srgbClr val="000000"/>
+                          </a:solidFill>
+                          <a:effectLst/>
+                          <a:latin typeface="Calibri" panose="020F0502020204030204" pitchFamily="34" charset="0"/>
+                        </a:rPr>
+                        <a:t>INFU</a:t>
+                      </a:r>
+                    </a:p>
+                  </a:txBody>
+                  <a:tcPr marL="9525" marR="9525" marT="9525" marB="0" anchor="ctr"/>
+                </a:tc>
+                <a:tc>
+                  <a:txBody>
+                    <a:bodyPr/>
+                    <a:lstStyle/>
+                    <a:p>
+                      <a:pPr algn="ctr" fontAlgn="ctr"/>
+                      <a:r>
+                        <a:rPr lang="en-CA" sz="1100" b="0" i="0" u="none" strike="noStrike">
+                          <a:solidFill>
+                            <a:srgbClr val="000000"/>
+                          </a:solidFill>
+                          <a:effectLst/>
+                          <a:latin typeface="Calibri" panose="020F0502020204030204" pitchFamily="34" charset="0"/>
+                        </a:rPr>
+                        <a:t>198.63</a:t>
+                      </a:r>
+                    </a:p>
+                  </a:txBody>
+                  <a:tcPr marL="9525" marR="9525" marT="9525" marB="0" anchor="ctr"/>
+                </a:tc>
+                <a:tc>
+                  <a:txBody>
+                    <a:bodyPr/>
+                    <a:lstStyle/>
+                    <a:p>
+                      <a:pPr algn="ctr" fontAlgn="ctr"/>
+                      <a:r>
+                        <a:rPr lang="en-CA" sz="1100" b="0" i="0" u="none" strike="noStrike">
+                          <a:solidFill>
+                            <a:srgbClr val="000000"/>
+                          </a:solidFill>
+                          <a:effectLst/>
+                          <a:latin typeface="Calibri" panose="020F0502020204030204" pitchFamily="34" charset="0"/>
+                        </a:rPr>
+                        <a:t>0.52</a:t>
+                      </a:r>
+                    </a:p>
+                  </a:txBody>
+                  <a:tcPr marL="9525" marR="9525" marT="9525" marB="0" anchor="ctr"/>
+                </a:tc>
+                <a:tc>
+                  <a:txBody>
+                    <a:bodyPr/>
+                    <a:lstStyle/>
+                    <a:p>
+                      <a:pPr algn="ctr" fontAlgn="ctr"/>
+                      <a:r>
+                        <a:rPr lang="en-CA" sz="1100" b="0" i="0" u="none" strike="noStrike">
+                          <a:solidFill>
+                            <a:srgbClr val="000000"/>
+                          </a:solidFill>
+                          <a:effectLst/>
+                          <a:latin typeface="Calibri" panose="020F0502020204030204" pitchFamily="34" charset="0"/>
+                        </a:rPr>
+                        <a:t>0.28</a:t>
+                      </a:r>
+                    </a:p>
+                  </a:txBody>
+                  <a:tcPr marL="9525" marR="9525" marT="9525" marB="0" anchor="ctr"/>
+                </a:tc>
+                <a:extLst>
+                  <a:ext uri="{0D108BD9-81ED-4DB2-BD59-A6C34878D82A}">
+                    <a16:rowId xmlns:a16="http://schemas.microsoft.com/office/drawing/2014/main" val="2112349899"/>
+                  </a:ext>
+                </a:extLst>
+              </a:tr>
+              <a:tr h="288492">
+                <a:tc>
+                  <a:txBody>
+                    <a:bodyPr/>
+                    <a:lstStyle/>
+                    <a:p>
+                      <a:pPr algn="ctr" fontAlgn="ctr"/>
+                      <a:r>
+                        <a:rPr lang="en-CA" sz="1100" b="0" i="0" u="none" strike="noStrike">
+                          <a:solidFill>
+                            <a:srgbClr val="000000"/>
+                          </a:solidFill>
+                          <a:effectLst/>
+                          <a:latin typeface="Calibri" panose="020F0502020204030204" pitchFamily="34" charset="0"/>
+                        </a:rPr>
+                        <a:t>TRUP</a:t>
+                      </a:r>
+                    </a:p>
+                  </a:txBody>
+                  <a:tcPr marL="9525" marR="9525" marT="9525" marB="0" anchor="ctr"/>
+                </a:tc>
+                <a:tc>
+                  <a:txBody>
+                    <a:bodyPr/>
+                    <a:lstStyle/>
+                    <a:p>
+                      <a:pPr algn="ctr" fontAlgn="ctr"/>
+                      <a:r>
+                        <a:rPr lang="en-CA" sz="1100" b="0" i="0" u="none" strike="noStrike">
+                          <a:solidFill>
+                            <a:srgbClr val="000000"/>
+                          </a:solidFill>
+                          <a:effectLst/>
+                          <a:latin typeface="Calibri" panose="020F0502020204030204" pitchFamily="34" charset="0"/>
+                        </a:rPr>
+                        <a:t>198.33</a:t>
+                      </a:r>
+                    </a:p>
+                  </a:txBody>
+                  <a:tcPr marL="9525" marR="9525" marT="9525" marB="0" anchor="ctr"/>
+                </a:tc>
+                <a:tc>
+                  <a:txBody>
+                    <a:bodyPr/>
+                    <a:lstStyle/>
+                    <a:p>
+                      <a:pPr algn="ctr" fontAlgn="ctr"/>
+                      <a:r>
+                        <a:rPr lang="en-CA" sz="1100" b="0" i="0" u="none" strike="noStrike">
+                          <a:solidFill>
+                            <a:srgbClr val="000000"/>
+                          </a:solidFill>
+                          <a:effectLst/>
+                          <a:latin typeface="Calibri" panose="020F0502020204030204" pitchFamily="34" charset="0"/>
+                        </a:rPr>
+                        <a:t>0.59</a:t>
+                      </a:r>
+                    </a:p>
+                  </a:txBody>
+                  <a:tcPr marL="9525" marR="9525" marT="9525" marB="0" anchor="ctr"/>
+                </a:tc>
+                <a:tc>
+                  <a:txBody>
+                    <a:bodyPr/>
+                    <a:lstStyle/>
+                    <a:p>
+                      <a:pPr algn="ctr" fontAlgn="ctr"/>
+                      <a:r>
+                        <a:rPr lang="en-CA" sz="1100" b="0" i="0" u="none" strike="noStrike" dirty="0">
+                          <a:solidFill>
+                            <a:srgbClr val="000000"/>
+                          </a:solidFill>
+                          <a:effectLst/>
+                          <a:latin typeface="Calibri" panose="020F0502020204030204" pitchFamily="34" charset="0"/>
+                        </a:rPr>
+                        <a:t>2.10</a:t>
+                      </a:r>
+                    </a:p>
+                  </a:txBody>
+                  <a:tcPr marL="9525" marR="9525" marT="9525" marB="0" anchor="ctr"/>
+                </a:tc>
+                <a:extLst>
+                  <a:ext uri="{0D108BD9-81ED-4DB2-BD59-A6C34878D82A}">
+                    <a16:rowId xmlns:a16="http://schemas.microsoft.com/office/drawing/2014/main" val="1041500183"/>
+                  </a:ext>
+                </a:extLst>
+              </a:tr>
+            </a:tbl>
+          </a:graphicData>
+        </a:graphic>
+      </p:graphicFrame>
+      <p:sp>
+        <p:nvSpPr>
+          <p:cNvPr id="7" name="Rectangle 6">
+            <a:extLst>
+              <a:ext uri="{FF2B5EF4-FFF2-40B4-BE49-F238E27FC236}">
+                <a16:creationId xmlns:a16="http://schemas.microsoft.com/office/drawing/2014/main" id="{DBE3B5F6-A0CA-3B25-F145-C807682EB9E6}"/>
+              </a:ext>
+            </a:extLst>
+          </p:cNvPr>
+          <p:cNvSpPr/>
+          <p:nvPr/>
+        </p:nvSpPr>
+        <p:spPr>
+          <a:xfrm>
+            <a:off x="1588655" y="2171842"/>
+            <a:ext cx="785090" cy="1787265"/>
+          </a:xfrm>
+          <a:prstGeom prst="rect">
+            <a:avLst/>
+          </a:prstGeom>
+          <a:noFill/>
+          <a:ln>
+            <a:solidFill>
+              <a:schemeClr val="accent1"/>
+            </a:solidFill>
+          </a:ln>
+        </p:spPr>
+        <p:style>
+          <a:lnRef idx="2">
+            <a:schemeClr val="accent1">
+              <a:shade val="15000"/>
+            </a:schemeClr>
+          </a:lnRef>
+          <a:fillRef idx="1">
+            <a:schemeClr val="accent1"/>
+          </a:fillRef>
+          <a:effectRef idx="0">
+            <a:schemeClr val="accent1"/>
+          </a:effectRef>
+          <a:fontRef idx="minor">
+            <a:schemeClr val="lt1"/>
+          </a:fontRef>
+        </p:style>
+        <p:txBody>
+          <a:bodyPr rtlCol="0" anchor="ctr"/>
+          <a:lstStyle/>
+          <a:p>
+            <a:pPr algn="ctr"/>
+            <a:endParaRPr lang="en-CA"/>
+          </a:p>
+        </p:txBody>
+      </p:sp>
+      <p:graphicFrame>
+        <p:nvGraphicFramePr>
+          <p:cNvPr id="9" name="Table 6">
+            <a:extLst>
+              <a:ext uri="{FF2B5EF4-FFF2-40B4-BE49-F238E27FC236}">
+                <a16:creationId xmlns:a16="http://schemas.microsoft.com/office/drawing/2014/main" id="{221DEDD5-0C91-6820-CA9F-B75350A81E95}"/>
+              </a:ext>
+            </a:extLst>
+          </p:cNvPr>
+          <p:cNvGraphicFramePr>
+            <a:graphicFrameLocks noGrp="1"/>
+          </p:cNvGraphicFramePr>
+          <p:nvPr>
+            <p:extLst>
+              <p:ext uri="{D42A27DB-BD31-4B8C-83A1-F6EECF244321}">
+                <p14:modId xmlns:p14="http://schemas.microsoft.com/office/powerpoint/2010/main" val="2706899986"/>
+              </p:ext>
+            </p:extLst>
+          </p:nvPr>
+        </p:nvGraphicFramePr>
+        <p:xfrm>
+          <a:off x="419651" y="4499945"/>
+          <a:ext cx="4230320" cy="1787265"/>
+        </p:xfrm>
+        <a:graphic>
+          <a:graphicData uri="http://schemas.openxmlformats.org/drawingml/2006/table">
+            <a:tbl>
+              <a:tblPr firstRow="1" bandRow="1">
+                <a:tableStyleId>{9D7B26C5-4107-4FEC-AEDC-1716B250A1EF}</a:tableStyleId>
+              </a:tblPr>
+              <a:tblGrid>
+                <a:gridCol w="1057580">
+                  <a:extLst>
+                    <a:ext uri="{9D8B030D-6E8A-4147-A177-3AD203B41FA5}">
+                      <a16:colId xmlns:a16="http://schemas.microsoft.com/office/drawing/2014/main" val="3140704094"/>
+                    </a:ext>
+                  </a:extLst>
+                </a:gridCol>
+                <a:gridCol w="1057580">
+                  <a:extLst>
+                    <a:ext uri="{9D8B030D-6E8A-4147-A177-3AD203B41FA5}">
+                      <a16:colId xmlns:a16="http://schemas.microsoft.com/office/drawing/2014/main" val="2186383963"/>
+                    </a:ext>
+                  </a:extLst>
+                </a:gridCol>
+                <a:gridCol w="1057580">
+                  <a:extLst>
+                    <a:ext uri="{9D8B030D-6E8A-4147-A177-3AD203B41FA5}">
+                      <a16:colId xmlns:a16="http://schemas.microsoft.com/office/drawing/2014/main" val="3768227166"/>
+                    </a:ext>
+                  </a:extLst>
+                </a:gridCol>
+                <a:gridCol w="1057580">
+                  <a:extLst>
+                    <a:ext uri="{9D8B030D-6E8A-4147-A177-3AD203B41FA5}">
+                      <a16:colId xmlns:a16="http://schemas.microsoft.com/office/drawing/2014/main" val="3208948088"/>
+                    </a:ext>
+                  </a:extLst>
+                </a:gridCol>
+              </a:tblGrid>
+              <a:tr h="288492">
+                <a:tc>
+                  <a:txBody>
+                    <a:bodyPr/>
+                    <a:lstStyle/>
+                    <a:p>
+                      <a:pPr algn="ctr" fontAlgn="ctr"/>
+                      <a:r>
+                        <a:rPr lang="en-CA" sz="1100" b="1" i="0" u="none" strike="noStrike" dirty="0">
+                          <a:solidFill>
+                            <a:srgbClr val="000000"/>
+                          </a:solidFill>
+                          <a:effectLst/>
+                          <a:latin typeface="Calibri" panose="020F0502020204030204" pitchFamily="34" charset="0"/>
+                        </a:rPr>
+                        <a:t>Stock Name</a:t>
+                      </a:r>
+                    </a:p>
+                  </a:txBody>
+                  <a:tcPr marL="9525" marR="9525" marT="9525" marB="0" anchor="ctr"/>
+                </a:tc>
+                <a:tc>
+                  <a:txBody>
+                    <a:bodyPr/>
+                    <a:lstStyle/>
+                    <a:p>
+                      <a:pPr algn="ctr" fontAlgn="ctr"/>
+                      <a:r>
+                        <a:rPr lang="en-CA" sz="1100" b="1" i="0" u="none" strike="noStrike" dirty="0">
+                          <a:solidFill>
+                            <a:srgbClr val="000000"/>
+                          </a:solidFill>
+                          <a:effectLst/>
+                          <a:latin typeface="Calibri" panose="020F0502020204030204" pitchFamily="34" charset="0"/>
+                        </a:rPr>
+                        <a:t>Percentage Change</a:t>
+                      </a:r>
+                    </a:p>
+                  </a:txBody>
+                  <a:tcPr marL="9525" marR="9525" marT="9525" marB="0" anchor="ctr"/>
+                </a:tc>
+                <a:tc>
+                  <a:txBody>
+                    <a:bodyPr/>
+                    <a:lstStyle/>
+                    <a:p>
+                      <a:pPr algn="ctr" fontAlgn="ctr"/>
+                      <a:r>
+                        <a:rPr lang="en-CA" sz="1100" b="1" i="0" u="none" strike="noStrike" dirty="0">
+                          <a:solidFill>
+                            <a:srgbClr val="000000"/>
+                          </a:solidFill>
+                          <a:effectLst/>
+                          <a:latin typeface="Calibri" panose="020F0502020204030204" pitchFamily="34" charset="0"/>
+                        </a:rPr>
+                        <a:t>R-squared</a:t>
+                      </a:r>
+                    </a:p>
+                  </a:txBody>
+                  <a:tcPr marL="9525" marR="9525" marT="9525" marB="0" anchor="ctr"/>
+                </a:tc>
+                <a:tc>
+                  <a:txBody>
+                    <a:bodyPr/>
+                    <a:lstStyle/>
+                    <a:p>
+                      <a:pPr algn="ctr" fontAlgn="ctr"/>
+                      <a:r>
+                        <a:rPr lang="en-CA" sz="1100" b="1" i="0" u="none" strike="noStrike" dirty="0">
+                          <a:solidFill>
+                            <a:srgbClr val="000000"/>
+                          </a:solidFill>
+                          <a:effectLst/>
+                          <a:latin typeface="Calibri" panose="020F0502020204030204" pitchFamily="34" charset="0"/>
+                        </a:rPr>
+                        <a:t>std</a:t>
+                      </a:r>
+                    </a:p>
+                  </a:txBody>
+                  <a:tcPr marL="9525" marR="9525" marT="9525" marB="0" anchor="ctr"/>
+                </a:tc>
+                <a:extLst>
+                  <a:ext uri="{0D108BD9-81ED-4DB2-BD59-A6C34878D82A}">
+                    <a16:rowId xmlns:a16="http://schemas.microsoft.com/office/drawing/2014/main" val="1270107519"/>
+                  </a:ext>
+                </a:extLst>
+              </a:tr>
+              <a:tr h="288492">
+                <a:tc>
+                  <a:txBody>
+                    <a:bodyPr/>
+                    <a:lstStyle/>
+                    <a:p>
+                      <a:pPr algn="ctr" fontAlgn="ctr"/>
+                      <a:r>
+                        <a:rPr lang="en-CA" sz="1100" b="0" i="0" u="none" strike="noStrike">
+                          <a:solidFill>
+                            <a:srgbClr val="000000"/>
+                          </a:solidFill>
+                          <a:effectLst/>
+                          <a:latin typeface="Calibri" panose="020F0502020204030204" pitchFamily="34" charset="0"/>
+                        </a:rPr>
+                        <a:t>SCM</a:t>
+                      </a:r>
+                    </a:p>
+                  </a:txBody>
+                  <a:tcPr marL="9525" marR="9525" marT="9525" marB="0" anchor="ctr"/>
+                </a:tc>
+                <a:tc>
+                  <a:txBody>
+                    <a:bodyPr/>
+                    <a:lstStyle/>
+                    <a:p>
+                      <a:pPr algn="ctr" fontAlgn="ctr"/>
+                      <a:r>
+                        <a:rPr lang="en-CA" sz="1100" b="0" i="0" u="none" strike="noStrike">
+                          <a:solidFill>
+                            <a:srgbClr val="000000"/>
+                          </a:solidFill>
+                          <a:effectLst/>
+                          <a:latin typeface="Calibri" panose="020F0502020204030204" pitchFamily="34" charset="0"/>
+                        </a:rPr>
+                        <a:t>199.52</a:t>
+                      </a:r>
+                    </a:p>
+                  </a:txBody>
+                  <a:tcPr marL="9525" marR="9525" marT="9525" marB="0" anchor="ctr"/>
+                </a:tc>
+                <a:tc>
+                  <a:txBody>
+                    <a:bodyPr/>
+                    <a:lstStyle/>
+                    <a:p>
+                      <a:pPr algn="ctr" fontAlgn="ctr"/>
+                      <a:r>
+                        <a:rPr lang="en-CA" sz="1100" b="0" i="0" u="none" strike="noStrike">
+                          <a:solidFill>
+                            <a:srgbClr val="000000"/>
+                          </a:solidFill>
+                          <a:effectLst/>
+                          <a:latin typeface="Calibri" panose="020F0502020204030204" pitchFamily="34" charset="0"/>
+                        </a:rPr>
+                        <a:t>0.76</a:t>
+                      </a:r>
+                    </a:p>
+                  </a:txBody>
+                  <a:tcPr marL="9525" marR="9525" marT="9525" marB="0" anchor="ctr"/>
+                </a:tc>
+                <a:tc>
+                  <a:txBody>
+                    <a:bodyPr/>
+                    <a:lstStyle/>
+                    <a:p>
+                      <a:pPr algn="ctr" fontAlgn="ctr"/>
+                      <a:r>
+                        <a:rPr lang="en-CA" sz="1100" b="0" i="0" u="none" strike="noStrike">
+                          <a:solidFill>
+                            <a:srgbClr val="000000"/>
+                          </a:solidFill>
+                          <a:effectLst/>
+                          <a:latin typeface="Calibri" panose="020F0502020204030204" pitchFamily="34" charset="0"/>
+                        </a:rPr>
+                        <a:t>0.14</a:t>
+                      </a:r>
+                    </a:p>
+                  </a:txBody>
+                  <a:tcPr marL="9525" marR="9525" marT="9525" marB="0" anchor="ctr"/>
+                </a:tc>
+                <a:extLst>
+                  <a:ext uri="{0D108BD9-81ED-4DB2-BD59-A6C34878D82A}">
+                    <a16:rowId xmlns:a16="http://schemas.microsoft.com/office/drawing/2014/main" val="2479139878"/>
+                  </a:ext>
+                </a:extLst>
+              </a:tr>
+              <a:tr h="288492">
+                <a:tc>
+                  <a:txBody>
+                    <a:bodyPr/>
+                    <a:lstStyle/>
+                    <a:p>
+                      <a:pPr algn="ctr" fontAlgn="ctr"/>
+                      <a:r>
+                        <a:rPr lang="en-CA" sz="1100" b="0" i="0" u="none" strike="noStrike">
+                          <a:solidFill>
+                            <a:srgbClr val="000000"/>
+                          </a:solidFill>
+                          <a:effectLst/>
+                          <a:latin typeface="Calibri" panose="020F0502020204030204" pitchFamily="34" charset="0"/>
+                        </a:rPr>
+                        <a:t>IRT</a:t>
+                      </a:r>
+                    </a:p>
+                  </a:txBody>
+                  <a:tcPr marL="9525" marR="9525" marT="9525" marB="0" anchor="ctr"/>
+                </a:tc>
+                <a:tc>
+                  <a:txBody>
+                    <a:bodyPr/>
+                    <a:lstStyle/>
+                    <a:p>
+                      <a:pPr algn="ctr" fontAlgn="ctr"/>
+                      <a:r>
+                        <a:rPr lang="en-CA" sz="1100" b="0" i="0" u="none" strike="noStrike">
+                          <a:solidFill>
+                            <a:srgbClr val="000000"/>
+                          </a:solidFill>
+                          <a:effectLst/>
+                          <a:latin typeface="Calibri" panose="020F0502020204030204" pitchFamily="34" charset="0"/>
+                        </a:rPr>
+                        <a:t>197.69</a:t>
+                      </a:r>
+                    </a:p>
+                  </a:txBody>
+                  <a:tcPr marL="9525" marR="9525" marT="9525" marB="0" anchor="ctr"/>
+                </a:tc>
+                <a:tc>
+                  <a:txBody>
+                    <a:bodyPr/>
+                    <a:lstStyle/>
+                    <a:p>
+                      <a:pPr algn="ctr" fontAlgn="ctr"/>
+                      <a:r>
+                        <a:rPr lang="en-CA" sz="1100" b="0" i="0" u="none" strike="noStrike">
+                          <a:solidFill>
+                            <a:srgbClr val="000000"/>
+                          </a:solidFill>
+                          <a:effectLst/>
+                          <a:latin typeface="Calibri" panose="020F0502020204030204" pitchFamily="34" charset="0"/>
+                        </a:rPr>
+                        <a:t>0.78</a:t>
+                      </a:r>
+                    </a:p>
+                  </a:txBody>
+                  <a:tcPr marL="9525" marR="9525" marT="9525" marB="0" anchor="ctr"/>
+                </a:tc>
+                <a:tc>
+                  <a:txBody>
+                    <a:bodyPr/>
+                    <a:lstStyle/>
+                    <a:p>
+                      <a:pPr algn="ctr" fontAlgn="ctr"/>
+                      <a:r>
+                        <a:rPr lang="en-CA" sz="1100" b="0" i="0" u="none" strike="noStrike">
+                          <a:solidFill>
+                            <a:srgbClr val="000000"/>
+                          </a:solidFill>
+                          <a:effectLst/>
+                          <a:latin typeface="Calibri" panose="020F0502020204030204" pitchFamily="34" charset="0"/>
+                        </a:rPr>
+                        <a:t>0.21</a:t>
+                      </a:r>
+                    </a:p>
+                  </a:txBody>
+                  <a:tcPr marL="9525" marR="9525" marT="9525" marB="0" anchor="ctr"/>
+                </a:tc>
+                <a:extLst>
+                  <a:ext uri="{0D108BD9-81ED-4DB2-BD59-A6C34878D82A}">
+                    <a16:rowId xmlns:a16="http://schemas.microsoft.com/office/drawing/2014/main" val="2010281476"/>
+                  </a:ext>
+                </a:extLst>
+              </a:tr>
+              <a:tr h="288492">
+                <a:tc>
+                  <a:txBody>
+                    <a:bodyPr/>
+                    <a:lstStyle/>
+                    <a:p>
+                      <a:pPr algn="ctr" fontAlgn="ctr"/>
+                      <a:r>
+                        <a:rPr lang="en-CA" sz="1100" b="0" i="0" u="none" strike="noStrike">
+                          <a:solidFill>
+                            <a:srgbClr val="000000"/>
+                          </a:solidFill>
+                          <a:effectLst/>
+                          <a:latin typeface="Calibri" panose="020F0502020204030204" pitchFamily="34" charset="0"/>
+                        </a:rPr>
+                        <a:t>DRS</a:t>
+                      </a:r>
+                    </a:p>
+                  </a:txBody>
+                  <a:tcPr marL="9525" marR="9525" marT="9525" marB="0" anchor="ctr"/>
+                </a:tc>
+                <a:tc>
+                  <a:txBody>
+                    <a:bodyPr/>
+                    <a:lstStyle/>
+                    <a:p>
+                      <a:pPr algn="ctr" fontAlgn="ctr"/>
+                      <a:r>
+                        <a:rPr lang="en-CA" sz="1100" b="0" i="0" u="none" strike="noStrike">
+                          <a:solidFill>
+                            <a:srgbClr val="000000"/>
+                          </a:solidFill>
+                          <a:effectLst/>
+                          <a:latin typeface="Calibri" panose="020F0502020204030204" pitchFamily="34" charset="0"/>
+                        </a:rPr>
+                        <a:t>199.20</a:t>
+                      </a:r>
+                    </a:p>
+                  </a:txBody>
+                  <a:tcPr marL="9525" marR="9525" marT="9525" marB="0" anchor="ctr"/>
+                </a:tc>
+                <a:tc>
+                  <a:txBody>
+                    <a:bodyPr/>
+                    <a:lstStyle/>
+                    <a:p>
+                      <a:pPr algn="ctr" fontAlgn="ctr"/>
+                      <a:r>
+                        <a:rPr lang="en-CA" sz="1100" b="0" i="0" u="none" strike="noStrike">
+                          <a:solidFill>
+                            <a:srgbClr val="000000"/>
+                          </a:solidFill>
+                          <a:effectLst/>
+                          <a:latin typeface="Calibri" panose="020F0502020204030204" pitchFamily="34" charset="0"/>
+                        </a:rPr>
+                        <a:t>0.72</a:t>
+                      </a:r>
+                    </a:p>
+                  </a:txBody>
+                  <a:tcPr marL="9525" marR="9525" marT="9525" marB="0" anchor="ctr"/>
+                </a:tc>
+                <a:tc>
+                  <a:txBody>
+                    <a:bodyPr/>
+                    <a:lstStyle/>
+                    <a:p>
+                      <a:pPr algn="ctr" fontAlgn="ctr"/>
+                      <a:r>
+                        <a:rPr lang="en-CA" sz="1100" b="0" i="0" u="none" strike="noStrike">
+                          <a:solidFill>
+                            <a:srgbClr val="000000"/>
+                          </a:solidFill>
+                          <a:effectLst/>
+                          <a:latin typeface="Calibri" panose="020F0502020204030204" pitchFamily="34" charset="0"/>
+                        </a:rPr>
+                        <a:t>0.22</a:t>
+                      </a:r>
+                    </a:p>
+                  </a:txBody>
+                  <a:tcPr marL="9525" marR="9525" marT="9525" marB="0" anchor="ctr"/>
+                </a:tc>
+                <a:extLst>
+                  <a:ext uri="{0D108BD9-81ED-4DB2-BD59-A6C34878D82A}">
+                    <a16:rowId xmlns:a16="http://schemas.microsoft.com/office/drawing/2014/main" val="3866964010"/>
+                  </a:ext>
+                </a:extLst>
+              </a:tr>
+              <a:tr h="288492">
+                <a:tc>
+                  <a:txBody>
+                    <a:bodyPr/>
+                    <a:lstStyle/>
+                    <a:p>
+                      <a:pPr algn="ctr" fontAlgn="ctr"/>
+                      <a:r>
+                        <a:rPr lang="en-CA" sz="1100" b="0" i="0" u="none" strike="noStrike">
+                          <a:solidFill>
+                            <a:srgbClr val="000000"/>
+                          </a:solidFill>
+                          <a:effectLst/>
+                          <a:latin typeface="Calibri" panose="020F0502020204030204" pitchFamily="34" charset="0"/>
+                        </a:rPr>
+                        <a:t>INFU</a:t>
+                      </a:r>
+                    </a:p>
+                  </a:txBody>
+                  <a:tcPr marL="9525" marR="9525" marT="9525" marB="0" anchor="ctr"/>
+                </a:tc>
+                <a:tc>
+                  <a:txBody>
+                    <a:bodyPr/>
+                    <a:lstStyle/>
+                    <a:p>
+                      <a:pPr algn="ctr" fontAlgn="ctr"/>
+                      <a:r>
+                        <a:rPr lang="en-CA" sz="1100" b="0" i="0" u="none" strike="noStrike">
+                          <a:solidFill>
+                            <a:srgbClr val="000000"/>
+                          </a:solidFill>
+                          <a:effectLst/>
+                          <a:latin typeface="Calibri" panose="020F0502020204030204" pitchFamily="34" charset="0"/>
+                        </a:rPr>
+                        <a:t>198.63</a:t>
+                      </a:r>
+                    </a:p>
+                  </a:txBody>
+                  <a:tcPr marL="9525" marR="9525" marT="9525" marB="0" anchor="ctr"/>
+                </a:tc>
+                <a:tc>
+                  <a:txBody>
+                    <a:bodyPr/>
+                    <a:lstStyle/>
+                    <a:p>
+                      <a:pPr algn="ctr" fontAlgn="ctr"/>
+                      <a:r>
+                        <a:rPr lang="en-CA" sz="1100" b="0" i="0" u="none" strike="noStrike">
+                          <a:solidFill>
+                            <a:srgbClr val="000000"/>
+                          </a:solidFill>
+                          <a:effectLst/>
+                          <a:latin typeface="Calibri" panose="020F0502020204030204" pitchFamily="34" charset="0"/>
+                        </a:rPr>
+                        <a:t>0.52</a:t>
+                      </a:r>
+                    </a:p>
+                  </a:txBody>
+                  <a:tcPr marL="9525" marR="9525" marT="9525" marB="0" anchor="ctr"/>
+                </a:tc>
+                <a:tc>
+                  <a:txBody>
+                    <a:bodyPr/>
+                    <a:lstStyle/>
+                    <a:p>
+                      <a:pPr algn="ctr" fontAlgn="ctr"/>
+                      <a:r>
+                        <a:rPr lang="en-CA" sz="1100" b="0" i="0" u="none" strike="noStrike">
+                          <a:solidFill>
+                            <a:srgbClr val="000000"/>
+                          </a:solidFill>
+                          <a:effectLst/>
+                          <a:latin typeface="Calibri" panose="020F0502020204030204" pitchFamily="34" charset="0"/>
+                        </a:rPr>
+                        <a:t>0.28</a:t>
+                      </a:r>
+                    </a:p>
+                  </a:txBody>
+                  <a:tcPr marL="9525" marR="9525" marT="9525" marB="0" anchor="ctr"/>
+                </a:tc>
+                <a:extLst>
+                  <a:ext uri="{0D108BD9-81ED-4DB2-BD59-A6C34878D82A}">
+                    <a16:rowId xmlns:a16="http://schemas.microsoft.com/office/drawing/2014/main" val="2112349899"/>
+                  </a:ext>
+                </a:extLst>
+              </a:tr>
+              <a:tr h="288492">
+                <a:tc>
+                  <a:txBody>
+                    <a:bodyPr/>
+                    <a:lstStyle/>
+                    <a:p>
+                      <a:pPr algn="ctr" fontAlgn="ctr"/>
+                      <a:r>
+                        <a:rPr lang="en-CA" sz="1100" b="0" i="0" u="none" strike="noStrike">
+                          <a:solidFill>
+                            <a:srgbClr val="000000"/>
+                          </a:solidFill>
+                          <a:effectLst/>
+                          <a:latin typeface="Calibri" panose="020F0502020204030204" pitchFamily="34" charset="0"/>
+                        </a:rPr>
+                        <a:t>HQI</a:t>
+                      </a:r>
+                    </a:p>
+                  </a:txBody>
+                  <a:tcPr marL="9525" marR="9525" marT="9525" marB="0" anchor="ctr"/>
+                </a:tc>
+                <a:tc>
+                  <a:txBody>
+                    <a:bodyPr/>
+                    <a:lstStyle/>
+                    <a:p>
+                      <a:pPr algn="ctr" fontAlgn="ctr"/>
+                      <a:r>
+                        <a:rPr lang="en-CA" sz="1100" b="0" i="0" u="none" strike="noStrike">
+                          <a:solidFill>
+                            <a:srgbClr val="000000"/>
+                          </a:solidFill>
+                          <a:effectLst/>
+                          <a:latin typeface="Calibri" panose="020F0502020204030204" pitchFamily="34" charset="0"/>
+                        </a:rPr>
+                        <a:t>195.85</a:t>
+                      </a:r>
+                    </a:p>
+                  </a:txBody>
+                  <a:tcPr marL="9525" marR="9525" marT="9525" marB="0" anchor="ctr"/>
+                </a:tc>
+                <a:tc>
+                  <a:txBody>
+                    <a:bodyPr/>
+                    <a:lstStyle/>
+                    <a:p>
+                      <a:pPr algn="ctr" fontAlgn="ctr"/>
+                      <a:r>
+                        <a:rPr lang="en-CA" sz="1100" b="0" i="0" u="none" strike="noStrike">
+                          <a:solidFill>
+                            <a:srgbClr val="000000"/>
+                          </a:solidFill>
+                          <a:effectLst/>
+                          <a:latin typeface="Calibri" panose="020F0502020204030204" pitchFamily="34" charset="0"/>
+                        </a:rPr>
+                        <a:t>0.57</a:t>
+                      </a:r>
+                    </a:p>
+                  </a:txBody>
+                  <a:tcPr marL="9525" marR="9525" marT="9525" marB="0" anchor="ctr"/>
+                </a:tc>
+                <a:tc>
+                  <a:txBody>
+                    <a:bodyPr/>
+                    <a:lstStyle/>
+                    <a:p>
+                      <a:pPr algn="ctr" fontAlgn="ctr"/>
+                      <a:r>
+                        <a:rPr lang="en-CA" sz="1100" b="0" i="0" u="none" strike="noStrike" dirty="0">
+                          <a:solidFill>
+                            <a:srgbClr val="000000"/>
+                          </a:solidFill>
+                          <a:effectLst/>
+                          <a:latin typeface="Calibri" panose="020F0502020204030204" pitchFamily="34" charset="0"/>
+                        </a:rPr>
+                        <a:t>0.36</a:t>
+                      </a:r>
+                    </a:p>
+                  </a:txBody>
+                  <a:tcPr marL="9525" marR="9525" marT="9525" marB="0" anchor="ctr"/>
+                </a:tc>
+                <a:extLst>
+                  <a:ext uri="{0D108BD9-81ED-4DB2-BD59-A6C34878D82A}">
+                    <a16:rowId xmlns:a16="http://schemas.microsoft.com/office/drawing/2014/main" val="1041500183"/>
+                  </a:ext>
+                </a:extLst>
+              </a:tr>
+            </a:tbl>
+          </a:graphicData>
+        </a:graphic>
+      </p:graphicFrame>
+      <p:sp>
+        <p:nvSpPr>
+          <p:cNvPr id="13" name="Rectangle 12">
+            <a:extLst>
+              <a:ext uri="{FF2B5EF4-FFF2-40B4-BE49-F238E27FC236}">
+                <a16:creationId xmlns:a16="http://schemas.microsoft.com/office/drawing/2014/main" id="{21B86A7B-46E1-C825-119A-FA7C7DBCA40D}"/>
+              </a:ext>
+            </a:extLst>
+          </p:cNvPr>
+          <p:cNvSpPr/>
+          <p:nvPr/>
+        </p:nvSpPr>
+        <p:spPr>
+          <a:xfrm>
+            <a:off x="3694546" y="4488614"/>
+            <a:ext cx="785090" cy="1787265"/>
+          </a:xfrm>
+          <a:prstGeom prst="rect">
+            <a:avLst/>
+          </a:prstGeom>
+          <a:noFill/>
+          <a:ln>
+            <a:solidFill>
+              <a:schemeClr val="accent1"/>
+            </a:solidFill>
+          </a:ln>
+        </p:spPr>
+        <p:style>
+          <a:lnRef idx="2">
+            <a:schemeClr val="accent1">
+              <a:shade val="15000"/>
+            </a:schemeClr>
+          </a:lnRef>
+          <a:fillRef idx="1">
+            <a:schemeClr val="accent1"/>
+          </a:fillRef>
+          <a:effectRef idx="0">
+            <a:schemeClr val="accent1"/>
+          </a:effectRef>
+          <a:fontRef idx="minor">
+            <a:schemeClr val="lt1"/>
+          </a:fontRef>
+        </p:style>
+        <p:txBody>
+          <a:bodyPr rtlCol="0" anchor="ctr"/>
+          <a:lstStyle/>
+          <a:p>
+            <a:pPr algn="ctr"/>
+            <a:endParaRPr lang="en-CA"/>
+          </a:p>
+        </p:txBody>
+      </p:sp>
+      <p:graphicFrame>
+        <p:nvGraphicFramePr>
+          <p:cNvPr id="14" name="Table 6">
+            <a:extLst>
+              <a:ext uri="{FF2B5EF4-FFF2-40B4-BE49-F238E27FC236}">
+                <a16:creationId xmlns:a16="http://schemas.microsoft.com/office/drawing/2014/main" id="{C1301602-EE3F-F0E9-F176-BBF462311F5C}"/>
+              </a:ext>
+            </a:extLst>
+          </p:cNvPr>
+          <p:cNvGraphicFramePr>
+            <a:graphicFrameLocks noGrp="1"/>
+          </p:cNvGraphicFramePr>
+          <p:nvPr>
+            <p:extLst>
+              <p:ext uri="{D42A27DB-BD31-4B8C-83A1-F6EECF244321}">
+                <p14:modId xmlns:p14="http://schemas.microsoft.com/office/powerpoint/2010/main" val="2326382908"/>
+              </p:ext>
+            </p:extLst>
+          </p:nvPr>
+        </p:nvGraphicFramePr>
+        <p:xfrm>
+          <a:off x="6173905" y="3578883"/>
+          <a:ext cx="4230320" cy="1787265"/>
+        </p:xfrm>
+        <a:graphic>
+          <a:graphicData uri="http://schemas.openxmlformats.org/drawingml/2006/table">
+            <a:tbl>
+              <a:tblPr firstRow="1" bandRow="1">
+                <a:tableStyleId>{9D7B26C5-4107-4FEC-AEDC-1716B250A1EF}</a:tableStyleId>
+              </a:tblPr>
+              <a:tblGrid>
+                <a:gridCol w="1057580">
+                  <a:extLst>
+                    <a:ext uri="{9D8B030D-6E8A-4147-A177-3AD203B41FA5}">
+                      <a16:colId xmlns:a16="http://schemas.microsoft.com/office/drawing/2014/main" val="3140704094"/>
+                    </a:ext>
+                  </a:extLst>
+                </a:gridCol>
+                <a:gridCol w="1057580">
+                  <a:extLst>
+                    <a:ext uri="{9D8B030D-6E8A-4147-A177-3AD203B41FA5}">
+                      <a16:colId xmlns:a16="http://schemas.microsoft.com/office/drawing/2014/main" val="2186383963"/>
+                    </a:ext>
+                  </a:extLst>
+                </a:gridCol>
+                <a:gridCol w="1057580">
+                  <a:extLst>
+                    <a:ext uri="{9D8B030D-6E8A-4147-A177-3AD203B41FA5}">
+                      <a16:colId xmlns:a16="http://schemas.microsoft.com/office/drawing/2014/main" val="3768227166"/>
+                    </a:ext>
+                  </a:extLst>
+                </a:gridCol>
+                <a:gridCol w="1057580">
+                  <a:extLst>
+                    <a:ext uri="{9D8B030D-6E8A-4147-A177-3AD203B41FA5}">
+                      <a16:colId xmlns:a16="http://schemas.microsoft.com/office/drawing/2014/main" val="3208948088"/>
+                    </a:ext>
+                  </a:extLst>
+                </a:gridCol>
+              </a:tblGrid>
+              <a:tr h="288492">
+                <a:tc>
+                  <a:txBody>
+                    <a:bodyPr/>
+                    <a:lstStyle/>
+                    <a:p>
+                      <a:pPr algn="ctr" fontAlgn="ctr"/>
+                      <a:r>
+                        <a:rPr lang="en-CA" sz="1100" b="1" i="0" u="none" strike="noStrike" dirty="0">
+                          <a:solidFill>
+                            <a:srgbClr val="000000"/>
+                          </a:solidFill>
+                          <a:effectLst/>
+                          <a:latin typeface="Calibri" panose="020F0502020204030204" pitchFamily="34" charset="0"/>
+                        </a:rPr>
+                        <a:t>Stock Name</a:t>
+                      </a:r>
+                    </a:p>
+                  </a:txBody>
+                  <a:tcPr marL="9525" marR="9525" marT="9525" marB="0" anchor="ctr"/>
+                </a:tc>
+                <a:tc>
+                  <a:txBody>
+                    <a:bodyPr/>
+                    <a:lstStyle/>
+                    <a:p>
+                      <a:pPr algn="ctr" fontAlgn="ctr"/>
+                      <a:r>
+                        <a:rPr lang="en-CA" sz="1100" b="1" i="0" u="none" strike="noStrike" dirty="0">
+                          <a:solidFill>
+                            <a:srgbClr val="000000"/>
+                          </a:solidFill>
+                          <a:effectLst/>
+                          <a:latin typeface="Calibri" panose="020F0502020204030204" pitchFamily="34" charset="0"/>
+                        </a:rPr>
+                        <a:t>Percentage Change</a:t>
+                      </a:r>
+                    </a:p>
+                  </a:txBody>
+                  <a:tcPr marL="9525" marR="9525" marT="9525" marB="0" anchor="ctr"/>
+                </a:tc>
+                <a:tc>
+                  <a:txBody>
+                    <a:bodyPr/>
+                    <a:lstStyle/>
+                    <a:p>
+                      <a:pPr algn="ctr" fontAlgn="ctr"/>
+                      <a:r>
+                        <a:rPr lang="en-CA" sz="1100" b="1" i="0" u="none" strike="noStrike" dirty="0">
+                          <a:solidFill>
+                            <a:srgbClr val="000000"/>
+                          </a:solidFill>
+                          <a:effectLst/>
+                          <a:latin typeface="Calibri" panose="020F0502020204030204" pitchFamily="34" charset="0"/>
+                        </a:rPr>
+                        <a:t>R-squared</a:t>
+                      </a:r>
+                    </a:p>
+                  </a:txBody>
+                  <a:tcPr marL="9525" marR="9525" marT="9525" marB="0" anchor="ctr"/>
+                </a:tc>
+                <a:tc>
+                  <a:txBody>
+                    <a:bodyPr/>
+                    <a:lstStyle/>
+                    <a:p>
+                      <a:pPr algn="ctr" fontAlgn="ctr"/>
+                      <a:r>
+                        <a:rPr lang="en-CA" sz="1100" b="1" i="0" u="none" strike="noStrike" dirty="0">
+                          <a:solidFill>
+                            <a:srgbClr val="000000"/>
+                          </a:solidFill>
+                          <a:effectLst/>
+                          <a:latin typeface="Calibri" panose="020F0502020204030204" pitchFamily="34" charset="0"/>
+                        </a:rPr>
+                        <a:t>std</a:t>
+                      </a:r>
+                    </a:p>
+                  </a:txBody>
+                  <a:tcPr marL="9525" marR="9525" marT="9525" marB="0" anchor="ctr"/>
+                </a:tc>
+                <a:extLst>
+                  <a:ext uri="{0D108BD9-81ED-4DB2-BD59-A6C34878D82A}">
+                    <a16:rowId xmlns:a16="http://schemas.microsoft.com/office/drawing/2014/main" val="1270107519"/>
+                  </a:ext>
+                </a:extLst>
+              </a:tr>
+              <a:tr h="288492">
+                <a:tc>
+                  <a:txBody>
+                    <a:bodyPr/>
+                    <a:lstStyle/>
+                    <a:p>
+                      <a:pPr algn="ctr" fontAlgn="ctr"/>
+                      <a:r>
+                        <a:rPr lang="en-CA" sz="1100" b="0" i="0" u="none" strike="noStrike">
+                          <a:solidFill>
+                            <a:srgbClr val="000000"/>
+                          </a:solidFill>
+                          <a:effectLst/>
+                          <a:latin typeface="Calibri" panose="020F0502020204030204" pitchFamily="34" charset="0"/>
+                        </a:rPr>
+                        <a:t>CPK</a:t>
+                      </a:r>
+                    </a:p>
+                  </a:txBody>
+                  <a:tcPr marL="9525" marR="9525" marT="9525" marB="0" anchor="ctr"/>
+                </a:tc>
+                <a:tc>
+                  <a:txBody>
+                    <a:bodyPr/>
+                    <a:lstStyle/>
+                    <a:p>
+                      <a:pPr algn="ctr" fontAlgn="ctr"/>
+                      <a:r>
+                        <a:rPr lang="en-CA" sz="1100" b="0" i="0" u="none" strike="noStrike">
+                          <a:solidFill>
+                            <a:srgbClr val="000000"/>
+                          </a:solidFill>
+                          <a:effectLst/>
+                          <a:latin typeface="Calibri" panose="020F0502020204030204" pitchFamily="34" charset="0"/>
+                        </a:rPr>
+                        <a:t>196.62</a:t>
+                      </a:r>
+                    </a:p>
+                  </a:txBody>
+                  <a:tcPr marL="9525" marR="9525" marT="9525" marB="0" anchor="ctr"/>
+                </a:tc>
+                <a:tc>
+                  <a:txBody>
+                    <a:bodyPr/>
+                    <a:lstStyle/>
+                    <a:p>
+                      <a:pPr algn="ctr" fontAlgn="ctr"/>
+                      <a:r>
+                        <a:rPr lang="en-CA" sz="1100" b="0" i="0" u="none" strike="noStrike">
+                          <a:solidFill>
+                            <a:srgbClr val="000000"/>
+                          </a:solidFill>
+                          <a:effectLst/>
+                          <a:latin typeface="Calibri" panose="020F0502020204030204" pitchFamily="34" charset="0"/>
+                        </a:rPr>
+                        <a:t>0.92</a:t>
+                      </a:r>
+                    </a:p>
+                  </a:txBody>
+                  <a:tcPr marL="9525" marR="9525" marT="9525" marB="0" anchor="ctr"/>
+                </a:tc>
+                <a:tc>
+                  <a:txBody>
+                    <a:bodyPr/>
+                    <a:lstStyle/>
+                    <a:p>
+                      <a:pPr algn="ctr" fontAlgn="ctr"/>
+                      <a:r>
+                        <a:rPr lang="en-CA" sz="1100" b="0" i="0" u="none" strike="noStrike">
+                          <a:solidFill>
+                            <a:srgbClr val="000000"/>
+                          </a:solidFill>
+                          <a:effectLst/>
+                          <a:latin typeface="Calibri" panose="020F0502020204030204" pitchFamily="34" charset="0"/>
+                        </a:rPr>
+                        <a:t>1.39</a:t>
+                      </a:r>
+                    </a:p>
+                  </a:txBody>
+                  <a:tcPr marL="9525" marR="9525" marT="9525" marB="0" anchor="ctr"/>
+                </a:tc>
+                <a:extLst>
+                  <a:ext uri="{0D108BD9-81ED-4DB2-BD59-A6C34878D82A}">
+                    <a16:rowId xmlns:a16="http://schemas.microsoft.com/office/drawing/2014/main" val="2479139878"/>
+                  </a:ext>
+                </a:extLst>
+              </a:tr>
+              <a:tr h="288492">
+                <a:tc>
+                  <a:txBody>
+                    <a:bodyPr/>
+                    <a:lstStyle/>
+                    <a:p>
+                      <a:pPr algn="ctr" fontAlgn="ctr"/>
+                      <a:r>
+                        <a:rPr lang="en-CA" sz="1100" b="0" i="0" u="none" strike="noStrike">
+                          <a:solidFill>
+                            <a:srgbClr val="000000"/>
+                          </a:solidFill>
+                          <a:effectLst/>
+                          <a:latin typeface="Calibri" panose="020F0502020204030204" pitchFamily="34" charset="0"/>
+                        </a:rPr>
+                        <a:t>ELS</a:t>
+                      </a:r>
+                    </a:p>
+                  </a:txBody>
+                  <a:tcPr marL="9525" marR="9525" marT="9525" marB="0" anchor="ctr"/>
+                </a:tc>
+                <a:tc>
+                  <a:txBody>
+                    <a:bodyPr/>
+                    <a:lstStyle/>
+                    <a:p>
+                      <a:pPr algn="ctr" fontAlgn="ctr"/>
+                      <a:r>
+                        <a:rPr lang="en-CA" sz="1100" b="0" i="0" u="none" strike="noStrike">
+                          <a:solidFill>
+                            <a:srgbClr val="000000"/>
+                          </a:solidFill>
+                          <a:effectLst/>
+                          <a:latin typeface="Calibri" panose="020F0502020204030204" pitchFamily="34" charset="0"/>
+                        </a:rPr>
+                        <a:t>196.03</a:t>
+                      </a:r>
+                    </a:p>
+                  </a:txBody>
+                  <a:tcPr marL="9525" marR="9525" marT="9525" marB="0" anchor="ctr"/>
+                </a:tc>
+                <a:tc>
+                  <a:txBody>
+                    <a:bodyPr/>
+                    <a:lstStyle/>
+                    <a:p>
+                      <a:pPr algn="ctr" fontAlgn="ctr"/>
+                      <a:r>
+                        <a:rPr lang="en-CA" sz="1100" b="0" i="0" u="none" strike="noStrike">
+                          <a:solidFill>
+                            <a:srgbClr val="000000"/>
+                          </a:solidFill>
+                          <a:effectLst/>
+                          <a:latin typeface="Calibri" panose="020F0502020204030204" pitchFamily="34" charset="0"/>
+                        </a:rPr>
+                        <a:t>0.89</a:t>
+                      </a:r>
+                    </a:p>
+                  </a:txBody>
+                  <a:tcPr marL="9525" marR="9525" marT="9525" marB="0" anchor="ctr"/>
+                </a:tc>
+                <a:tc>
+                  <a:txBody>
+                    <a:bodyPr/>
+                    <a:lstStyle/>
+                    <a:p>
+                      <a:pPr algn="ctr" fontAlgn="ctr"/>
+                      <a:r>
+                        <a:rPr lang="en-CA" sz="1100" b="0" i="0" u="none" strike="noStrike">
+                          <a:solidFill>
+                            <a:srgbClr val="000000"/>
+                          </a:solidFill>
+                          <a:effectLst/>
+                          <a:latin typeface="Calibri" panose="020F0502020204030204" pitchFamily="34" charset="0"/>
+                        </a:rPr>
+                        <a:t>0.77</a:t>
+                      </a:r>
+                    </a:p>
+                  </a:txBody>
+                  <a:tcPr marL="9525" marR="9525" marT="9525" marB="0" anchor="ctr"/>
+                </a:tc>
+                <a:extLst>
+                  <a:ext uri="{0D108BD9-81ED-4DB2-BD59-A6C34878D82A}">
+                    <a16:rowId xmlns:a16="http://schemas.microsoft.com/office/drawing/2014/main" val="2010281476"/>
+                  </a:ext>
+                </a:extLst>
+              </a:tr>
+              <a:tr h="288492">
+                <a:tc>
+                  <a:txBody>
+                    <a:bodyPr/>
+                    <a:lstStyle/>
+                    <a:p>
+                      <a:pPr algn="ctr" fontAlgn="ctr"/>
+                      <a:r>
+                        <a:rPr lang="en-CA" sz="1100" b="0" i="0" u="none" strike="noStrike">
+                          <a:solidFill>
+                            <a:srgbClr val="000000"/>
+                          </a:solidFill>
+                          <a:effectLst/>
+                          <a:latin typeface="Calibri" panose="020F0502020204030204" pitchFamily="34" charset="0"/>
+                        </a:rPr>
+                        <a:t>PH</a:t>
+                      </a:r>
+                    </a:p>
+                  </a:txBody>
+                  <a:tcPr marL="9525" marR="9525" marT="9525" marB="0" anchor="ctr"/>
+                </a:tc>
+                <a:tc>
+                  <a:txBody>
+                    <a:bodyPr/>
+                    <a:lstStyle/>
+                    <a:p>
+                      <a:pPr algn="ctr" fontAlgn="ctr"/>
+                      <a:r>
+                        <a:rPr lang="en-CA" sz="1100" b="0" i="0" u="none" strike="noStrike">
+                          <a:solidFill>
+                            <a:srgbClr val="000000"/>
+                          </a:solidFill>
+                          <a:effectLst/>
+                          <a:latin typeface="Calibri" panose="020F0502020204030204" pitchFamily="34" charset="0"/>
+                        </a:rPr>
+                        <a:t>197.14</a:t>
+                      </a:r>
+                    </a:p>
+                  </a:txBody>
+                  <a:tcPr marL="9525" marR="9525" marT="9525" marB="0" anchor="ctr"/>
+                </a:tc>
+                <a:tc>
+                  <a:txBody>
+                    <a:bodyPr/>
+                    <a:lstStyle/>
+                    <a:p>
+                      <a:pPr algn="ctr" fontAlgn="ctr"/>
+                      <a:r>
+                        <a:rPr lang="en-CA" sz="1100" b="0" i="0" u="none" strike="noStrike">
+                          <a:solidFill>
+                            <a:srgbClr val="000000"/>
+                          </a:solidFill>
+                          <a:effectLst/>
+                          <a:latin typeface="Calibri" panose="020F0502020204030204" pitchFamily="34" charset="0"/>
+                        </a:rPr>
+                        <a:t>0.84</a:t>
+                      </a:r>
+                    </a:p>
+                  </a:txBody>
+                  <a:tcPr marL="9525" marR="9525" marT="9525" marB="0" anchor="ctr"/>
+                </a:tc>
+                <a:tc>
+                  <a:txBody>
+                    <a:bodyPr/>
+                    <a:lstStyle/>
+                    <a:p>
+                      <a:pPr algn="ctr" fontAlgn="ctr"/>
+                      <a:r>
+                        <a:rPr lang="en-CA" sz="1100" b="0" i="0" u="none" strike="noStrike">
+                          <a:solidFill>
+                            <a:srgbClr val="000000"/>
+                          </a:solidFill>
+                          <a:effectLst/>
+                          <a:latin typeface="Calibri" panose="020F0502020204030204" pitchFamily="34" charset="0"/>
+                        </a:rPr>
+                        <a:t>3.08</a:t>
+                      </a:r>
+                    </a:p>
+                  </a:txBody>
+                  <a:tcPr marL="9525" marR="9525" marT="9525" marB="0" anchor="ctr"/>
+                </a:tc>
+                <a:extLst>
+                  <a:ext uri="{0D108BD9-81ED-4DB2-BD59-A6C34878D82A}">
+                    <a16:rowId xmlns:a16="http://schemas.microsoft.com/office/drawing/2014/main" val="3866964010"/>
+                  </a:ext>
+                </a:extLst>
+              </a:tr>
+              <a:tr h="288492">
+                <a:tc>
+                  <a:txBody>
+                    <a:bodyPr/>
+                    <a:lstStyle/>
+                    <a:p>
+                      <a:pPr algn="ctr" fontAlgn="ctr"/>
+                      <a:r>
+                        <a:rPr lang="en-CA" sz="1100" b="0" i="0" u="none" strike="noStrike">
+                          <a:solidFill>
+                            <a:srgbClr val="000000"/>
+                          </a:solidFill>
+                          <a:effectLst/>
+                          <a:latin typeface="Calibri" panose="020F0502020204030204" pitchFamily="34" charset="0"/>
+                        </a:rPr>
+                        <a:t>ROK</a:t>
+                      </a:r>
+                    </a:p>
+                  </a:txBody>
+                  <a:tcPr marL="9525" marR="9525" marT="9525" marB="0" anchor="ctr"/>
+                </a:tc>
+                <a:tc>
+                  <a:txBody>
+                    <a:bodyPr/>
+                    <a:lstStyle/>
+                    <a:p>
+                      <a:pPr algn="ctr" fontAlgn="ctr"/>
+                      <a:r>
+                        <a:rPr lang="en-CA" sz="1100" b="0" i="0" u="none" strike="noStrike">
+                          <a:solidFill>
+                            <a:srgbClr val="000000"/>
+                          </a:solidFill>
+                          <a:effectLst/>
+                          <a:latin typeface="Calibri" panose="020F0502020204030204" pitchFamily="34" charset="0"/>
+                        </a:rPr>
+                        <a:t>198.30</a:t>
+                      </a:r>
+                    </a:p>
+                  </a:txBody>
+                  <a:tcPr marL="9525" marR="9525" marT="9525" marB="0" anchor="ctr"/>
+                </a:tc>
+                <a:tc>
+                  <a:txBody>
+                    <a:bodyPr/>
+                    <a:lstStyle/>
+                    <a:p>
+                      <a:pPr algn="ctr" fontAlgn="ctr"/>
+                      <a:r>
+                        <a:rPr lang="en-CA" sz="1100" b="0" i="0" u="none" strike="noStrike">
+                          <a:solidFill>
+                            <a:srgbClr val="000000"/>
+                          </a:solidFill>
+                          <a:effectLst/>
+                          <a:latin typeface="Calibri" panose="020F0502020204030204" pitchFamily="34" charset="0"/>
+                        </a:rPr>
+                        <a:t>0.82</a:t>
+                      </a:r>
+                    </a:p>
+                  </a:txBody>
+                  <a:tcPr marL="9525" marR="9525" marT="9525" marB="0" anchor="ctr"/>
+                </a:tc>
+                <a:tc>
+                  <a:txBody>
+                    <a:bodyPr/>
+                    <a:lstStyle/>
+                    <a:p>
+                      <a:pPr algn="ctr" fontAlgn="ctr"/>
+                      <a:r>
+                        <a:rPr lang="en-CA" sz="1100" b="0" i="0" u="none" strike="noStrike">
+                          <a:solidFill>
+                            <a:srgbClr val="000000"/>
+                          </a:solidFill>
+                          <a:effectLst/>
+                          <a:latin typeface="Calibri" panose="020F0502020204030204" pitchFamily="34" charset="0"/>
+                        </a:rPr>
+                        <a:t>2.72</a:t>
+                      </a:r>
+                    </a:p>
+                  </a:txBody>
+                  <a:tcPr marL="9525" marR="9525" marT="9525" marB="0" anchor="ctr"/>
+                </a:tc>
+                <a:extLst>
+                  <a:ext uri="{0D108BD9-81ED-4DB2-BD59-A6C34878D82A}">
+                    <a16:rowId xmlns:a16="http://schemas.microsoft.com/office/drawing/2014/main" val="2112349899"/>
+                  </a:ext>
+                </a:extLst>
+              </a:tr>
+              <a:tr h="288492">
+                <a:tc>
+                  <a:txBody>
+                    <a:bodyPr/>
+                    <a:lstStyle/>
+                    <a:p>
+                      <a:pPr algn="ctr" fontAlgn="ctr"/>
+                      <a:r>
+                        <a:rPr lang="en-CA" sz="1100" b="0" i="0" u="none" strike="noStrike">
+                          <a:solidFill>
+                            <a:srgbClr val="000000"/>
+                          </a:solidFill>
+                          <a:effectLst/>
+                          <a:latin typeface="Calibri" panose="020F0502020204030204" pitchFamily="34" charset="0"/>
+                        </a:rPr>
+                        <a:t>KFRC</a:t>
+                      </a:r>
+                    </a:p>
+                  </a:txBody>
+                  <a:tcPr marL="9525" marR="9525" marT="9525" marB="0" anchor="ctr"/>
+                </a:tc>
+                <a:tc>
+                  <a:txBody>
+                    <a:bodyPr/>
+                    <a:lstStyle/>
+                    <a:p>
+                      <a:pPr algn="ctr" fontAlgn="ctr"/>
+                      <a:r>
+                        <a:rPr lang="en-CA" sz="1100" b="0" i="0" u="none" strike="noStrike">
+                          <a:solidFill>
+                            <a:srgbClr val="000000"/>
+                          </a:solidFill>
+                          <a:effectLst/>
+                          <a:latin typeface="Calibri" panose="020F0502020204030204" pitchFamily="34" charset="0"/>
+                        </a:rPr>
+                        <a:t>197.46</a:t>
+                      </a:r>
+                    </a:p>
+                  </a:txBody>
+                  <a:tcPr marL="9525" marR="9525" marT="9525" marB="0" anchor="ctr"/>
+                </a:tc>
+                <a:tc>
+                  <a:txBody>
+                    <a:bodyPr/>
+                    <a:lstStyle/>
+                    <a:p>
+                      <a:pPr algn="ctr" fontAlgn="ctr"/>
+                      <a:r>
+                        <a:rPr lang="en-CA" sz="1100" b="0" i="0" u="none" strike="noStrike">
+                          <a:solidFill>
+                            <a:srgbClr val="000000"/>
+                          </a:solidFill>
+                          <a:effectLst/>
+                          <a:latin typeface="Calibri" panose="020F0502020204030204" pitchFamily="34" charset="0"/>
+                        </a:rPr>
+                        <a:t>0.78</a:t>
+                      </a:r>
+                    </a:p>
+                  </a:txBody>
+                  <a:tcPr marL="9525" marR="9525" marT="9525" marB="0" anchor="ctr"/>
+                </a:tc>
+                <a:tc>
+                  <a:txBody>
+                    <a:bodyPr/>
+                    <a:lstStyle/>
+                    <a:p>
+                      <a:pPr algn="ctr" fontAlgn="ctr"/>
+                      <a:r>
+                        <a:rPr lang="en-CA" sz="1100" b="0" i="0" u="none" strike="noStrike" dirty="0">
+                          <a:solidFill>
+                            <a:srgbClr val="000000"/>
+                          </a:solidFill>
+                          <a:effectLst/>
+                          <a:latin typeface="Calibri" panose="020F0502020204030204" pitchFamily="34" charset="0"/>
+                        </a:rPr>
+                        <a:t>0.73</a:t>
+                      </a:r>
+                    </a:p>
+                  </a:txBody>
+                  <a:tcPr marL="9525" marR="9525" marT="9525" marB="0" anchor="ctr"/>
+                </a:tc>
+                <a:extLst>
+                  <a:ext uri="{0D108BD9-81ED-4DB2-BD59-A6C34878D82A}">
+                    <a16:rowId xmlns:a16="http://schemas.microsoft.com/office/drawing/2014/main" val="1041500183"/>
+                  </a:ext>
+                </a:extLst>
+              </a:tr>
+            </a:tbl>
+          </a:graphicData>
+        </a:graphic>
+      </p:graphicFrame>
+      <p:sp>
+        <p:nvSpPr>
+          <p:cNvPr id="15" name="Rectangle 14">
+            <a:extLst>
+              <a:ext uri="{FF2B5EF4-FFF2-40B4-BE49-F238E27FC236}">
+                <a16:creationId xmlns:a16="http://schemas.microsoft.com/office/drawing/2014/main" id="{92A4A8FB-D5AF-6114-8C9F-CC18ED6E9B7C}"/>
+              </a:ext>
+            </a:extLst>
+          </p:cNvPr>
+          <p:cNvSpPr/>
+          <p:nvPr/>
+        </p:nvSpPr>
+        <p:spPr>
+          <a:xfrm>
+            <a:off x="8422423" y="3578882"/>
+            <a:ext cx="785090" cy="1787265"/>
+          </a:xfrm>
+          <a:prstGeom prst="rect">
+            <a:avLst/>
+          </a:prstGeom>
+          <a:noFill/>
+          <a:ln>
+            <a:solidFill>
+              <a:schemeClr val="accent1"/>
+            </a:solidFill>
+          </a:ln>
+        </p:spPr>
+        <p:style>
+          <a:lnRef idx="2">
+            <a:schemeClr val="accent1">
+              <a:shade val="15000"/>
+            </a:schemeClr>
+          </a:lnRef>
+          <a:fillRef idx="1">
+            <a:schemeClr val="accent1"/>
+          </a:fillRef>
+          <a:effectRef idx="0">
+            <a:schemeClr val="accent1"/>
+          </a:effectRef>
+          <a:fontRef idx="minor">
+            <a:schemeClr val="lt1"/>
+          </a:fontRef>
+        </p:style>
+        <p:txBody>
+          <a:bodyPr rtlCol="0" anchor="ctr"/>
+          <a:lstStyle/>
+          <a:p>
+            <a:pPr algn="ctr"/>
+            <a:endParaRPr lang="en-CA"/>
           </a:p>
         </p:txBody>
       </p:sp>
@@ -6592,7 +10408,7 @@
         </p:nvSpPr>
         <p:spPr>
           <a:xfrm>
-            <a:off x="222422" y="345989"/>
+            <a:off x="290513" y="365237"/>
             <a:ext cx="9250353" cy="523220"/>
           </a:xfrm>
           <a:prstGeom prst="rect">
@@ -6632,8 +10448,8 @@
         </p:nvSpPr>
         <p:spPr>
           <a:xfrm>
-            <a:off x="0" y="1258615"/>
-            <a:ext cx="6912341" cy="369332"/>
+            <a:off x="290513" y="1258615"/>
+            <a:ext cx="5242204" cy="369332"/>
           </a:xfrm>
           <a:prstGeom prst="rect">
             <a:avLst/>
@@ -6648,17 +10464,129 @@
           <a:p>
             <a:r>
               <a:rPr lang="en-GE" b="1" dirty="0"/>
-              <a:t>Top stock performer in terms of lowest volatility and highest price gain</a:t>
-            </a:r>
+              <a:t>Top stock performer in terms of </a:t>
+            </a:r>
+            <a:r>
+              <a:rPr lang="en-CA" b="1" dirty="0"/>
+              <a:t>growth AND stability</a:t>
+            </a:r>
+            <a:endParaRPr lang="en-GE" b="1" dirty="0"/>
+          </a:p>
+        </p:txBody>
+      </p:sp>
+      <p:sp>
+        <p:nvSpPr>
+          <p:cNvPr id="7" name="TextBox 6">
+            <a:extLst>
+              <a:ext uri="{FF2B5EF4-FFF2-40B4-BE49-F238E27FC236}">
+                <a16:creationId xmlns:a16="http://schemas.microsoft.com/office/drawing/2014/main" id="{70F94164-A441-A354-29EA-DA8D5C041680}"/>
+              </a:ext>
+            </a:extLst>
+          </p:cNvPr>
+          <p:cNvSpPr txBox="1"/>
+          <p:nvPr/>
+        </p:nvSpPr>
+        <p:spPr>
+          <a:xfrm>
+            <a:off x="6083643" y="1826826"/>
+            <a:ext cx="5817844" cy="2862322"/>
+          </a:xfrm>
+          <a:prstGeom prst="rect">
+            <a:avLst/>
+          </a:prstGeom>
+          <a:noFill/>
+        </p:spPr>
+        <p:txBody>
+          <a:bodyPr wrap="square" rtlCol="0">
+            <a:spAutoFit/>
+          </a:bodyPr>
+          <a:lstStyle/>
+          <a:p>
+            <a:pPr marL="285750" indent="-285750">
+              <a:buFont typeface="Arial" panose="020B0604020202020204" pitchFamily="34" charset="0"/>
+              <a:buChar char="•"/>
+            </a:pPr>
+            <a:r>
+              <a:rPr lang="en-US" dirty="0"/>
+              <a:t>This graph indicates steady growth for CPK stock. Although there is some variance, CPK shows strong potential for price improvement with low variability and high predictability. Our prediction suggests a price increase of 19.72 USD in one year (May 2024).</a:t>
+            </a:r>
+          </a:p>
+          <a:p>
+            <a:pPr marL="285750" indent="-285750">
+              <a:buFont typeface="Arial" panose="020B0604020202020204" pitchFamily="34" charset="0"/>
+              <a:buChar char="•"/>
+            </a:pPr>
+            <a:endParaRPr lang="en-US" dirty="0"/>
+          </a:p>
+          <a:p>
+            <a:pPr marL="285750" indent="-285750">
+              <a:buFont typeface="Arial" panose="020B0604020202020204" pitchFamily="34" charset="0"/>
+              <a:buChar char="•"/>
+            </a:pPr>
+            <a:r>
+              <a:rPr lang="en-US" dirty="0"/>
+              <a:t>The project/code provides scatter plots and price differential predictions for all the stocks that were included as the top 20 stocks in terms of price gains.</a:t>
+            </a:r>
+            <a:endParaRPr lang="en-GE" dirty="0"/>
+          </a:p>
+          <a:p>
+            <a:endParaRPr lang="en-GE" dirty="0"/>
           </a:p>
         </p:txBody>
       </p:sp>
       <p:pic>
         <p:nvPicPr>
-          <p:cNvPr id="3" name="Picture 2">
-            <a:extLst>
-              <a:ext uri="{FF2B5EF4-FFF2-40B4-BE49-F238E27FC236}">
-                <a16:creationId xmlns:a16="http://schemas.microsoft.com/office/drawing/2014/main" id="{B5B4E052-8812-EB84-2950-826EC722BBD1}"/>
+          <p:cNvPr id="2052" name="Picture 4">
+            <a:extLst>
+              <a:ext uri="{FF2B5EF4-FFF2-40B4-BE49-F238E27FC236}">
+                <a16:creationId xmlns:a16="http://schemas.microsoft.com/office/drawing/2014/main" id="{2A7A82C5-3886-B00B-65D3-8A26E892531B}"/>
+              </a:ext>
+            </a:extLst>
+          </p:cNvPr>
+          <p:cNvPicPr>
+            <a:picLocks noChangeAspect="1" noChangeArrowheads="1"/>
+          </p:cNvPicPr>
+          <p:nvPr/>
+        </p:nvPicPr>
+        <p:blipFill>
+          <a:blip r:embed="rId3">
+            <a:extLst>
+              <a:ext uri="{28A0092B-C50C-407E-A947-70E740481C1C}">
+                <a14:useLocalDpi xmlns:a14="http://schemas.microsoft.com/office/drawing/2010/main" val="0"/>
+              </a:ext>
+            </a:extLst>
+          </a:blip>
+          <a:srcRect/>
+          <a:stretch>
+            <a:fillRect/>
+          </a:stretch>
+        </p:blipFill>
+        <p:spPr bwMode="auto">
+          <a:xfrm>
+            <a:off x="290513" y="1627947"/>
+            <a:ext cx="5438775" cy="4314825"/>
+          </a:xfrm>
+          <a:prstGeom prst="rect">
+            <a:avLst/>
+          </a:prstGeom>
+          <a:noFill/>
+          <a:extLst>
+            <a:ext uri="{909E8E84-426E-40DD-AFC4-6F175D3DCCD1}">
+              <a14:hiddenFill xmlns:a14="http://schemas.microsoft.com/office/drawing/2010/main">
+                <a:solidFill>
+                  <a:srgbClr val="FFFFFF"/>
+                </a:solidFill>
+              </a14:hiddenFill>
+            </a:ext>
+          </a:extLst>
+        </p:spPr>
+      </p:pic>
+      <p:pic>
+        <p:nvPicPr>
+          <p:cNvPr id="11" name="Picture 10">
+            <a:extLst>
+              <a:ext uri="{FF2B5EF4-FFF2-40B4-BE49-F238E27FC236}">
+                <a16:creationId xmlns:a16="http://schemas.microsoft.com/office/drawing/2014/main" id="{CC16DF0C-F3A8-EE71-41C8-1D8CE902C36E}"/>
               </a:ext>
             </a:extLst>
           </p:cNvPr>
@@ -6668,145 +10596,21 @@
           <p:nvPr/>
         </p:nvPicPr>
         <p:blipFill>
-          <a:blip r:embed="rId3"/>
+          <a:blip r:embed="rId4"/>
           <a:stretch>
             <a:fillRect/>
           </a:stretch>
         </p:blipFill>
         <p:spPr>
           <a:xfrm>
-            <a:off x="98854" y="1700313"/>
-            <a:ext cx="5404801" cy="4711185"/>
+            <a:off x="327859" y="5943640"/>
+            <a:ext cx="5401429" cy="504895"/>
           </a:xfrm>
           <a:prstGeom prst="rect">
             <a:avLst/>
           </a:prstGeom>
         </p:spPr>
       </p:pic>
-      <p:sp>
-        <p:nvSpPr>
-          <p:cNvPr id="7" name="TextBox 6">
-            <a:extLst>
-              <a:ext uri="{FF2B5EF4-FFF2-40B4-BE49-F238E27FC236}">
-                <a16:creationId xmlns:a16="http://schemas.microsoft.com/office/drawing/2014/main" id="{70F94164-A441-A354-29EA-DA8D5C041680}"/>
-              </a:ext>
-            </a:extLst>
-          </p:cNvPr>
-          <p:cNvSpPr txBox="1"/>
-          <p:nvPr/>
-        </p:nvSpPr>
-        <p:spPr>
-          <a:xfrm>
-            <a:off x="6091881" y="1841157"/>
-            <a:ext cx="6009146" cy="1200329"/>
-          </a:xfrm>
-          <a:prstGeom prst="rect">
-            <a:avLst/>
-          </a:prstGeom>
-          <a:noFill/>
-        </p:spPr>
-        <p:txBody>
-          <a:bodyPr wrap="none" rtlCol="0">
-            <a:spAutoFit/>
-          </a:bodyPr>
-          <a:lstStyle/>
-          <a:p>
-            <a:r>
-              <a:rPr lang="en-GB" dirty="0"/>
-              <a:t>T</a:t>
-            </a:r>
-            <a:r>
-              <a:rPr lang="en-GE" dirty="0"/>
-              <a:t>his graph indicates steady growth for FT stock, there is </a:t>
-            </a:r>
-          </a:p>
-          <a:p>
-            <a:r>
-              <a:rPr lang="en-GB" dirty="0"/>
-              <a:t>c</a:t>
-            </a:r>
-            <a:r>
-              <a:rPr lang="en-GE" dirty="0"/>
-              <a:t>ertain variance, but nevertheless FT has highest gains</a:t>
-            </a:r>
-          </a:p>
-          <a:p>
-            <a:r>
-              <a:rPr lang="en-GB" dirty="0"/>
-              <a:t>w</a:t>
-            </a:r>
-            <a:r>
-              <a:rPr lang="en-GE" dirty="0"/>
-              <a:t>ith lowest price variance combined. Our prediciton suggests,</a:t>
-            </a:r>
-          </a:p>
-          <a:p>
-            <a:r>
-              <a:rPr lang="en-GB" dirty="0"/>
-              <a:t>P</a:t>
-            </a:r>
-            <a:r>
-              <a:rPr lang="en-GE" dirty="0"/>
-              <a:t>rice increase of 1.22 USD. </a:t>
-            </a:r>
-          </a:p>
-        </p:txBody>
-      </p:sp>
-      <p:sp>
-        <p:nvSpPr>
-          <p:cNvPr id="9" name="TextBox 8">
-            <a:extLst>
-              <a:ext uri="{FF2B5EF4-FFF2-40B4-BE49-F238E27FC236}">
-                <a16:creationId xmlns:a16="http://schemas.microsoft.com/office/drawing/2014/main" id="{53C0E54F-41C4-761F-95F0-534BFA9792D3}"/>
-              </a:ext>
-            </a:extLst>
-          </p:cNvPr>
-          <p:cNvSpPr txBox="1"/>
-          <p:nvPr/>
-        </p:nvSpPr>
-        <p:spPr>
-          <a:xfrm>
-            <a:off x="6083643" y="3429000"/>
-            <a:ext cx="5996513" cy="923330"/>
-          </a:xfrm>
-          <a:prstGeom prst="rect">
-            <a:avLst/>
-          </a:prstGeom>
-          <a:noFill/>
-        </p:spPr>
-        <p:txBody>
-          <a:bodyPr wrap="none" rtlCol="0">
-            <a:spAutoFit/>
-          </a:bodyPr>
-          <a:lstStyle/>
-          <a:p>
-            <a:r>
-              <a:rPr lang="en-GE" dirty="0"/>
-              <a:t>Project/code provides such scatter plots and price differential </a:t>
-            </a:r>
-          </a:p>
-          <a:p>
-            <a:r>
-              <a:rPr lang="en-GB" dirty="0"/>
-              <a:t>p</a:t>
-            </a:r>
-            <a:r>
-              <a:rPr lang="en-GE" dirty="0"/>
-              <a:t>rediction for all the stocks that were included as top 20</a:t>
-            </a:r>
-          </a:p>
-          <a:p>
-            <a:r>
-              <a:rPr lang="en-GB" dirty="0"/>
-              <a:t>s</a:t>
-            </a:r>
-            <a:r>
-              <a:rPr lang="en-GE" dirty="0"/>
-              <a:t>tocks in terms of price gains</a:t>
-            </a:r>
-          </a:p>
-        </p:txBody>
-      </p:sp>
     </p:spTree>
     <p:extLst>
       <p:ext uri="{BB962C8B-B14F-4D97-AF65-F5344CB8AC3E}">
@@ -6933,7 +10737,7 @@
         </p:nvSpPr>
         <p:spPr>
           <a:xfrm>
-            <a:off x="0" y="365237"/>
+            <a:off x="376068" y="373330"/>
             <a:ext cx="7488460" cy="523220"/>
           </a:xfrm>
           <a:prstGeom prst="rect">
@@ -6969,8 +10773,8 @@
         </p:nvSpPr>
         <p:spPr>
           <a:xfrm>
-            <a:off x="0" y="1258615"/>
-            <a:ext cx="4310604" cy="369332"/>
+            <a:off x="376068" y="1258615"/>
+            <a:ext cx="4529307" cy="369332"/>
           </a:xfrm>
           <a:prstGeom prst="rect">
             <a:avLst/>
@@ -6978,7 +10782,7 @@
           <a:noFill/>
         </p:spPr>
         <p:txBody>
-          <a:bodyPr wrap="none" rtlCol="0">
+          <a:bodyPr wrap="square" rtlCol="0">
             <a:spAutoFit/>
           </a:bodyPr>
           <a:lstStyle/>
@@ -6992,10 +10796,10 @@
       </p:sp>
       <p:sp>
         <p:nvSpPr>
-          <p:cNvPr id="9" name="TextBox 8">
-            <a:extLst>
-              <a:ext uri="{FF2B5EF4-FFF2-40B4-BE49-F238E27FC236}">
-                <a16:creationId xmlns:a16="http://schemas.microsoft.com/office/drawing/2014/main" id="{53C0E54F-41C4-761F-95F0-534BFA9792D3}"/>
+          <p:cNvPr id="13" name="TextBox 12">
+            <a:extLst>
+              <a:ext uri="{FF2B5EF4-FFF2-40B4-BE49-F238E27FC236}">
+                <a16:creationId xmlns:a16="http://schemas.microsoft.com/office/drawing/2014/main" id="{E589433B-7227-7654-323F-1825F9808B1A}"/>
               </a:ext>
             </a:extLst>
           </p:cNvPr>
@@ -7004,8 +10808,8 @@
         </p:nvSpPr>
         <p:spPr>
           <a:xfrm>
-            <a:off x="-12357" y="2029138"/>
-            <a:ext cx="7155485" cy="646331"/>
+            <a:off x="376069" y="1587441"/>
+            <a:ext cx="10825331" cy="923330"/>
           </a:xfrm>
           <a:prstGeom prst="rect">
             <a:avLst/>
@@ -7013,7 +10817,7 @@
           <a:noFill/>
         </p:spPr>
         <p:txBody>
-          <a:bodyPr wrap="none" rtlCol="0">
+          <a:bodyPr wrap="square" rtlCol="0">
             <a:spAutoFit/>
           </a:bodyPr>
           <a:lstStyle/>
@@ -7023,28 +10827,37 @@
               <a:buChar char="•"/>
             </a:pPr>
             <a:r>
-              <a:rPr lang="en-GE" dirty="0"/>
-              <a:t>Project/code than compares predicted price for the stocks to the actual</a:t>
-            </a:r>
-          </a:p>
-          <a:p>
-            <a:r>
-              <a:rPr lang="en-GB" dirty="0"/>
-              <a:t>      o</a:t>
-            </a:r>
-            <a:r>
-              <a:rPr lang="en-GE" dirty="0"/>
-              <a:t>ne and gives out a histogram visualisation of the difference</a:t>
-            </a:r>
+              <a:rPr lang="en-US" dirty="0"/>
+              <a:t>The code connects with the </a:t>
+            </a:r>
+            <a:r>
+              <a:rPr lang="en-US" dirty="0" err="1"/>
+              <a:t>Finnhub</a:t>
+            </a:r>
+            <a:r>
+              <a:rPr lang="en-US" dirty="0"/>
+              <a:t> server and retrieves current prices for the top stocks.</a:t>
+            </a:r>
+          </a:p>
+          <a:p>
+            <a:pPr marL="285750" indent="-285750">
+              <a:buFont typeface="Arial" panose="020B0604020202020204" pitchFamily="34" charset="0"/>
+              <a:buChar char="•"/>
+            </a:pPr>
+            <a:r>
+              <a:rPr lang="en-US" dirty="0"/>
+              <a:t>The project/code compares the predicted price for the stocks to the actual one and generates a histogram visualization of the differences.</a:t>
+            </a:r>
+            <a:endParaRPr lang="en-GE" dirty="0"/>
           </a:p>
         </p:txBody>
       </p:sp>
       <p:pic>
         <p:nvPicPr>
-          <p:cNvPr id="5" name="Picture 4">
-            <a:extLst>
-              <a:ext uri="{FF2B5EF4-FFF2-40B4-BE49-F238E27FC236}">
-                <a16:creationId xmlns:a16="http://schemas.microsoft.com/office/drawing/2014/main" id="{8A79F2D6-CD29-B03B-F0C8-4DF07F5C5976}"/>
+          <p:cNvPr id="3" name="Picture 2">
+            <a:extLst>
+              <a:ext uri="{FF2B5EF4-FFF2-40B4-BE49-F238E27FC236}">
+                <a16:creationId xmlns:a16="http://schemas.microsoft.com/office/drawing/2014/main" id="{ADDC7DAA-3033-1048-4915-9FD73CC86216}"/>
               </a:ext>
             </a:extLst>
           </p:cNvPr>
@@ -7061,8 +10874,8 @@
         </p:blipFill>
         <p:spPr>
           <a:xfrm>
-            <a:off x="377302" y="2687826"/>
-            <a:ext cx="3556000" cy="2413000"/>
+            <a:off x="376070" y="2971685"/>
+            <a:ext cx="2748186" cy="1905116"/>
           </a:xfrm>
           <a:prstGeom prst="rect">
             <a:avLst/>
@@ -7071,10 +10884,104 @@
       </p:pic>
       <p:pic>
         <p:nvPicPr>
-          <p:cNvPr id="11" name="Picture 10">
-            <a:extLst>
-              <a:ext uri="{FF2B5EF4-FFF2-40B4-BE49-F238E27FC236}">
-                <a16:creationId xmlns:a16="http://schemas.microsoft.com/office/drawing/2014/main" id="{B1DFFA1F-6888-6F63-706C-8E7CB2D4825C}"/>
+          <p:cNvPr id="4100" name="Picture 4">
+            <a:extLst>
+              <a:ext uri="{FF2B5EF4-FFF2-40B4-BE49-F238E27FC236}">
+                <a16:creationId xmlns:a16="http://schemas.microsoft.com/office/drawing/2014/main" id="{613F36AB-3D32-5637-2159-B739CAA2D737}"/>
+              </a:ext>
+            </a:extLst>
+          </p:cNvPr>
+          <p:cNvPicPr>
+            <a:picLocks noChangeAspect="1" noChangeArrowheads="1"/>
+          </p:cNvPicPr>
+          <p:nvPr/>
+        </p:nvPicPr>
+        <p:blipFill>
+          <a:blip r:embed="rId4">
+            <a:extLst>
+              <a:ext uri="{28A0092B-C50C-407E-A947-70E740481C1C}">
+                <a14:useLocalDpi xmlns:a14="http://schemas.microsoft.com/office/drawing/2010/main" val="0"/>
+              </a:ext>
+            </a:extLst>
+          </a:blip>
+          <a:srcRect/>
+          <a:stretch>
+            <a:fillRect/>
+          </a:stretch>
+        </p:blipFill>
+        <p:spPr bwMode="auto">
+          <a:xfrm>
+            <a:off x="7162178" y="2860937"/>
+            <a:ext cx="4267822" cy="2641029"/>
+          </a:xfrm>
+          <a:prstGeom prst="rect">
+            <a:avLst/>
+          </a:prstGeom>
+          <a:noFill/>
+          <a:extLst>
+            <a:ext uri="{909E8E84-426E-40DD-AFC4-6F175D3DCCD1}">
+              <a14:hiddenFill xmlns:a14="http://schemas.microsoft.com/office/drawing/2010/main">
+                <a:solidFill>
+                  <a:srgbClr val="FFFFFF"/>
+                </a:solidFill>
+              </a14:hiddenFill>
+            </a:ext>
+          </a:extLst>
+        </p:spPr>
+      </p:pic>
+      <p:pic>
+        <p:nvPicPr>
+          <p:cNvPr id="4102" name="Picture 6">
+            <a:extLst>
+              <a:ext uri="{FF2B5EF4-FFF2-40B4-BE49-F238E27FC236}">
+                <a16:creationId xmlns:a16="http://schemas.microsoft.com/office/drawing/2014/main" id="{072922B2-8E89-369C-9FD4-15C4C88B9BEC}"/>
+              </a:ext>
+            </a:extLst>
+          </p:cNvPr>
+          <p:cNvPicPr>
+            <a:picLocks noChangeAspect="1" noChangeArrowheads="1"/>
+          </p:cNvPicPr>
+          <p:nvPr/>
+        </p:nvPicPr>
+        <p:blipFill>
+          <a:blip r:embed="rId5">
+            <a:extLst>
+              <a:ext uri="{28A0092B-C50C-407E-A947-70E740481C1C}">
+                <a14:useLocalDpi xmlns:a14="http://schemas.microsoft.com/office/drawing/2010/main" val="0"/>
+              </a:ext>
+            </a:extLst>
+          </a:blip>
+          <a:srcRect/>
+          <a:stretch>
+            <a:fillRect/>
+          </a:stretch>
+        </p:blipFill>
+        <p:spPr bwMode="auto">
+          <a:xfrm>
+            <a:off x="3565385" y="2860938"/>
+            <a:ext cx="3331701" cy="2643188"/>
+          </a:xfrm>
+          <a:prstGeom prst="rect">
+            <a:avLst/>
+          </a:prstGeom>
+          <a:noFill/>
+          <a:extLst>
+            <a:ext uri="{909E8E84-426E-40DD-AFC4-6F175D3DCCD1}">
+              <a14:hiddenFill xmlns:a14="http://schemas.microsoft.com/office/drawing/2010/main">
+                <a:solidFill>
+                  <a:srgbClr val="FFFFFF"/>
+                </a:solidFill>
+              </a14:hiddenFill>
+            </a:ext>
+          </a:extLst>
+        </p:spPr>
+      </p:pic>
+      <p:pic>
+        <p:nvPicPr>
+          <p:cNvPr id="10" name="Picture 9">
+            <a:extLst>
+              <a:ext uri="{FF2B5EF4-FFF2-40B4-BE49-F238E27FC236}">
+                <a16:creationId xmlns:a16="http://schemas.microsoft.com/office/drawing/2014/main" id="{45D9AB14-03E8-7637-85AB-4A172BAABA24}"/>
               </a:ext>
             </a:extLst>
           </p:cNvPr>
@@ -7084,15 +10991,15 @@
           <p:nvPr/>
         </p:nvPicPr>
         <p:blipFill>
-          <a:blip r:embed="rId4"/>
+          <a:blip r:embed="rId6"/>
           <a:stretch>
             <a:fillRect/>
           </a:stretch>
         </p:blipFill>
         <p:spPr>
           <a:xfrm>
-            <a:off x="4432887" y="2681879"/>
-            <a:ext cx="6605413" cy="3963248"/>
+            <a:off x="3565385" y="5501967"/>
+            <a:ext cx="3331701" cy="329128"/>
           </a:xfrm>
           <a:prstGeom prst="rect">
             <a:avLst/>
@@ -7101,44 +11008,53 @@
       </p:pic>
       <p:sp>
         <p:nvSpPr>
-          <p:cNvPr id="13" name="TextBox 12">
-            <a:extLst>
-              <a:ext uri="{FF2B5EF4-FFF2-40B4-BE49-F238E27FC236}">
-                <a16:creationId xmlns:a16="http://schemas.microsoft.com/office/drawing/2014/main" id="{E589433B-7227-7654-323F-1825F9808B1A}"/>
-              </a:ext>
-            </a:extLst>
-          </p:cNvPr>
-          <p:cNvSpPr txBox="1"/>
+          <p:cNvPr id="15" name="Rectangle 14">
+            <a:extLst>
+              <a:ext uri="{FF2B5EF4-FFF2-40B4-BE49-F238E27FC236}">
+                <a16:creationId xmlns:a16="http://schemas.microsoft.com/office/drawing/2014/main" id="{D20B211D-C8E2-FB8A-C3C6-6B937E8D9778}"/>
+              </a:ext>
+            </a:extLst>
+          </p:cNvPr>
+          <p:cNvSpPr/>
           <p:nvPr/>
         </p:nvSpPr>
         <p:spPr>
           <a:xfrm>
-            <a:off x="6571" y="1587441"/>
-            <a:ext cx="8149732" cy="369332"/>
+            <a:off x="376070" y="3743325"/>
+            <a:ext cx="2748186" cy="180975"/>
           </a:xfrm>
           <a:prstGeom prst="rect">
             <a:avLst/>
           </a:prstGeom>
           <a:noFill/>
+          <a:ln>
+            <a:solidFill>
+              <a:schemeClr val="accent1"/>
+            </a:solidFill>
+          </a:ln>
         </p:spPr>
-        <p:txBody>
-          <a:bodyPr wrap="none" rtlCol="0">
-            <a:spAutoFit/>
-          </a:bodyPr>
+        <p:style>
+          <a:lnRef idx="2">
+            <a:schemeClr val="accent1">
+              <a:shade val="15000"/>
+            </a:schemeClr>
+          </a:lnRef>
+          <a:fillRef idx="1">
+            <a:schemeClr val="accent1"/>
+          </a:fillRef>
+          <a:effectRef idx="0">
+            <a:schemeClr val="accent1"/>
+          </a:effectRef>
+          <a:fontRef idx="minor">
+            <a:schemeClr val="lt1"/>
+          </a:fontRef>
+        </p:style>
+        <p:txBody>
+          <a:bodyPr rtlCol="0" anchor="ctr"/>
           <a:lstStyle/>
           <a:p>
-            <a:pPr marL="285750" indent="-285750">
-              <a:buFont typeface="Arial" panose="020B0604020202020204" pitchFamily="34" charset="0"/>
-              <a:buChar char="•"/>
-            </a:pPr>
-            <a:r>
-              <a:rPr lang="en-GB" dirty="0"/>
-              <a:t>C</a:t>
-            </a:r>
-            <a:r>
-              <a:rPr lang="en-GE" dirty="0"/>
-              <a:t>ode connects with Finnhub server and retreives current prices for the top stocks </a:t>
-            </a:r>
+            <a:pPr algn="ctr"/>
+            <a:endParaRPr lang="en-CA"/>
           </a:p>
         </p:txBody>
       </p:sp>
@@ -7268,7 +11184,7 @@
         </p:nvSpPr>
         <p:spPr>
           <a:xfrm>
-            <a:off x="0" y="365237"/>
+            <a:off x="414337" y="363919"/>
             <a:ext cx="3240118" cy="523220"/>
           </a:xfrm>
           <a:prstGeom prst="rect">
@@ -7304,7 +11220,7 @@
         </p:nvSpPr>
         <p:spPr>
           <a:xfrm>
-            <a:off x="0" y="1258615"/>
+            <a:off x="414337" y="1270510"/>
             <a:ext cx="1910779" cy="369332"/>
           </a:xfrm>
           <a:prstGeom prst="rect">
@@ -7339,8 +11255,8 @@
         </p:nvSpPr>
         <p:spPr>
           <a:xfrm>
-            <a:off x="5330763" y="2498234"/>
-            <a:ext cx="6861237" cy="3416320"/>
+            <a:off x="5172075" y="2498234"/>
+            <a:ext cx="6781800" cy="3416320"/>
           </a:xfrm>
           <a:prstGeom prst="rect">
             <a:avLst/>
@@ -7348,7 +11264,7 @@
           <a:noFill/>
         </p:spPr>
         <p:txBody>
-          <a:bodyPr wrap="none" rtlCol="0">
+          <a:bodyPr wrap="square" rtlCol="0">
             <a:spAutoFit/>
           </a:bodyPr>
           <a:lstStyle/>
@@ -7359,33 +11275,11 @@
             </a:pPr>
             <a:r>
               <a:rPr lang="en-US" dirty="0"/>
-              <a:t>According to analysis gathered through our project, we can say that </a:t>
-            </a:r>
-          </a:p>
-          <a:p>
-            <a:pPr marL="285750" indent="-285750">
-              <a:buFont typeface="Arial" panose="020B0604020202020204" pitchFamily="34" charset="0"/>
-              <a:buChar char="•"/>
-            </a:pPr>
-            <a:r>
-              <a:rPr lang="en-US" dirty="0"/>
-              <a:t>volatility can be defined as risk, given the factor that prices vary</a:t>
-            </a:r>
-          </a:p>
-          <a:p>
-            <a:r>
-              <a:rPr lang="en-US" dirty="0"/>
-              <a:t>      to the huge extent. However, it is not tied to performance of a stock</a:t>
-            </a:r>
-          </a:p>
-          <a:p>
-            <a:r>
-              <a:rPr lang="en-US" dirty="0"/>
-              <a:t>      rather than peace of mind of an investor.</a:t>
-            </a:r>
-          </a:p>
-          <a:p>
-            <a:pPr>
+              <a:t>According to the analysis gathered through our project, we can define volatility as risk, given that prices vary to a higher extent. However, it is not tied to the performance of a stock but rather to the peace of mind of an investor.</a:t>
+            </a:r>
+          </a:p>
+          <a:p>
+            <a:pPr marL="266700" indent="-266700">
               <a:buClrTx/>
               <a:buFont typeface="Arial" panose="020B0604020202020204" pitchFamily="34" charset="0"/>
               <a:buChar char="•"/>
@@ -7396,62 +11290,71 @@
                   <a:schemeClr val="tx1"/>
                 </a:solidFill>
               </a:rPr>
-              <a:t>    Based on this information we can suggest the top 5 stocks based</a:t>
-            </a:r>
-          </a:p>
-          <a:p>
-            <a:pPr>
-              <a:buClrTx/>
+              <a:t>Based on this information we can suggest the top 5 stocks based on:</a:t>
+            </a:r>
+          </a:p>
+          <a:p>
+            <a:pPr marL="895350" lvl="2" indent="-342900">
               <a:buFont typeface="Arial" panose="020B0604020202020204" pitchFamily="34" charset="0"/>
               <a:buChar char="•"/>
             </a:pPr>
             <a:r>
               <a:rPr lang="en-CA" b="1" dirty="0"/>
-              <a:t>      </a:t>
-            </a:r>
-            <a:r>
-              <a:rPr lang="en-CA" b="1" dirty="0">
-                <a:solidFill>
-                  <a:schemeClr val="tx1"/>
-                </a:solidFill>
-              </a:rPr>
-              <a:t> </a:t>
-            </a:r>
-            <a:r>
-              <a:rPr lang="en-CA" b="1" dirty="0"/>
-              <a:t>O</a:t>
-            </a:r>
-            <a:r>
-              <a:rPr lang="en-CA" b="1" dirty="0">
-                <a:solidFill>
-                  <a:schemeClr val="tx1"/>
-                </a:solidFill>
-              </a:rPr>
-              <a:t>nly on price:</a:t>
-            </a:r>
-          </a:p>
-          <a:p>
-            <a:pPr lvl="1">
-              <a:buClrTx/>
+              <a:t>Only on price:</a:t>
+            </a:r>
+          </a:p>
+          <a:p>
+            <a:pPr marL="1162050" lvl="2" indent="-247650">
               <a:buFont typeface="Arial" panose="020B0604020202020204" pitchFamily="34" charset="0"/>
               <a:buChar char="•"/>
             </a:pPr>
             <a:r>
               <a:rPr lang="en-CA" dirty="0"/>
-              <a:t>KRBP</a:t>
-            </a:r>
+              <a:t>SCM, LFUS, DRS, INFU, TRUP</a:t>
+            </a:r>
+            <a:endParaRPr lang="en-CA" dirty="0">
+              <a:solidFill>
+                <a:schemeClr val="tx1"/>
+              </a:solidFill>
+            </a:endParaRPr>
+          </a:p>
+          <a:p>
+            <a:pPr lvl="2" indent="-361950">
+              <a:buFont typeface="Arial" panose="020B0604020202020204" pitchFamily="34" charset="0"/>
+              <a:buChar char="•"/>
+            </a:pPr>
+            <a:r>
+              <a:rPr lang="en-CA" b="1" dirty="0"/>
+              <a:t>The top stocks based on price stability (Standard deviation):</a:t>
+            </a:r>
+          </a:p>
+          <a:p>
+            <a:pPr marL="1162050" lvl="2" indent="-247650">
+              <a:buFont typeface="Arial" panose="020B0604020202020204" pitchFamily="34" charset="0"/>
+              <a:buChar char="•"/>
+            </a:pPr>
             <a:r>
               <a:rPr lang="en-CA" dirty="0">
                 <a:solidFill>
                   <a:schemeClr val="tx1"/>
                 </a:solidFill>
               </a:rPr>
-              <a:t>, FT, VERA, PB, and DUOL.</a:t>
-            </a:r>
-          </a:p>
-          <a:p>
-            <a:pPr>
-              <a:buClrTx/>
+              <a:t>SCM, IRT, DRS, INFU, HQI</a:t>
+            </a:r>
+            <a:endParaRPr lang="en-CA" dirty="0"/>
+          </a:p>
+          <a:p>
+            <a:pPr lvl="2" indent="-361950">
+              <a:buFont typeface="Arial" panose="020B0604020202020204" pitchFamily="34" charset="0"/>
+              <a:buChar char="•"/>
+            </a:pPr>
+            <a:r>
+              <a:rPr lang="en-CA" b="1" dirty="0"/>
+              <a:t>And the top based on price AND stability (R-squared):</a:t>
+            </a:r>
+          </a:p>
+          <a:p>
+            <a:pPr marL="1162050" lvl="2" indent="-247650">
               <a:buFont typeface="Arial" panose="020B0604020202020204" pitchFamily="34" charset="0"/>
               <a:buChar char="•"/>
             </a:pPr>
@@ -7461,76 +11364,9 @@
                   <a:schemeClr val="tx1"/>
                 </a:solidFill>
               </a:rPr>
-              <a:t>       </a:t>
-            </a:r>
-            <a:r>
-              <a:rPr lang="en-CA" b="1" dirty="0"/>
-              <a:t>T</a:t>
-            </a:r>
-            <a:r>
-              <a:rPr lang="en-CA" b="1" dirty="0">
-                <a:solidFill>
-                  <a:schemeClr val="tx1"/>
-                </a:solidFill>
-              </a:rPr>
-              <a:t>he top stocks based on price stability (Standard deviation):</a:t>
-            </a:r>
-          </a:p>
-          <a:p>
-            <a:pPr lvl="1">
-              <a:buClrTx/>
-              <a:buFont typeface="Arial" panose="020B0604020202020204" pitchFamily="34" charset="0"/>
-              <a:buChar char="•"/>
-            </a:pPr>
-            <a:r>
-              <a:rPr lang="en-GB" dirty="0">
-                <a:solidFill>
-                  <a:schemeClr val="tx1"/>
-                </a:solidFill>
-              </a:rPr>
-              <a:t>FT, BLNG, ERC, ELP and </a:t>
-            </a:r>
-            <a:r>
-              <a:rPr lang="en-US" dirty="0">
-                <a:solidFill>
-                  <a:schemeClr val="tx1"/>
-                </a:solidFill>
-              </a:rPr>
-              <a:t>SAT</a:t>
+              <a:t>CPK, ELS, PH, ROK, KFRC</a:t>
             </a:r>
             <a:endParaRPr lang="en-CA" dirty="0"/>
-          </a:p>
-          <a:p>
-            <a:pPr lvl="1">
-              <a:buClrTx/>
-            </a:pPr>
-            <a:r>
-              <a:rPr lang="en-CA" b="1" dirty="0">
-                <a:solidFill>
-                  <a:schemeClr val="tx1"/>
-                </a:solidFill>
-              </a:rPr>
-              <a:t>And the top based on price AND stability (R-squared):</a:t>
-            </a:r>
-          </a:p>
-          <a:p>
-            <a:pPr lvl="1">
-              <a:buClrTx/>
-              <a:buFont typeface="Arial" panose="020B0604020202020204" pitchFamily="34" charset="0"/>
-              <a:buChar char="•"/>
-            </a:pPr>
-            <a:r>
-              <a:rPr lang="en-CA" dirty="0">
-                <a:solidFill>
-                  <a:schemeClr val="tx1"/>
-                </a:solidFill>
-              </a:rPr>
-              <a:t>FT, BLNG, SG, KRBP and TEVA</a:t>
-            </a:r>
-            <a:endParaRPr lang="en-CA" dirty="0"/>
-          </a:p>
-          <a:p>
-            <a:endParaRPr lang="en-GE" dirty="0"/>
           </a:p>
         </p:txBody>
       </p:sp>
@@ -7548,8 +11384,8 @@
         </p:nvSpPr>
         <p:spPr>
           <a:xfrm>
-            <a:off x="6571" y="1587441"/>
-            <a:ext cx="12283299" cy="923330"/>
+            <a:off x="414337" y="1587441"/>
+            <a:ext cx="11444287" cy="923330"/>
           </a:xfrm>
           <a:prstGeom prst="rect">
             <a:avLst/>
@@ -7557,30 +11393,14 @@
           <a:noFill/>
         </p:spPr>
         <p:txBody>
-          <a:bodyPr wrap="none" rtlCol="0">
+          <a:bodyPr wrap="square" rtlCol="0">
             <a:spAutoFit/>
           </a:bodyPr>
           <a:lstStyle/>
           <a:p>
-            <a:pPr marL="285750" indent="-285750">
-              <a:buFont typeface="Arial" panose="020B0604020202020204" pitchFamily="34" charset="0"/>
-              <a:buChar char="•"/>
-            </a:pPr>
             <a:r>
               <a:rPr lang="en-US" dirty="0"/>
-              <a:t>According to our findings volatility does not necessarily determine success or failure of a stock as stock FT, was one of the</a:t>
-            </a:r>
-          </a:p>
-          <a:p>
-            <a:r>
-              <a:rPr lang="en-US" dirty="0"/>
-              <a:t>     best performers, but nevertheless encountered very low volatility, whereas PB was could not perform as well, but experienced</a:t>
-            </a:r>
-          </a:p>
-          <a:p>
-            <a:r>
-              <a:rPr lang="en-US" dirty="0"/>
-              <a:t>     significantly higher levels of volatility</a:t>
+              <a:t>According to our findings, volatility does not necessarily determine the success or failure of a stock. For instance, stock SCM was one of the best performers, yet encountered very low volatility. On the other hand, PH could not perform as well, but experienced higher volatility.</a:t>
             </a:r>
             <a:endParaRPr lang="en-GE" dirty="0"/>
           </a:p>
@@ -7588,10 +11408,57 @@
       </p:sp>
       <p:pic>
         <p:nvPicPr>
-          <p:cNvPr id="3" name="Picture 2">
-            <a:extLst>
-              <a:ext uri="{FF2B5EF4-FFF2-40B4-BE49-F238E27FC236}">
-                <a16:creationId xmlns:a16="http://schemas.microsoft.com/office/drawing/2014/main" id="{1FA91CCA-ECF4-0D20-7FDE-F39975AABF35}"/>
+          <p:cNvPr id="5122" name="Picture 2">
+            <a:extLst>
+              <a:ext uri="{FF2B5EF4-FFF2-40B4-BE49-F238E27FC236}">
+                <a16:creationId xmlns:a16="http://schemas.microsoft.com/office/drawing/2014/main" id="{BB2E1BBC-40D3-F574-C804-BBC927CD48EE}"/>
+              </a:ext>
+            </a:extLst>
+          </p:cNvPr>
+          <p:cNvPicPr>
+            <a:picLocks noChangeAspect="1" noChangeArrowheads="1"/>
+          </p:cNvPicPr>
+          <p:nvPr/>
+        </p:nvPicPr>
+        <p:blipFill>
+          <a:blip r:embed="rId3">
+            <a:extLst>
+              <a:ext uri="{28A0092B-C50C-407E-A947-70E740481C1C}">
+                <a14:useLocalDpi xmlns:a14="http://schemas.microsoft.com/office/drawing/2010/main" val="0"/>
+              </a:ext>
+            </a:extLst>
+          </a:blip>
+          <a:srcRect/>
+          <a:stretch>
+            <a:fillRect/>
+          </a:stretch>
+        </p:blipFill>
+        <p:spPr bwMode="auto">
+          <a:xfrm>
+            <a:off x="414338" y="2536930"/>
+            <a:ext cx="4197798" cy="3377624"/>
+          </a:xfrm>
+          <a:prstGeom prst="rect">
+            <a:avLst/>
+          </a:prstGeom>
+          <a:noFill/>
+          <a:extLst>
+            <a:ext uri="{909E8E84-426E-40DD-AFC4-6F175D3DCCD1}">
+              <a14:hiddenFill xmlns:a14="http://schemas.microsoft.com/office/drawing/2010/main">
+                <a:solidFill>
+                  <a:srgbClr val="FFFFFF"/>
+                </a:solidFill>
+              </a14:hiddenFill>
+            </a:ext>
+          </a:extLst>
+        </p:spPr>
+      </p:pic>
+      <p:pic>
+        <p:nvPicPr>
+          <p:cNvPr id="5" name="Picture 4">
+            <a:extLst>
+              <a:ext uri="{FF2B5EF4-FFF2-40B4-BE49-F238E27FC236}">
+                <a16:creationId xmlns:a16="http://schemas.microsoft.com/office/drawing/2014/main" id="{95CE9284-3CBC-8520-BDD2-1D6940029819}"/>
               </a:ext>
             </a:extLst>
           </p:cNvPr>
@@ -7601,15 +11468,15 @@
           <p:nvPr/>
         </p:nvPicPr>
         <p:blipFill>
-          <a:blip r:embed="rId3"/>
+          <a:blip r:embed="rId4"/>
           <a:stretch>
             <a:fillRect/>
           </a:stretch>
         </p:blipFill>
         <p:spPr>
           <a:xfrm>
-            <a:off x="6571" y="2584278"/>
-            <a:ext cx="5505450" cy="4273722"/>
+            <a:off x="414338" y="5914554"/>
+            <a:ext cx="4197600" cy="390474"/>
           </a:xfrm>
           <a:prstGeom prst="rect">
             <a:avLst/>
@@ -7742,7 +11609,7 @@
         </p:nvSpPr>
         <p:spPr>
           <a:xfrm>
-            <a:off x="0" y="365237"/>
+            <a:off x="552450" y="365787"/>
             <a:ext cx="3856505" cy="523220"/>
           </a:xfrm>
           <a:prstGeom prst="rect">
@@ -7778,8 +11645,8 @@
         </p:nvSpPr>
         <p:spPr>
           <a:xfrm>
-            <a:off x="-12357" y="1257515"/>
-            <a:ext cx="12701106" cy="1477328"/>
+            <a:off x="552450" y="1257515"/>
+            <a:ext cx="11277600" cy="1477328"/>
           </a:xfrm>
           <a:prstGeom prst="rect">
             <a:avLst/>
@@ -7787,107 +11654,23 @@
           <a:noFill/>
         </p:spPr>
         <p:txBody>
-          <a:bodyPr wrap="none" rtlCol="0">
+          <a:bodyPr wrap="square" rtlCol="0">
             <a:spAutoFit/>
           </a:bodyPr>
           <a:lstStyle/>
           <a:p>
-            <a:pPr marL="285750" indent="-285750">
-              <a:buFont typeface="Arial" panose="020B0604020202020204" pitchFamily="34" charset="0"/>
-              <a:buChar char="•"/>
-            </a:pPr>
             <a:r>
               <a:rPr lang="en-US" dirty="0"/>
-              <a:t>This project should only be used as a guideline for selecting stocks with less or more risk/volatility. That is if investor comes into </a:t>
-            </a:r>
-          </a:p>
-          <a:p>
-            <a:r>
-              <a:rPr lang="en-US" dirty="0"/>
-              <a:t>     agreement with our view that more price volatility means more risk, than one can differentiate stocks on NASDAQ index, that</a:t>
-            </a:r>
-          </a:p>
-          <a:p>
-            <a:r>
-              <a:rPr lang="en-US" dirty="0"/>
-              <a:t>     have had least price volatility over the past years, the highest price gain disregarding volatility and more. </a:t>
-            </a:r>
-          </a:p>
-          <a:p>
-            <a:r>
-              <a:rPr lang="en-US" dirty="0"/>
-              <a:t>     However, our price prediction model, needs more comprehensive parameter inclusion and cannot be used  as a legitimate </a:t>
-            </a:r>
-          </a:p>
-          <a:p>
-            <a:r>
-              <a:rPr lang="en-US" dirty="0"/>
-              <a:t>     credential for making decision about your investment portfolio. </a:t>
+              <a:t>This project should only be used as a guideline for selecting stocks with less or more risk/volatility. If an investor agrees with our view that more price volatility means more risk, they can differentiate stocks on the NASDAQ index based on factors such as the least price volatility over the past years, the highest price gain disregarding volatility, and more. However, our price prediction model is not exact and should be only used as input for decision making as other factors (beyond historical performance) can/would influence final prices for the stock in one </a:t>
+            </a:r>
+            <a:r>
+              <a:rPr lang="en-US"/>
+              <a:t>year.</a:t>
             </a:r>
             <a:endParaRPr lang="en-GE" dirty="0"/>
           </a:p>
         </p:txBody>
       </p:sp>
-      <p:pic>
-        <p:nvPicPr>
-          <p:cNvPr id="5" name="Picture 4">
-            <a:extLst>
-              <a:ext uri="{FF2B5EF4-FFF2-40B4-BE49-F238E27FC236}">
-                <a16:creationId xmlns:a16="http://schemas.microsoft.com/office/drawing/2014/main" id="{D1080B40-9DA7-2027-278C-46EB79E501F5}"/>
-              </a:ext>
-            </a:extLst>
-          </p:cNvPr>
-          <p:cNvPicPr>
-            <a:picLocks noChangeAspect="1"/>
-          </p:cNvPicPr>
-          <p:nvPr/>
-        </p:nvPicPr>
-        <p:blipFill>
-          <a:blip r:embed="rId2"/>
-          <a:stretch>
-            <a:fillRect/>
-          </a:stretch>
-        </p:blipFill>
-        <p:spPr>
-          <a:xfrm>
-            <a:off x="229704" y="2806108"/>
-            <a:ext cx="4690165" cy="2934131"/>
-          </a:xfrm>
-          <a:prstGeom prst="rect">
-            <a:avLst/>
-          </a:prstGeom>
-        </p:spPr>
-      </p:pic>
-      <p:pic>
-        <p:nvPicPr>
-          <p:cNvPr id="10" name="Picture 9">
-            <a:extLst>
-              <a:ext uri="{FF2B5EF4-FFF2-40B4-BE49-F238E27FC236}">
-                <a16:creationId xmlns:a16="http://schemas.microsoft.com/office/drawing/2014/main" id="{01BC8708-9E5B-47A5-FCA0-27FADD4792BE}"/>
-              </a:ext>
-            </a:extLst>
-          </p:cNvPr>
-          <p:cNvPicPr>
-            <a:picLocks noChangeAspect="1"/>
-          </p:cNvPicPr>
-          <p:nvPr/>
-        </p:nvPicPr>
-        <p:blipFill>
-          <a:blip r:embed="rId3"/>
-          <a:stretch>
-            <a:fillRect/>
-          </a:stretch>
-        </p:blipFill>
-        <p:spPr>
-          <a:xfrm>
-            <a:off x="6083643" y="2777758"/>
-            <a:ext cx="4632253" cy="2934131"/>
-          </a:xfrm>
-          <a:prstGeom prst="rect">
-            <a:avLst/>
-          </a:prstGeom>
-        </p:spPr>
-      </p:pic>
       <p:sp>
         <p:nvSpPr>
           <p:cNvPr id="11" name="TextBox 10">
@@ -7923,6 +11706,100 @@
           </a:p>
         </p:txBody>
       </p:sp>
+      <p:pic>
+        <p:nvPicPr>
+          <p:cNvPr id="6146" name="Picture 2">
+            <a:extLst>
+              <a:ext uri="{FF2B5EF4-FFF2-40B4-BE49-F238E27FC236}">
+                <a16:creationId xmlns:a16="http://schemas.microsoft.com/office/drawing/2014/main" id="{D5306E77-274F-11E1-39AC-53546C65F69E}"/>
+              </a:ext>
+            </a:extLst>
+          </p:cNvPr>
+          <p:cNvPicPr>
+            <a:picLocks noChangeAspect="1" noChangeArrowheads="1"/>
+          </p:cNvPicPr>
+          <p:nvPr/>
+        </p:nvPicPr>
+        <p:blipFill>
+          <a:blip r:embed="rId2">
+            <a:extLst>
+              <a:ext uri="{28A0092B-C50C-407E-A947-70E740481C1C}">
+                <a14:useLocalDpi xmlns:a14="http://schemas.microsoft.com/office/drawing/2010/main" val="0"/>
+              </a:ext>
+            </a:extLst>
+          </a:blip>
+          <a:srcRect/>
+          <a:stretch>
+            <a:fillRect/>
+          </a:stretch>
+        </p:blipFill>
+        <p:spPr bwMode="auto">
+          <a:xfrm>
+            <a:off x="552450" y="2894182"/>
+            <a:ext cx="4695825" cy="2933496"/>
+          </a:xfrm>
+          <a:prstGeom prst="rect">
+            <a:avLst/>
+          </a:prstGeom>
+          <a:noFill/>
+          <a:extLst>
+            <a:ext uri="{909E8E84-426E-40DD-AFC4-6F175D3DCCD1}">
+              <a14:hiddenFill xmlns:a14="http://schemas.microsoft.com/office/drawing/2010/main">
+                <a:solidFill>
+                  <a:srgbClr val="FFFFFF"/>
+                </a:solidFill>
+              </a14:hiddenFill>
+            </a:ext>
+          </a:extLst>
+        </p:spPr>
+      </p:pic>
+      <p:pic>
+        <p:nvPicPr>
+          <p:cNvPr id="6148" name="Picture 4">
+            <a:extLst>
+              <a:ext uri="{FF2B5EF4-FFF2-40B4-BE49-F238E27FC236}">
+                <a16:creationId xmlns:a16="http://schemas.microsoft.com/office/drawing/2014/main" id="{03071C90-CD2C-AA6A-B482-1AC4BB264A17}"/>
+              </a:ext>
+            </a:extLst>
+          </p:cNvPr>
+          <p:cNvPicPr>
+            <a:picLocks noChangeAspect="1" noChangeArrowheads="1"/>
+          </p:cNvPicPr>
+          <p:nvPr/>
+        </p:nvPicPr>
+        <p:blipFill>
+          <a:blip r:embed="rId3">
+            <a:extLst>
+              <a:ext uri="{28A0092B-C50C-407E-A947-70E740481C1C}">
+                <a14:useLocalDpi xmlns:a14="http://schemas.microsoft.com/office/drawing/2010/main" val="0"/>
+              </a:ext>
+            </a:extLst>
+          </a:blip>
+          <a:srcRect/>
+          <a:stretch>
+            <a:fillRect/>
+          </a:stretch>
+        </p:blipFill>
+        <p:spPr bwMode="auto">
+          <a:xfrm>
+            <a:off x="6359867" y="2894181"/>
+            <a:ext cx="4695826" cy="2933497"/>
+          </a:xfrm>
+          <a:prstGeom prst="rect">
+            <a:avLst/>
+          </a:prstGeom>
+          <a:noFill/>
+          <a:extLst>
+            <a:ext uri="{909E8E84-426E-40DD-AFC4-6F175D3DCCD1}">
+              <a14:hiddenFill xmlns:a14="http://schemas.microsoft.com/office/drawing/2010/main">
+                <a:solidFill>
+                  <a:srgbClr val="FFFFFF"/>
+                </a:solidFill>
+              </a14:hiddenFill>
+            </a:ext>
+          </a:extLst>
+        </p:spPr>
+      </p:pic>
     </p:spTree>
     <p:extLst>
       <p:ext uri="{BB962C8B-B14F-4D97-AF65-F5344CB8AC3E}">
